--- a/OOP2020.pptx
+++ b/OOP2020.pptx
@@ -1,26 +1,26 @@
 
 <file path=ppt/presentation.xml><?xml version="1.0" encoding="utf-8"?>
-<p:presentation xmlns:a="http://schemas.openxmlformats.org/drawingml/2006/main" xmlns:r="http://schemas.openxmlformats.org/officeDocument/2006/relationships" xmlns:mc="http://schemas.openxmlformats.org/markup-compatibility/2006" xmlns:mv="urn:schemas-microsoft-com:mac:vml" xmlns:p="http://schemas.openxmlformats.org/presentationml/2006/main" xmlns:c="http://schemas.openxmlformats.org/drawingml/2006/chart" xmlns:dgm="http://schemas.openxmlformats.org/drawingml/2006/diagram" xmlns:o="urn:schemas-microsoft-com:office:office" xmlns:v="urn:schemas-microsoft-com:vml" xmlns:pvml="urn:schemas-microsoft-com:office:powerpoint" xmlns:com="http://schemas.openxmlformats.org/drawingml/2006/compatibility" xmlns:p14="http://schemas.microsoft.com/office/powerpoint/2010/main" xmlns:p15="http://schemas.microsoft.com/office/powerpoint/2012/main" xmlns:ahyp="http://schemas.microsoft.com/office/drawing/2018/hyperlinkcolor" autoCompressPictures="0" strictFirstAndLastChars="0" saveSubsetFonts="1">
+<p:presentation xmlns:a="http://schemas.openxmlformats.org/drawingml/2006/main" xmlns:r="http://schemas.openxmlformats.org/officeDocument/2006/relationships" xmlns:p="http://schemas.openxmlformats.org/presentationml/2006/main" strictFirstAndLastChars="0" saveSubsetFonts="1" autoCompressPictures="0">
   <p:sldMasterIdLst>
-    <p:sldMasterId id="2147483648" r:id="rId4"/>
+    <p:sldMasterId id="2147483648" r:id="rId1"/>
   </p:sldMasterIdLst>
   <p:notesMasterIdLst>
-    <p:notesMasterId r:id="rId5"/>
+    <p:notesMasterId r:id="rId10"/>
   </p:notesMasterIdLst>
   <p:sldIdLst>
-    <p:sldId id="256" r:id="rId6"/>
-    <p:sldId id="257" r:id="rId7"/>
-    <p:sldId id="258" r:id="rId8"/>
-    <p:sldId id="259" r:id="rId9"/>
-    <p:sldId id="260" r:id="rId10"/>
-    <p:sldId id="261" r:id="rId11"/>
-    <p:sldId id="262" r:id="rId12"/>
-    <p:sldId id="263" r:id="rId13"/>
+    <p:sldId id="256" r:id="rId2"/>
+    <p:sldId id="257" r:id="rId3"/>
+    <p:sldId id="258" r:id="rId4"/>
+    <p:sldId id="259" r:id="rId5"/>
+    <p:sldId id="260" r:id="rId6"/>
+    <p:sldId id="261" r:id="rId7"/>
+    <p:sldId id="262" r:id="rId8"/>
+    <p:sldId id="263" r:id="rId9"/>
   </p:sldIdLst>
-  <p:sldSz cy="6858000" cx="12192000"/>
+  <p:sldSz cx="12192000" cy="6858000"/>
   <p:notesSz cx="6858000" cy="9144000"/>
   <p:defaultTextStyle>
-    <a:defPPr lvl="0" marR="0" rtl="0" algn="l">
+    <a:defPPr marR="0" lvl="0" algn="l" rtl="0">
       <a:lnSpc>
         <a:spcPct val="100000"/>
       </a:lnSpc>
@@ -31,7 +31,7 @@
         <a:spcPts val="0"/>
       </a:spcAft>
     </a:defPPr>
-    <a:lvl1pPr lvl="0" marR="0" rtl="0" algn="l">
+    <a:lvl1pPr marR="0" lvl="0" algn="l" rtl="0">
       <a:lnSpc>
         <a:spcPct val="100000"/>
       </a:lnSpc>
@@ -45,7 +45,7 @@
         <a:srgbClr val="000000"/>
       </a:buClr>
       <a:buFont typeface="Arial"/>
-      <a:defRPr b="0" i="0" sz="1400" u="none" cap="none" strike="noStrike">
+      <a:defRPr sz="1400" b="0" i="0" u="none" strike="noStrike" cap="none">
         <a:solidFill>
           <a:srgbClr val="000000"/>
         </a:solidFill>
@@ -55,7 +55,7 @@
         <a:sym typeface="Arial"/>
       </a:defRPr>
     </a:lvl1pPr>
-    <a:lvl2pPr lvl="1" marR="0" rtl="0" algn="l">
+    <a:lvl2pPr marR="0" lvl="1" algn="l" rtl="0">
       <a:lnSpc>
         <a:spcPct val="100000"/>
       </a:lnSpc>
@@ -69,7 +69,7 @@
         <a:srgbClr val="000000"/>
       </a:buClr>
       <a:buFont typeface="Arial"/>
-      <a:defRPr b="0" i="0" sz="1400" u="none" cap="none" strike="noStrike">
+      <a:defRPr sz="1400" b="0" i="0" u="none" strike="noStrike" cap="none">
         <a:solidFill>
           <a:srgbClr val="000000"/>
         </a:solidFill>
@@ -79,7 +79,7 @@
         <a:sym typeface="Arial"/>
       </a:defRPr>
     </a:lvl2pPr>
-    <a:lvl3pPr lvl="2" marR="0" rtl="0" algn="l">
+    <a:lvl3pPr marR="0" lvl="2" algn="l" rtl="0">
       <a:lnSpc>
         <a:spcPct val="100000"/>
       </a:lnSpc>
@@ -93,7 +93,7 @@
         <a:srgbClr val="000000"/>
       </a:buClr>
       <a:buFont typeface="Arial"/>
-      <a:defRPr b="0" i="0" sz="1400" u="none" cap="none" strike="noStrike">
+      <a:defRPr sz="1400" b="0" i="0" u="none" strike="noStrike" cap="none">
         <a:solidFill>
           <a:srgbClr val="000000"/>
         </a:solidFill>
@@ -103,7 +103,7 @@
         <a:sym typeface="Arial"/>
       </a:defRPr>
     </a:lvl3pPr>
-    <a:lvl4pPr lvl="3" marR="0" rtl="0" algn="l">
+    <a:lvl4pPr marR="0" lvl="3" algn="l" rtl="0">
       <a:lnSpc>
         <a:spcPct val="100000"/>
       </a:lnSpc>
@@ -117,7 +117,7 @@
         <a:srgbClr val="000000"/>
       </a:buClr>
       <a:buFont typeface="Arial"/>
-      <a:defRPr b="0" i="0" sz="1400" u="none" cap="none" strike="noStrike">
+      <a:defRPr sz="1400" b="0" i="0" u="none" strike="noStrike" cap="none">
         <a:solidFill>
           <a:srgbClr val="000000"/>
         </a:solidFill>
@@ -127,7 +127,7 @@
         <a:sym typeface="Arial"/>
       </a:defRPr>
     </a:lvl4pPr>
-    <a:lvl5pPr lvl="4" marR="0" rtl="0" algn="l">
+    <a:lvl5pPr marR="0" lvl="4" algn="l" rtl="0">
       <a:lnSpc>
         <a:spcPct val="100000"/>
       </a:lnSpc>
@@ -141,7 +141,7 @@
         <a:srgbClr val="000000"/>
       </a:buClr>
       <a:buFont typeface="Arial"/>
-      <a:defRPr b="0" i="0" sz="1400" u="none" cap="none" strike="noStrike">
+      <a:defRPr sz="1400" b="0" i="0" u="none" strike="noStrike" cap="none">
         <a:solidFill>
           <a:srgbClr val="000000"/>
         </a:solidFill>
@@ -151,7 +151,7 @@
         <a:sym typeface="Arial"/>
       </a:defRPr>
     </a:lvl5pPr>
-    <a:lvl6pPr lvl="5" marR="0" rtl="0" algn="l">
+    <a:lvl6pPr marR="0" lvl="5" algn="l" rtl="0">
       <a:lnSpc>
         <a:spcPct val="100000"/>
       </a:lnSpc>
@@ -165,7 +165,7 @@
         <a:srgbClr val="000000"/>
       </a:buClr>
       <a:buFont typeface="Arial"/>
-      <a:defRPr b="0" i="0" sz="1400" u="none" cap="none" strike="noStrike">
+      <a:defRPr sz="1400" b="0" i="0" u="none" strike="noStrike" cap="none">
         <a:solidFill>
           <a:srgbClr val="000000"/>
         </a:solidFill>
@@ -175,7 +175,7 @@
         <a:sym typeface="Arial"/>
       </a:defRPr>
     </a:lvl6pPr>
-    <a:lvl7pPr lvl="6" marR="0" rtl="0" algn="l">
+    <a:lvl7pPr marR="0" lvl="6" algn="l" rtl="0">
       <a:lnSpc>
         <a:spcPct val="100000"/>
       </a:lnSpc>
@@ -189,7 +189,7 @@
         <a:srgbClr val="000000"/>
       </a:buClr>
       <a:buFont typeface="Arial"/>
-      <a:defRPr b="0" i="0" sz="1400" u="none" cap="none" strike="noStrike">
+      <a:defRPr sz="1400" b="0" i="0" u="none" strike="noStrike" cap="none">
         <a:solidFill>
           <a:srgbClr val="000000"/>
         </a:solidFill>
@@ -199,7 +199,7 @@
         <a:sym typeface="Arial"/>
       </a:defRPr>
     </a:lvl7pPr>
-    <a:lvl8pPr lvl="7" marR="0" rtl="0" algn="l">
+    <a:lvl8pPr marR="0" lvl="7" algn="l" rtl="0">
       <a:lnSpc>
         <a:spcPct val="100000"/>
       </a:lnSpc>
@@ -213,7 +213,7 @@
         <a:srgbClr val="000000"/>
       </a:buClr>
       <a:buFont typeface="Arial"/>
-      <a:defRPr b="0" i="0" sz="1400" u="none" cap="none" strike="noStrike">
+      <a:defRPr sz="1400" b="0" i="0" u="none" strike="noStrike" cap="none">
         <a:solidFill>
           <a:srgbClr val="000000"/>
         </a:solidFill>
@@ -223,7 +223,7 @@
         <a:sym typeface="Arial"/>
       </a:defRPr>
     </a:lvl8pPr>
-    <a:lvl9pPr lvl="8" marR="0" rtl="0" algn="l">
+    <a:lvl9pPr marR="0" lvl="8" algn="l" rtl="0">
       <a:lnSpc>
         <a:spcPct val="100000"/>
       </a:lnSpc>
@@ -237,7 +237,7 @@
         <a:srgbClr val="000000"/>
       </a:buClr>
       <a:buFont typeface="Arial"/>
-      <a:defRPr b="0" i="0" sz="1400" u="none" cap="none" strike="noStrike">
+      <a:defRPr sz="1400" b="0" i="0" u="none" strike="noStrike" cap="none">
         <a:solidFill>
           <a:srgbClr val="000000"/>
         </a:solidFill>
@@ -250,7 +250,7 @@
   </p:defaultTextStyle>
   <p:extLst>
     <p:ext uri="{EFAFB233-063F-42B5-8137-9DF3F51BA10A}">
-      <p15:sldGuideLst>
+      <p15:sldGuideLst xmlns:p15="http://schemas.microsoft.com/office/powerpoint/2012/main">
         <p15:guide id="1" orient="horz" pos="2160">
           <p15:clr>
             <a:srgbClr val="A4A3A4"/>
@@ -264,18 +264,23 @@
       </p15:sldGuideLst>
     </p:ext>
     <p:ext uri="http://customooxmlschemas.google.com/">
-      <go:slidesCustomData xmlns:go="http://customooxmlschemas.google.com/" r:id="rId14" roundtripDataSignature="AMtx7miagQZ358ACMk5vYIIMK3YMEo0ypw=="/>
+      <go:slidesCustomData xmlns:go="http://customooxmlschemas.google.com/" xmlns:ahyp="http://schemas.microsoft.com/office/drawing/2018/hyperlinkcolor" xmlns:p15="http://schemas.microsoft.com/office/powerpoint/2012/main" xmlns:p14="http://schemas.microsoft.com/office/powerpoint/2010/main" xmlns:com="http://schemas.openxmlformats.org/drawingml/2006/compatibility" xmlns:pvml="urn:schemas-microsoft-com:office:powerpoint" xmlns:v="urn:schemas-microsoft-com:vml" xmlns:o="urn:schemas-microsoft-com:office:office" xmlns:dgm="http://schemas.openxmlformats.org/drawingml/2006/diagram" xmlns:c="http://schemas.openxmlformats.org/drawingml/2006/chart" xmlns:mv="urn:schemas-microsoft-com:mac:vml" xmlns:mc="http://schemas.openxmlformats.org/markup-compatibility/2006" xmlns="" r:id="rId14" roundtripDataSignature="AMtx7miagQZ358ACMk5vYIIMK3YMEo0ypw=="/>
     </p:ext>
   </p:extLst>
 </p:presentation>
 </file>
 
 <file path=ppt/notesMasters/notesMaster1.xml><?xml version="1.0" encoding="utf-8"?>
-<p:notesMaster xmlns:a="http://schemas.openxmlformats.org/drawingml/2006/main" xmlns:r="http://schemas.openxmlformats.org/officeDocument/2006/relationships" xmlns:mc="http://schemas.openxmlformats.org/markup-compatibility/2006" xmlns:mv="urn:schemas-microsoft-com:mac:vml" xmlns:p="http://schemas.openxmlformats.org/presentationml/2006/main" xmlns:c="http://schemas.openxmlformats.org/drawingml/2006/chart" xmlns:dgm="http://schemas.openxmlformats.org/drawingml/2006/diagram" xmlns:o="urn:schemas-microsoft-com:office:office" xmlns:v="urn:schemas-microsoft-com:vml" xmlns:pvml="urn:schemas-microsoft-com:office:powerpoint" xmlns:com="http://schemas.openxmlformats.org/drawingml/2006/compatibility" xmlns:p14="http://schemas.microsoft.com/office/powerpoint/2010/main" xmlns:p15="http://schemas.microsoft.com/office/powerpoint/2012/main" xmlns:ahyp="http://schemas.microsoft.com/office/drawing/2018/hyperlinkcolor">
+<p:notesMaster xmlns:a="http://schemas.openxmlformats.org/drawingml/2006/main" xmlns:r="http://schemas.openxmlformats.org/officeDocument/2006/relationships" xmlns:p="http://schemas.openxmlformats.org/presentationml/2006/main">
   <p:cSld>
+    <p:bg>
+      <p:bgRef idx="1001">
+        <a:schemeClr val="bg1"/>
+      </p:bgRef>
+    </p:bg>
     <p:spTree>
       <p:nvGrpSpPr>
-        <p:cNvPr id="2" name="Shape 2"/>
+        <p:cNvPr id="1" name="Shape 2"/>
         <p:cNvGrpSpPr/>
         <p:nvPr/>
       </p:nvGrpSpPr>
@@ -290,9 +295,11 @@
       <p:sp>
         <p:nvSpPr>
           <p:cNvPr id="3" name="Google Shape;3;n"/>
-          <p:cNvSpPr/>
+          <p:cNvSpPr>
+            <a:spLocks noGrp="1" noRot="1" noChangeAspect="1"/>
+          </p:cNvSpPr>
           <p:nvPr>
-            <p:ph idx="2" type="sldImg"/>
+            <p:ph type="sldImg" idx="2"/>
           </p:nvPr>
         </p:nvSpPr>
         <p:spPr>
@@ -301,9 +308,13 @@
             <a:ext cx="4572225" cy="3429000"/>
           </a:xfrm>
           <a:custGeom>
-            <a:rect b="b" l="l" r="r" t="t"/>
+            <a:avLst/>
+            <a:gdLst/>
+            <a:ahLst/>
+            <a:cxnLst/>
+            <a:rect l="l" t="t" r="r" b="b"/>
             <a:pathLst>
-              <a:path extrusionOk="0" h="120000" w="120000">
+              <a:path w="120000" h="120000" extrusionOk="0">
                 <a:moveTo>
                   <a:pt x="0" y="0"/>
                 </a:moveTo>
@@ -321,23 +332,25 @@
             </a:pathLst>
           </a:custGeom>
           <a:noFill/>
-          <a:ln cap="flat" cmpd="sng" w="9525">
+          <a:ln w="9525" cap="flat" cmpd="sng">
             <a:solidFill>
               <a:srgbClr val="000000"/>
             </a:solidFill>
             <a:prstDash val="solid"/>
             <a:round/>
-            <a:headEnd len="sm" w="sm" type="none"/>
-            <a:tailEnd len="sm" w="sm" type="none"/>
+            <a:headEnd type="none" w="sm" len="sm"/>
+            <a:tailEnd type="none" w="sm" len="sm"/>
           </a:ln>
         </p:spPr>
       </p:sp>
       <p:sp>
         <p:nvSpPr>
           <p:cNvPr id="4" name="Google Shape;4;n"/>
-          <p:cNvSpPr txBox="1"/>
+          <p:cNvSpPr txBox="1">
+            <a:spLocks noGrp="1"/>
+          </p:cNvSpPr>
           <p:nvPr>
-            <p:ph idx="1" type="body"/>
+            <p:ph type="body" idx="1"/>
           </p:nvPr>
         </p:nvSpPr>
         <p:spPr>
@@ -354,11 +367,11 @@
           </a:ln>
         </p:spPr>
         <p:txBody>
-          <a:bodyPr anchorCtr="0" anchor="t" bIns="91425" lIns="91425" spcFirstLastPara="1" rIns="91425" wrap="square" tIns="91425">
+          <a:bodyPr spcFirstLastPara="1" wrap="square" lIns="91425" tIns="91425" rIns="91425" bIns="91425" anchor="t" anchorCtr="0">
             <a:noAutofit/>
           </a:bodyPr>
           <a:lstStyle>
-            <a:lvl1pPr indent="-298450" lvl="0" marL="457200">
+            <a:lvl1pPr marL="457200" lvl="0" indent="-298450">
               <a:spcBef>
                 <a:spcPts val="0"/>
               </a:spcBef>
@@ -369,7 +382,7 @@
               <a:buChar char="●"/>
               <a:defRPr sz="1100"/>
             </a:lvl1pPr>
-            <a:lvl2pPr indent="-298450" lvl="1" marL="914400">
+            <a:lvl2pPr marL="914400" lvl="1" indent="-298450">
               <a:spcBef>
                 <a:spcPts val="0"/>
               </a:spcBef>
@@ -380,7 +393,7 @@
               <a:buChar char="○"/>
               <a:defRPr sz="1100"/>
             </a:lvl2pPr>
-            <a:lvl3pPr indent="-298450" lvl="2" marL="1371600">
+            <a:lvl3pPr marL="1371600" lvl="2" indent="-298450">
               <a:spcBef>
                 <a:spcPts val="0"/>
               </a:spcBef>
@@ -391,7 +404,7 @@
               <a:buChar char="■"/>
               <a:defRPr sz="1100"/>
             </a:lvl3pPr>
-            <a:lvl4pPr indent="-298450" lvl="3" marL="1828800">
+            <a:lvl4pPr marL="1828800" lvl="3" indent="-298450">
               <a:spcBef>
                 <a:spcPts val="0"/>
               </a:spcBef>
@@ -402,7 +415,7 @@
               <a:buChar char="●"/>
               <a:defRPr sz="1100"/>
             </a:lvl4pPr>
-            <a:lvl5pPr indent="-298450" lvl="4" marL="2286000">
+            <a:lvl5pPr marL="2286000" lvl="4" indent="-298450">
               <a:spcBef>
                 <a:spcPts val="0"/>
               </a:spcBef>
@@ -413,7 +426,7 @@
               <a:buChar char="○"/>
               <a:defRPr sz="1100"/>
             </a:lvl5pPr>
-            <a:lvl6pPr indent="-298450" lvl="5" marL="2743200">
+            <a:lvl6pPr marL="2743200" lvl="5" indent="-298450">
               <a:spcBef>
                 <a:spcPts val="0"/>
               </a:spcBef>
@@ -424,7 +437,7 @@
               <a:buChar char="■"/>
               <a:defRPr sz="1100"/>
             </a:lvl6pPr>
-            <a:lvl7pPr indent="-298450" lvl="6" marL="3200400">
+            <a:lvl7pPr marL="3200400" lvl="6" indent="-298450">
               <a:spcBef>
                 <a:spcPts val="0"/>
               </a:spcBef>
@@ -435,7 +448,7 @@
               <a:buChar char="●"/>
               <a:defRPr sz="1100"/>
             </a:lvl7pPr>
-            <a:lvl8pPr indent="-298450" lvl="7" marL="3657600">
+            <a:lvl8pPr marL="3657600" lvl="7" indent="-298450">
               <a:spcBef>
                 <a:spcPts val="0"/>
               </a:spcBef>
@@ -446,7 +459,7 @@
               <a:buChar char="○"/>
               <a:defRPr sz="1100"/>
             </a:lvl8pPr>
-            <a:lvl9pPr indent="-298450" lvl="8" marL="4114800">
+            <a:lvl9pPr marL="4114800" lvl="8" indent="-298450">
               <a:spcBef>
                 <a:spcPts val="0"/>
               </a:spcBef>
@@ -458,14 +471,16 @@
               <a:defRPr sz="1100"/>
             </a:lvl9pPr>
           </a:lstStyle>
-          <a:p/>
+          <a:p>
+            <a:endParaRPr/>
+          </a:p>
         </p:txBody>
       </p:sp>
     </p:spTree>
   </p:cSld>
-  <p:clrMap accent1="accent1" accent2="accent2" accent3="accent3" accent4="accent4" accent5="accent5" accent6="accent6" bg1="lt1" bg2="dk2" tx1="dk1" tx2="lt2" folHlink="folHlink" hlink="hlink"/>
+  <p:clrMap bg1="lt1" tx1="dk1" bg2="dk2" tx2="lt2" accent1="accent1" accent2="accent2" accent3="accent3" accent4="accent4" accent5="accent5" accent6="accent6" hlink="hlink" folHlink="folHlink"/>
   <p:notesStyle>
-    <a:defPPr lvl="0" marR="0" rtl="0" algn="l">
+    <a:defPPr marR="0" lvl="0" algn="l" rtl="0">
       <a:lnSpc>
         <a:spcPct val="100000"/>
       </a:lnSpc>
@@ -476,7 +491,7 @@
         <a:spcPts val="0"/>
       </a:spcAft>
     </a:defPPr>
-    <a:lvl1pPr lvl="0" marR="0" rtl="0" algn="l">
+    <a:lvl1pPr marR="0" lvl="0" algn="l" rtl="0">
       <a:lnSpc>
         <a:spcPct val="100000"/>
       </a:lnSpc>
@@ -490,7 +505,7 @@
         <a:srgbClr val="000000"/>
       </a:buClr>
       <a:buFont typeface="Arial"/>
-      <a:defRPr b="0" i="0" sz="1400" u="none" cap="none" strike="noStrike">
+      <a:defRPr sz="1400" b="0" i="0" u="none" strike="noStrike" cap="none">
         <a:solidFill>
           <a:srgbClr val="000000"/>
         </a:solidFill>
@@ -500,7 +515,7 @@
         <a:sym typeface="Arial"/>
       </a:defRPr>
     </a:lvl1pPr>
-    <a:lvl2pPr lvl="1" marR="0" rtl="0" algn="l">
+    <a:lvl2pPr marR="0" lvl="1" algn="l" rtl="0">
       <a:lnSpc>
         <a:spcPct val="100000"/>
       </a:lnSpc>
@@ -514,7 +529,7 @@
         <a:srgbClr val="000000"/>
       </a:buClr>
       <a:buFont typeface="Arial"/>
-      <a:defRPr b="0" i="0" sz="1400" u="none" cap="none" strike="noStrike">
+      <a:defRPr sz="1400" b="0" i="0" u="none" strike="noStrike" cap="none">
         <a:solidFill>
           <a:srgbClr val="000000"/>
         </a:solidFill>
@@ -524,7 +539,7 @@
         <a:sym typeface="Arial"/>
       </a:defRPr>
     </a:lvl2pPr>
-    <a:lvl3pPr lvl="2" marR="0" rtl="0" algn="l">
+    <a:lvl3pPr marR="0" lvl="2" algn="l" rtl="0">
       <a:lnSpc>
         <a:spcPct val="100000"/>
       </a:lnSpc>
@@ -538,7 +553,7 @@
         <a:srgbClr val="000000"/>
       </a:buClr>
       <a:buFont typeface="Arial"/>
-      <a:defRPr b="0" i="0" sz="1400" u="none" cap="none" strike="noStrike">
+      <a:defRPr sz="1400" b="0" i="0" u="none" strike="noStrike" cap="none">
         <a:solidFill>
           <a:srgbClr val="000000"/>
         </a:solidFill>
@@ -548,7 +563,7 @@
         <a:sym typeface="Arial"/>
       </a:defRPr>
     </a:lvl3pPr>
-    <a:lvl4pPr lvl="3" marR="0" rtl="0" algn="l">
+    <a:lvl4pPr marR="0" lvl="3" algn="l" rtl="0">
       <a:lnSpc>
         <a:spcPct val="100000"/>
       </a:lnSpc>
@@ -562,7 +577,7 @@
         <a:srgbClr val="000000"/>
       </a:buClr>
       <a:buFont typeface="Arial"/>
-      <a:defRPr b="0" i="0" sz="1400" u="none" cap="none" strike="noStrike">
+      <a:defRPr sz="1400" b="0" i="0" u="none" strike="noStrike" cap="none">
         <a:solidFill>
           <a:srgbClr val="000000"/>
         </a:solidFill>
@@ -572,7 +587,7 @@
         <a:sym typeface="Arial"/>
       </a:defRPr>
     </a:lvl4pPr>
-    <a:lvl5pPr lvl="4" marR="0" rtl="0" algn="l">
+    <a:lvl5pPr marR="0" lvl="4" algn="l" rtl="0">
       <a:lnSpc>
         <a:spcPct val="100000"/>
       </a:lnSpc>
@@ -586,7 +601,7 @@
         <a:srgbClr val="000000"/>
       </a:buClr>
       <a:buFont typeface="Arial"/>
-      <a:defRPr b="0" i="0" sz="1400" u="none" cap="none" strike="noStrike">
+      <a:defRPr sz="1400" b="0" i="0" u="none" strike="noStrike" cap="none">
         <a:solidFill>
           <a:srgbClr val="000000"/>
         </a:solidFill>
@@ -596,7 +611,7 @@
         <a:sym typeface="Arial"/>
       </a:defRPr>
     </a:lvl5pPr>
-    <a:lvl6pPr lvl="5" marR="0" rtl="0" algn="l">
+    <a:lvl6pPr marR="0" lvl="5" algn="l" rtl="0">
       <a:lnSpc>
         <a:spcPct val="100000"/>
       </a:lnSpc>
@@ -610,7 +625,7 @@
         <a:srgbClr val="000000"/>
       </a:buClr>
       <a:buFont typeface="Arial"/>
-      <a:defRPr b="0" i="0" sz="1400" u="none" cap="none" strike="noStrike">
+      <a:defRPr sz="1400" b="0" i="0" u="none" strike="noStrike" cap="none">
         <a:solidFill>
           <a:srgbClr val="000000"/>
         </a:solidFill>
@@ -620,7 +635,7 @@
         <a:sym typeface="Arial"/>
       </a:defRPr>
     </a:lvl6pPr>
-    <a:lvl7pPr lvl="6" marR="0" rtl="0" algn="l">
+    <a:lvl7pPr marR="0" lvl="6" algn="l" rtl="0">
       <a:lnSpc>
         <a:spcPct val="100000"/>
       </a:lnSpc>
@@ -634,7 +649,7 @@
         <a:srgbClr val="000000"/>
       </a:buClr>
       <a:buFont typeface="Arial"/>
-      <a:defRPr b="0" i="0" sz="1400" u="none" cap="none" strike="noStrike">
+      <a:defRPr sz="1400" b="0" i="0" u="none" strike="noStrike" cap="none">
         <a:solidFill>
           <a:srgbClr val="000000"/>
         </a:solidFill>
@@ -644,7 +659,7 @@
         <a:sym typeface="Arial"/>
       </a:defRPr>
     </a:lvl7pPr>
-    <a:lvl8pPr lvl="7" marR="0" rtl="0" algn="l">
+    <a:lvl8pPr marR="0" lvl="7" algn="l" rtl="0">
       <a:lnSpc>
         <a:spcPct val="100000"/>
       </a:lnSpc>
@@ -658,7 +673,7 @@
         <a:srgbClr val="000000"/>
       </a:buClr>
       <a:buFont typeface="Arial"/>
-      <a:defRPr b="0" i="0" sz="1400" u="none" cap="none" strike="noStrike">
+      <a:defRPr sz="1400" b="0" i="0" u="none" strike="noStrike" cap="none">
         <a:solidFill>
           <a:srgbClr val="000000"/>
         </a:solidFill>
@@ -668,7 +683,7 @@
         <a:sym typeface="Arial"/>
       </a:defRPr>
     </a:lvl8pPr>
-    <a:lvl9pPr lvl="8" marR="0" rtl="0" algn="l">
+    <a:lvl9pPr marR="0" lvl="8" algn="l" rtl="0">
       <a:lnSpc>
         <a:spcPct val="100000"/>
       </a:lnSpc>
@@ -682,7 +697,7 @@
         <a:srgbClr val="000000"/>
       </a:buClr>
       <a:buFont typeface="Arial"/>
-      <a:defRPr b="0" i="0" sz="1400" u="none" cap="none" strike="noStrike">
+      <a:defRPr sz="1400" b="0" i="0" u="none" strike="noStrike" cap="none">
         <a:solidFill>
           <a:srgbClr val="000000"/>
         </a:solidFill>
@@ -697,11 +712,11 @@
 </file>
 
 <file path=ppt/notesSlides/notesSlide1.xml><?xml version="1.0" encoding="utf-8"?>
-<p:notes xmlns:a="http://schemas.openxmlformats.org/drawingml/2006/main" xmlns:r="http://schemas.openxmlformats.org/officeDocument/2006/relationships" xmlns:mc="http://schemas.openxmlformats.org/markup-compatibility/2006" xmlns:mv="urn:schemas-microsoft-com:mac:vml" xmlns:p="http://schemas.openxmlformats.org/presentationml/2006/main" xmlns:c="http://schemas.openxmlformats.org/drawingml/2006/chart" xmlns:dgm="http://schemas.openxmlformats.org/drawingml/2006/diagram" xmlns:o="urn:schemas-microsoft-com:office:office" xmlns:v="urn:schemas-microsoft-com:vml" xmlns:pvml="urn:schemas-microsoft-com:office:powerpoint" xmlns:com="http://schemas.openxmlformats.org/drawingml/2006/compatibility" xmlns:p14="http://schemas.microsoft.com/office/powerpoint/2010/main" xmlns:p15="http://schemas.microsoft.com/office/powerpoint/2012/main" xmlns:ahyp="http://schemas.microsoft.com/office/drawing/2018/hyperlinkcolor" showMasterPhAnim="0" showMasterSp="0">
+<p:notes xmlns:a="http://schemas.openxmlformats.org/drawingml/2006/main" xmlns:r="http://schemas.openxmlformats.org/officeDocument/2006/relationships" xmlns:p="http://schemas.openxmlformats.org/presentationml/2006/main" showMasterSp="0" showMasterPhAnim="0">
   <p:cSld>
     <p:spTree>
       <p:nvGrpSpPr>
-        <p:cNvPr id="80" name="Shape 80"/>
+        <p:cNvPr id="1" name="Shape 80"/>
         <p:cNvGrpSpPr/>
         <p:nvPr/>
       </p:nvGrpSpPr>
@@ -716,9 +731,11 @@
       <p:sp>
         <p:nvSpPr>
           <p:cNvPr id="81" name="Google Shape;81;p1:notes"/>
-          <p:cNvSpPr txBox="1"/>
+          <p:cNvSpPr txBox="1">
+            <a:spLocks noGrp="1"/>
+          </p:cNvSpPr>
           <p:nvPr>
-            <p:ph idx="1" type="body"/>
+            <p:ph type="body" idx="1"/>
           </p:nvPr>
         </p:nvSpPr>
         <p:spPr>
@@ -731,12 +748,12 @@
           </a:prstGeom>
         </p:spPr>
         <p:txBody>
-          <a:bodyPr anchorCtr="0" anchor="t" bIns="91425" lIns="91425" spcFirstLastPara="1" rIns="91425" wrap="square" tIns="91425">
+          <a:bodyPr spcFirstLastPara="1" wrap="square" lIns="91425" tIns="91425" rIns="91425" bIns="91425" anchor="t" anchorCtr="0">
             <a:noAutofit/>
           </a:bodyPr>
           <a:lstStyle/>
           <a:p>
-            <a:pPr indent="0" lvl="0" marL="0" rtl="0" algn="l">
+            <a:pPr marL="0" lvl="0" indent="0" algn="l" rtl="0">
               <a:spcBef>
                 <a:spcPts val="0"/>
               </a:spcBef>
@@ -745,9 +762,6 @@
               </a:spcAft>
               <a:buNone/>
             </a:pPr>
-            <a:r>
-              <a:t/>
-            </a:r>
             <a:endParaRPr/>
           </a:p>
         </p:txBody>
@@ -755,9 +769,11 @@
       <p:sp>
         <p:nvSpPr>
           <p:cNvPr id="82" name="Google Shape;82;p1:notes"/>
-          <p:cNvSpPr/>
+          <p:cNvSpPr>
+            <a:spLocks noGrp="1" noRot="1" noChangeAspect="1"/>
+          </p:cNvSpPr>
           <p:nvPr>
-            <p:ph idx="2" type="sldImg"/>
+            <p:ph type="sldImg" idx="2"/>
           </p:nvPr>
         </p:nvSpPr>
         <p:spPr>
@@ -766,9 +782,13 @@
             <a:ext cx="4572225" cy="3429000"/>
           </a:xfrm>
           <a:custGeom>
-            <a:rect b="b" l="l" r="r" t="t"/>
+            <a:avLst/>
+            <a:gdLst/>
+            <a:ahLst/>
+            <a:cxnLst/>
+            <a:rect l="l" t="t" r="r" b="b"/>
             <a:pathLst>
-              <a:path extrusionOk="0" h="120000" w="120000">
+              <a:path w="120000" h="120000" extrusionOk="0">
                 <a:moveTo>
                   <a:pt x="0" y="0"/>
                 </a:moveTo>
@@ -796,11 +816,11 @@
 </file>
 
 <file path=ppt/notesSlides/notesSlide2.xml><?xml version="1.0" encoding="utf-8"?>
-<p:notes xmlns:a="http://schemas.openxmlformats.org/drawingml/2006/main" xmlns:r="http://schemas.openxmlformats.org/officeDocument/2006/relationships" xmlns:mc="http://schemas.openxmlformats.org/markup-compatibility/2006" xmlns:mv="urn:schemas-microsoft-com:mac:vml" xmlns:p="http://schemas.openxmlformats.org/presentationml/2006/main" xmlns:c="http://schemas.openxmlformats.org/drawingml/2006/chart" xmlns:dgm="http://schemas.openxmlformats.org/drawingml/2006/diagram" xmlns:o="urn:schemas-microsoft-com:office:office" xmlns:v="urn:schemas-microsoft-com:vml" xmlns:pvml="urn:schemas-microsoft-com:office:powerpoint" xmlns:com="http://schemas.openxmlformats.org/drawingml/2006/compatibility" xmlns:p14="http://schemas.microsoft.com/office/powerpoint/2010/main" xmlns:p15="http://schemas.microsoft.com/office/powerpoint/2012/main" xmlns:ahyp="http://schemas.microsoft.com/office/drawing/2018/hyperlinkcolor" showMasterPhAnim="0" showMasterSp="0">
+<p:notes xmlns:a="http://schemas.openxmlformats.org/drawingml/2006/main" xmlns:r="http://schemas.openxmlformats.org/officeDocument/2006/relationships" xmlns:p="http://schemas.openxmlformats.org/presentationml/2006/main" showMasterSp="0" showMasterPhAnim="0">
   <p:cSld>
     <p:spTree>
       <p:nvGrpSpPr>
-        <p:cNvPr id="94" name="Shape 94"/>
+        <p:cNvPr id="1" name="Shape 94"/>
         <p:cNvGrpSpPr/>
         <p:nvPr/>
       </p:nvGrpSpPr>
@@ -815,9 +835,11 @@
       <p:sp>
         <p:nvSpPr>
           <p:cNvPr id="95" name="Google Shape;95;gb3f3bbf87b_0_0:notes"/>
-          <p:cNvSpPr/>
+          <p:cNvSpPr>
+            <a:spLocks noGrp="1" noRot="1" noChangeAspect="1"/>
+          </p:cNvSpPr>
           <p:nvPr>
-            <p:ph idx="2" type="sldImg"/>
+            <p:ph type="sldImg" idx="2"/>
           </p:nvPr>
         </p:nvSpPr>
         <p:spPr>
@@ -826,9 +848,13 @@
             <a:ext cx="4572300" cy="3429000"/>
           </a:xfrm>
           <a:custGeom>
-            <a:rect b="b" l="l" r="r" t="t"/>
+            <a:avLst/>
+            <a:gdLst/>
+            <a:ahLst/>
+            <a:cxnLst/>
+            <a:rect l="l" t="t" r="r" b="b"/>
             <a:pathLst>
-              <a:path extrusionOk="0" h="120000" w="120000">
+              <a:path w="120000" h="120000" extrusionOk="0">
                 <a:moveTo>
                   <a:pt x="0" y="0"/>
                 </a:moveTo>
@@ -850,9 +876,11 @@
       <p:sp>
         <p:nvSpPr>
           <p:cNvPr id="96" name="Google Shape;96;gb3f3bbf87b_0_0:notes"/>
-          <p:cNvSpPr txBox="1"/>
+          <p:cNvSpPr txBox="1">
+            <a:spLocks noGrp="1"/>
+          </p:cNvSpPr>
           <p:nvPr>
-            <p:ph idx="1" type="body"/>
+            <p:ph type="body" idx="1"/>
           </p:nvPr>
         </p:nvSpPr>
         <p:spPr>
@@ -865,12 +893,12 @@
           </a:prstGeom>
         </p:spPr>
         <p:txBody>
-          <a:bodyPr anchorCtr="0" anchor="t" bIns="91425" lIns="91425" spcFirstLastPara="1" rIns="91425" wrap="square" tIns="91425">
+          <a:bodyPr spcFirstLastPara="1" wrap="square" lIns="91425" tIns="91425" rIns="91425" bIns="91425" anchor="t" anchorCtr="0">
             <a:noAutofit/>
           </a:bodyPr>
           <a:lstStyle/>
           <a:p>
-            <a:pPr indent="0" lvl="0" marL="0" rtl="0" algn="l">
+            <a:pPr marL="0" lvl="0" indent="0" algn="l" rtl="0">
               <a:spcBef>
                 <a:spcPts val="0"/>
               </a:spcBef>
@@ -879,9 +907,6 @@
               </a:spcAft>
               <a:buNone/>
             </a:pPr>
-            <a:r>
-              <a:t/>
-            </a:r>
             <a:endParaRPr/>
           </a:p>
         </p:txBody>
@@ -895,11 +920,11 @@
 </file>
 
 <file path=ppt/notesSlides/notesSlide3.xml><?xml version="1.0" encoding="utf-8"?>
-<p:notes xmlns:a="http://schemas.openxmlformats.org/drawingml/2006/main" xmlns:r="http://schemas.openxmlformats.org/officeDocument/2006/relationships" xmlns:mc="http://schemas.openxmlformats.org/markup-compatibility/2006" xmlns:mv="urn:schemas-microsoft-com:mac:vml" xmlns:p="http://schemas.openxmlformats.org/presentationml/2006/main" xmlns:c="http://schemas.openxmlformats.org/drawingml/2006/chart" xmlns:dgm="http://schemas.openxmlformats.org/drawingml/2006/diagram" xmlns:o="urn:schemas-microsoft-com:office:office" xmlns:v="urn:schemas-microsoft-com:vml" xmlns:pvml="urn:schemas-microsoft-com:office:powerpoint" xmlns:com="http://schemas.openxmlformats.org/drawingml/2006/compatibility" xmlns:p14="http://schemas.microsoft.com/office/powerpoint/2010/main" xmlns:p15="http://schemas.microsoft.com/office/powerpoint/2012/main" xmlns:ahyp="http://schemas.microsoft.com/office/drawing/2018/hyperlinkcolor" showMasterPhAnim="0" showMasterSp="0">
+<p:notes xmlns:a="http://schemas.openxmlformats.org/drawingml/2006/main" xmlns:r="http://schemas.openxmlformats.org/officeDocument/2006/relationships" xmlns:p="http://schemas.openxmlformats.org/presentationml/2006/main" showMasterSp="0" showMasterPhAnim="0">
   <p:cSld>
     <p:spTree>
       <p:nvGrpSpPr>
-        <p:cNvPr id="102" name="Shape 102"/>
+        <p:cNvPr id="1" name="Shape 102"/>
         <p:cNvGrpSpPr/>
         <p:nvPr/>
       </p:nvGrpSpPr>
@@ -914,9 +939,11 @@
       <p:sp>
         <p:nvSpPr>
           <p:cNvPr id="103" name="Google Shape;103;p2:notes"/>
-          <p:cNvSpPr txBox="1"/>
+          <p:cNvSpPr txBox="1">
+            <a:spLocks noGrp="1"/>
+          </p:cNvSpPr>
           <p:nvPr>
-            <p:ph idx="1" type="body"/>
+            <p:ph type="body" idx="1"/>
           </p:nvPr>
         </p:nvSpPr>
         <p:spPr>
@@ -929,12 +956,12 @@
           </a:prstGeom>
         </p:spPr>
         <p:txBody>
-          <a:bodyPr anchorCtr="0" anchor="t" bIns="91425" lIns="91425" spcFirstLastPara="1" rIns="91425" wrap="square" tIns="91425">
+          <a:bodyPr spcFirstLastPara="1" wrap="square" lIns="91425" tIns="91425" rIns="91425" bIns="91425" anchor="t" anchorCtr="0">
             <a:noAutofit/>
           </a:bodyPr>
           <a:lstStyle/>
           <a:p>
-            <a:pPr indent="0" lvl="0" marL="0" rtl="0" algn="l">
+            <a:pPr marL="0" lvl="0" indent="0" algn="l" rtl="0">
               <a:spcBef>
                 <a:spcPts val="0"/>
               </a:spcBef>
@@ -943,9 +970,6 @@
               </a:spcAft>
               <a:buNone/>
             </a:pPr>
-            <a:r>
-              <a:t/>
-            </a:r>
             <a:endParaRPr/>
           </a:p>
         </p:txBody>
@@ -953,20 +977,26 @@
       <p:sp>
         <p:nvSpPr>
           <p:cNvPr id="104" name="Google Shape;104;p2:notes"/>
-          <p:cNvSpPr/>
+          <p:cNvSpPr>
+            <a:spLocks noGrp="1" noRot="1" noChangeAspect="1"/>
+          </p:cNvSpPr>
           <p:nvPr>
-            <p:ph idx="2" type="sldImg"/>
+            <p:ph type="sldImg" idx="2"/>
           </p:nvPr>
         </p:nvSpPr>
         <p:spPr>
           <a:xfrm>
-            <a:off x="1143225" y="685800"/>
-            <a:ext cx="4572225" cy="3429000"/>
+            <a:off x="381000" y="685800"/>
+            <a:ext cx="6096000" cy="3429000"/>
           </a:xfrm>
           <a:custGeom>
-            <a:rect b="b" l="l" r="r" t="t"/>
+            <a:avLst/>
+            <a:gdLst/>
+            <a:ahLst/>
+            <a:cxnLst/>
+            <a:rect l="l" t="t" r="r" b="b"/>
             <a:pathLst>
-              <a:path extrusionOk="0" h="120000" w="120000">
+              <a:path w="120000" h="120000" extrusionOk="0">
                 <a:moveTo>
                   <a:pt x="0" y="0"/>
                 </a:moveTo>
@@ -994,11 +1024,11 @@
 </file>
 
 <file path=ppt/notesSlides/notesSlide4.xml><?xml version="1.0" encoding="utf-8"?>
-<p:notes xmlns:a="http://schemas.openxmlformats.org/drawingml/2006/main" xmlns:r="http://schemas.openxmlformats.org/officeDocument/2006/relationships" xmlns:mc="http://schemas.openxmlformats.org/markup-compatibility/2006" xmlns:mv="urn:schemas-microsoft-com:mac:vml" xmlns:p="http://schemas.openxmlformats.org/presentationml/2006/main" xmlns:c="http://schemas.openxmlformats.org/drawingml/2006/chart" xmlns:dgm="http://schemas.openxmlformats.org/drawingml/2006/diagram" xmlns:o="urn:schemas-microsoft-com:office:office" xmlns:v="urn:schemas-microsoft-com:vml" xmlns:pvml="urn:schemas-microsoft-com:office:powerpoint" xmlns:com="http://schemas.openxmlformats.org/drawingml/2006/compatibility" xmlns:p14="http://schemas.microsoft.com/office/powerpoint/2010/main" xmlns:p15="http://schemas.microsoft.com/office/powerpoint/2012/main" xmlns:ahyp="http://schemas.microsoft.com/office/drawing/2018/hyperlinkcolor" showMasterPhAnim="0" showMasterSp="0">
+<p:notes xmlns:a="http://schemas.openxmlformats.org/drawingml/2006/main" xmlns:r="http://schemas.openxmlformats.org/officeDocument/2006/relationships" xmlns:p="http://schemas.openxmlformats.org/presentationml/2006/main" showMasterSp="0" showMasterPhAnim="0">
   <p:cSld>
     <p:spTree>
       <p:nvGrpSpPr>
-        <p:cNvPr id="108" name="Shape 108"/>
+        <p:cNvPr id="1" name="Shape 108"/>
         <p:cNvGrpSpPr/>
         <p:nvPr/>
       </p:nvGrpSpPr>
@@ -1013,9 +1043,11 @@
       <p:sp>
         <p:nvSpPr>
           <p:cNvPr id="109" name="Google Shape;109;p3:notes"/>
-          <p:cNvSpPr txBox="1"/>
+          <p:cNvSpPr txBox="1">
+            <a:spLocks noGrp="1"/>
+          </p:cNvSpPr>
           <p:nvPr>
-            <p:ph idx="1" type="body"/>
+            <p:ph type="body" idx="1"/>
           </p:nvPr>
         </p:nvSpPr>
         <p:spPr>
@@ -1028,12 +1060,12 @@
           </a:prstGeom>
         </p:spPr>
         <p:txBody>
-          <a:bodyPr anchorCtr="0" anchor="t" bIns="91425" lIns="91425" spcFirstLastPara="1" rIns="91425" wrap="square" tIns="91425">
+          <a:bodyPr spcFirstLastPara="1" wrap="square" lIns="91425" tIns="91425" rIns="91425" bIns="91425" anchor="t" anchorCtr="0">
             <a:noAutofit/>
           </a:bodyPr>
           <a:lstStyle/>
           <a:p>
-            <a:pPr indent="0" lvl="0" marL="0" rtl="0" algn="l">
+            <a:pPr marL="0" lvl="0" indent="0" algn="l" rtl="0">
               <a:spcBef>
                 <a:spcPts val="0"/>
               </a:spcBef>
@@ -1042,9 +1074,6 @@
               </a:spcAft>
               <a:buNone/>
             </a:pPr>
-            <a:r>
-              <a:t/>
-            </a:r>
             <a:endParaRPr/>
           </a:p>
         </p:txBody>
@@ -1052,9 +1081,11 @@
       <p:sp>
         <p:nvSpPr>
           <p:cNvPr id="110" name="Google Shape;110;p3:notes"/>
-          <p:cNvSpPr/>
+          <p:cNvSpPr>
+            <a:spLocks noGrp="1" noRot="1" noChangeAspect="1"/>
+          </p:cNvSpPr>
           <p:nvPr>
-            <p:ph idx="2" type="sldImg"/>
+            <p:ph type="sldImg" idx="2"/>
           </p:nvPr>
         </p:nvSpPr>
         <p:spPr>
@@ -1063,9 +1094,13 @@
             <a:ext cx="4572225" cy="3429000"/>
           </a:xfrm>
           <a:custGeom>
-            <a:rect b="b" l="l" r="r" t="t"/>
+            <a:avLst/>
+            <a:gdLst/>
+            <a:ahLst/>
+            <a:cxnLst/>
+            <a:rect l="l" t="t" r="r" b="b"/>
             <a:pathLst>
-              <a:path extrusionOk="0" h="120000" w="120000">
+              <a:path w="120000" h="120000" extrusionOk="0">
                 <a:moveTo>
                   <a:pt x="0" y="0"/>
                 </a:moveTo>
@@ -1093,11 +1128,11 @@
 </file>
 
 <file path=ppt/notesSlides/notesSlide5.xml><?xml version="1.0" encoding="utf-8"?>
-<p:notes xmlns:a="http://schemas.openxmlformats.org/drawingml/2006/main" xmlns:r="http://schemas.openxmlformats.org/officeDocument/2006/relationships" xmlns:mc="http://schemas.openxmlformats.org/markup-compatibility/2006" xmlns:mv="urn:schemas-microsoft-com:mac:vml" xmlns:p="http://schemas.openxmlformats.org/presentationml/2006/main" xmlns:c="http://schemas.openxmlformats.org/drawingml/2006/chart" xmlns:dgm="http://schemas.openxmlformats.org/drawingml/2006/diagram" xmlns:o="urn:schemas-microsoft-com:office:office" xmlns:v="urn:schemas-microsoft-com:vml" xmlns:pvml="urn:schemas-microsoft-com:office:powerpoint" xmlns:com="http://schemas.openxmlformats.org/drawingml/2006/compatibility" xmlns:p14="http://schemas.microsoft.com/office/powerpoint/2010/main" xmlns:p15="http://schemas.microsoft.com/office/powerpoint/2012/main" xmlns:ahyp="http://schemas.microsoft.com/office/drawing/2018/hyperlinkcolor" showMasterPhAnim="0" showMasterSp="0">
+<p:notes xmlns:a="http://schemas.openxmlformats.org/drawingml/2006/main" xmlns:r="http://schemas.openxmlformats.org/officeDocument/2006/relationships" xmlns:p="http://schemas.openxmlformats.org/presentationml/2006/main" showMasterSp="0" showMasterPhAnim="0">
   <p:cSld>
     <p:spTree>
       <p:nvGrpSpPr>
-        <p:cNvPr id="115" name="Shape 115"/>
+        <p:cNvPr id="1" name="Shape 115"/>
         <p:cNvGrpSpPr/>
         <p:nvPr/>
       </p:nvGrpSpPr>
@@ -1112,9 +1147,11 @@
       <p:sp>
         <p:nvSpPr>
           <p:cNvPr id="116" name="Google Shape;116;p4:notes"/>
-          <p:cNvSpPr txBox="1"/>
+          <p:cNvSpPr txBox="1">
+            <a:spLocks noGrp="1"/>
+          </p:cNvSpPr>
           <p:nvPr>
-            <p:ph idx="1" type="body"/>
+            <p:ph type="body" idx="1"/>
           </p:nvPr>
         </p:nvSpPr>
         <p:spPr>
@@ -1127,12 +1164,12 @@
           </a:prstGeom>
         </p:spPr>
         <p:txBody>
-          <a:bodyPr anchorCtr="0" anchor="t" bIns="91425" lIns="91425" spcFirstLastPara="1" rIns="91425" wrap="square" tIns="91425">
+          <a:bodyPr spcFirstLastPara="1" wrap="square" lIns="91425" tIns="91425" rIns="91425" bIns="91425" anchor="t" anchorCtr="0">
             <a:noAutofit/>
           </a:bodyPr>
           <a:lstStyle/>
           <a:p>
-            <a:pPr indent="0" lvl="0" marL="0" rtl="0" algn="l">
+            <a:pPr marL="0" lvl="0" indent="0" algn="l" rtl="0">
               <a:spcBef>
                 <a:spcPts val="0"/>
               </a:spcBef>
@@ -1141,9 +1178,6 @@
               </a:spcAft>
               <a:buNone/>
             </a:pPr>
-            <a:r>
-              <a:t/>
-            </a:r>
             <a:endParaRPr/>
           </a:p>
         </p:txBody>
@@ -1151,9 +1185,11 @@
       <p:sp>
         <p:nvSpPr>
           <p:cNvPr id="117" name="Google Shape;117;p4:notes"/>
-          <p:cNvSpPr/>
+          <p:cNvSpPr>
+            <a:spLocks noGrp="1" noRot="1" noChangeAspect="1"/>
+          </p:cNvSpPr>
           <p:nvPr>
-            <p:ph idx="2" type="sldImg"/>
+            <p:ph type="sldImg" idx="2"/>
           </p:nvPr>
         </p:nvSpPr>
         <p:spPr>
@@ -1162,9 +1198,13 @@
             <a:ext cx="4572225" cy="3429000"/>
           </a:xfrm>
           <a:custGeom>
-            <a:rect b="b" l="l" r="r" t="t"/>
+            <a:avLst/>
+            <a:gdLst/>
+            <a:ahLst/>
+            <a:cxnLst/>
+            <a:rect l="l" t="t" r="r" b="b"/>
             <a:pathLst>
-              <a:path extrusionOk="0" h="120000" w="120000">
+              <a:path w="120000" h="120000" extrusionOk="0">
                 <a:moveTo>
                   <a:pt x="0" y="0"/>
                 </a:moveTo>
@@ -1192,11 +1232,11 @@
 </file>
 
 <file path=ppt/notesSlides/notesSlide6.xml><?xml version="1.0" encoding="utf-8"?>
-<p:notes xmlns:a="http://schemas.openxmlformats.org/drawingml/2006/main" xmlns:r="http://schemas.openxmlformats.org/officeDocument/2006/relationships" xmlns:mc="http://schemas.openxmlformats.org/markup-compatibility/2006" xmlns:mv="urn:schemas-microsoft-com:mac:vml" xmlns:p="http://schemas.openxmlformats.org/presentationml/2006/main" xmlns:c="http://schemas.openxmlformats.org/drawingml/2006/chart" xmlns:dgm="http://schemas.openxmlformats.org/drawingml/2006/diagram" xmlns:o="urn:schemas-microsoft-com:office:office" xmlns:v="urn:schemas-microsoft-com:vml" xmlns:pvml="urn:schemas-microsoft-com:office:powerpoint" xmlns:com="http://schemas.openxmlformats.org/drawingml/2006/compatibility" xmlns:p14="http://schemas.microsoft.com/office/powerpoint/2010/main" xmlns:p15="http://schemas.microsoft.com/office/powerpoint/2012/main" xmlns:ahyp="http://schemas.microsoft.com/office/drawing/2018/hyperlinkcolor" showMasterPhAnim="0" showMasterSp="0">
+<p:notes xmlns:a="http://schemas.openxmlformats.org/drawingml/2006/main" xmlns:r="http://schemas.openxmlformats.org/officeDocument/2006/relationships" xmlns:p="http://schemas.openxmlformats.org/presentationml/2006/main" showMasterSp="0" showMasterPhAnim="0">
   <p:cSld>
     <p:spTree>
       <p:nvGrpSpPr>
-        <p:cNvPr id="122" name="Shape 122"/>
+        <p:cNvPr id="1" name="Shape 122"/>
         <p:cNvGrpSpPr/>
         <p:nvPr/>
       </p:nvGrpSpPr>
@@ -1211,9 +1251,11 @@
       <p:sp>
         <p:nvSpPr>
           <p:cNvPr id="123" name="Google Shape;123;p5:notes"/>
-          <p:cNvSpPr txBox="1"/>
+          <p:cNvSpPr txBox="1">
+            <a:spLocks noGrp="1"/>
+          </p:cNvSpPr>
           <p:nvPr>
-            <p:ph idx="1" type="body"/>
+            <p:ph type="body" idx="1"/>
           </p:nvPr>
         </p:nvSpPr>
         <p:spPr>
@@ -1226,12 +1268,12 @@
           </a:prstGeom>
         </p:spPr>
         <p:txBody>
-          <a:bodyPr anchorCtr="0" anchor="t" bIns="91425" lIns="91425" spcFirstLastPara="1" rIns="91425" wrap="square" tIns="91425">
+          <a:bodyPr spcFirstLastPara="1" wrap="square" lIns="91425" tIns="91425" rIns="91425" bIns="91425" anchor="t" anchorCtr="0">
             <a:noAutofit/>
           </a:bodyPr>
           <a:lstStyle/>
           <a:p>
-            <a:pPr indent="0" lvl="0" marL="0" rtl="0" algn="l">
+            <a:pPr marL="0" lvl="0" indent="0" algn="l" rtl="0">
               <a:spcBef>
                 <a:spcPts val="0"/>
               </a:spcBef>
@@ -1240,9 +1282,6 @@
               </a:spcAft>
               <a:buNone/>
             </a:pPr>
-            <a:r>
-              <a:t/>
-            </a:r>
             <a:endParaRPr/>
           </a:p>
         </p:txBody>
@@ -1250,9 +1289,11 @@
       <p:sp>
         <p:nvSpPr>
           <p:cNvPr id="124" name="Google Shape;124;p5:notes"/>
-          <p:cNvSpPr/>
+          <p:cNvSpPr>
+            <a:spLocks noGrp="1" noRot="1" noChangeAspect="1"/>
+          </p:cNvSpPr>
           <p:nvPr>
-            <p:ph idx="2" type="sldImg"/>
+            <p:ph type="sldImg" idx="2"/>
           </p:nvPr>
         </p:nvSpPr>
         <p:spPr>
@@ -1261,9 +1302,13 @@
             <a:ext cx="4572225" cy="3429000"/>
           </a:xfrm>
           <a:custGeom>
-            <a:rect b="b" l="l" r="r" t="t"/>
+            <a:avLst/>
+            <a:gdLst/>
+            <a:ahLst/>
+            <a:cxnLst/>
+            <a:rect l="l" t="t" r="r" b="b"/>
             <a:pathLst>
-              <a:path extrusionOk="0" h="120000" w="120000">
+              <a:path w="120000" h="120000" extrusionOk="0">
                 <a:moveTo>
                   <a:pt x="0" y="0"/>
                 </a:moveTo>
@@ -1291,11 +1336,11 @@
 </file>
 
 <file path=ppt/notesSlides/notesSlide7.xml><?xml version="1.0" encoding="utf-8"?>
-<p:notes xmlns:a="http://schemas.openxmlformats.org/drawingml/2006/main" xmlns:r="http://schemas.openxmlformats.org/officeDocument/2006/relationships" xmlns:mc="http://schemas.openxmlformats.org/markup-compatibility/2006" xmlns:mv="urn:schemas-microsoft-com:mac:vml" xmlns:p="http://schemas.openxmlformats.org/presentationml/2006/main" xmlns:c="http://schemas.openxmlformats.org/drawingml/2006/chart" xmlns:dgm="http://schemas.openxmlformats.org/drawingml/2006/diagram" xmlns:o="urn:schemas-microsoft-com:office:office" xmlns:v="urn:schemas-microsoft-com:vml" xmlns:pvml="urn:schemas-microsoft-com:office:powerpoint" xmlns:com="http://schemas.openxmlformats.org/drawingml/2006/compatibility" xmlns:p14="http://schemas.microsoft.com/office/powerpoint/2010/main" xmlns:p15="http://schemas.microsoft.com/office/powerpoint/2012/main" xmlns:ahyp="http://schemas.microsoft.com/office/drawing/2018/hyperlinkcolor" showMasterPhAnim="0" showMasterSp="0">
+<p:notes xmlns:a="http://schemas.openxmlformats.org/drawingml/2006/main" xmlns:r="http://schemas.openxmlformats.org/officeDocument/2006/relationships" xmlns:p="http://schemas.openxmlformats.org/presentationml/2006/main" showMasterSp="0" showMasterPhAnim="0">
   <p:cSld>
     <p:spTree>
       <p:nvGrpSpPr>
-        <p:cNvPr id="129" name="Shape 129"/>
+        <p:cNvPr id="1" name="Shape 129"/>
         <p:cNvGrpSpPr/>
         <p:nvPr/>
       </p:nvGrpSpPr>
@@ -1310,9 +1355,11 @@
       <p:sp>
         <p:nvSpPr>
           <p:cNvPr id="130" name="Google Shape;130;gaa71e5d8a0_0_1:notes"/>
-          <p:cNvSpPr/>
+          <p:cNvSpPr>
+            <a:spLocks noGrp="1" noRot="1" noChangeAspect="1"/>
+          </p:cNvSpPr>
           <p:nvPr>
-            <p:ph idx="2" type="sldImg"/>
+            <p:ph type="sldImg" idx="2"/>
           </p:nvPr>
         </p:nvSpPr>
         <p:spPr>
@@ -1321,9 +1368,13 @@
             <a:ext cx="4572300" cy="3429000"/>
           </a:xfrm>
           <a:custGeom>
-            <a:rect b="b" l="l" r="r" t="t"/>
+            <a:avLst/>
+            <a:gdLst/>
+            <a:ahLst/>
+            <a:cxnLst/>
+            <a:rect l="l" t="t" r="r" b="b"/>
             <a:pathLst>
-              <a:path extrusionOk="0" h="120000" w="120000">
+              <a:path w="120000" h="120000" extrusionOk="0">
                 <a:moveTo>
                   <a:pt x="0" y="0"/>
                 </a:moveTo>
@@ -1345,9 +1396,11 @@
       <p:sp>
         <p:nvSpPr>
           <p:cNvPr id="131" name="Google Shape;131;gaa71e5d8a0_0_1:notes"/>
-          <p:cNvSpPr txBox="1"/>
+          <p:cNvSpPr txBox="1">
+            <a:spLocks noGrp="1"/>
+          </p:cNvSpPr>
           <p:nvPr>
-            <p:ph idx="1" type="body"/>
+            <p:ph type="body" idx="1"/>
           </p:nvPr>
         </p:nvSpPr>
         <p:spPr>
@@ -1360,12 +1413,12 @@
           </a:prstGeom>
         </p:spPr>
         <p:txBody>
-          <a:bodyPr anchorCtr="0" anchor="t" bIns="91425" lIns="91425" spcFirstLastPara="1" rIns="91425" wrap="square" tIns="91425">
+          <a:bodyPr spcFirstLastPara="1" wrap="square" lIns="91425" tIns="91425" rIns="91425" bIns="91425" anchor="t" anchorCtr="0">
             <a:noAutofit/>
           </a:bodyPr>
           <a:lstStyle/>
           <a:p>
-            <a:pPr indent="0" lvl="0" marL="0" rtl="0" algn="l">
+            <a:pPr marL="0" lvl="0" indent="0" algn="l" rtl="0">
               <a:spcBef>
                 <a:spcPts val="0"/>
               </a:spcBef>
@@ -1374,9 +1427,6 @@
               </a:spcAft>
               <a:buNone/>
             </a:pPr>
-            <a:r>
-              <a:t/>
-            </a:r>
             <a:endParaRPr/>
           </a:p>
         </p:txBody>
@@ -1390,11 +1440,11 @@
 </file>
 
 <file path=ppt/notesSlides/notesSlide8.xml><?xml version="1.0" encoding="utf-8"?>
-<p:notes xmlns:a="http://schemas.openxmlformats.org/drawingml/2006/main" xmlns:r="http://schemas.openxmlformats.org/officeDocument/2006/relationships" xmlns:mc="http://schemas.openxmlformats.org/markup-compatibility/2006" xmlns:mv="urn:schemas-microsoft-com:mac:vml" xmlns:p="http://schemas.openxmlformats.org/presentationml/2006/main" xmlns:c="http://schemas.openxmlformats.org/drawingml/2006/chart" xmlns:dgm="http://schemas.openxmlformats.org/drawingml/2006/diagram" xmlns:o="urn:schemas-microsoft-com:office:office" xmlns:v="urn:schemas-microsoft-com:vml" xmlns:pvml="urn:schemas-microsoft-com:office:powerpoint" xmlns:com="http://schemas.openxmlformats.org/drawingml/2006/compatibility" xmlns:p14="http://schemas.microsoft.com/office/powerpoint/2010/main" xmlns:p15="http://schemas.microsoft.com/office/powerpoint/2012/main" xmlns:ahyp="http://schemas.microsoft.com/office/drawing/2018/hyperlinkcolor" showMasterPhAnim="0" showMasterSp="0">
+<p:notes xmlns:a="http://schemas.openxmlformats.org/drawingml/2006/main" xmlns:r="http://schemas.openxmlformats.org/officeDocument/2006/relationships" xmlns:p="http://schemas.openxmlformats.org/presentationml/2006/main" showMasterSp="0" showMasterPhAnim="0">
   <p:cSld>
     <p:spTree>
       <p:nvGrpSpPr>
-        <p:cNvPr id="136" name="Shape 136"/>
+        <p:cNvPr id="1" name="Shape 136"/>
         <p:cNvGrpSpPr/>
         <p:nvPr/>
       </p:nvGrpSpPr>
@@ -1409,9 +1459,11 @@
       <p:sp>
         <p:nvSpPr>
           <p:cNvPr id="137" name="Google Shape;137;gaa71e5d8a0_0_7:notes"/>
-          <p:cNvSpPr/>
+          <p:cNvSpPr>
+            <a:spLocks noGrp="1" noRot="1" noChangeAspect="1"/>
+          </p:cNvSpPr>
           <p:nvPr>
-            <p:ph idx="2" type="sldImg"/>
+            <p:ph type="sldImg" idx="2"/>
           </p:nvPr>
         </p:nvSpPr>
         <p:spPr>
@@ -1420,9 +1472,13 @@
             <a:ext cx="4572300" cy="3429000"/>
           </a:xfrm>
           <a:custGeom>
-            <a:rect b="b" l="l" r="r" t="t"/>
+            <a:avLst/>
+            <a:gdLst/>
+            <a:ahLst/>
+            <a:cxnLst/>
+            <a:rect l="l" t="t" r="r" b="b"/>
             <a:pathLst>
-              <a:path extrusionOk="0" h="120000" w="120000">
+              <a:path w="120000" h="120000" extrusionOk="0">
                 <a:moveTo>
                   <a:pt x="0" y="0"/>
                 </a:moveTo>
@@ -1444,9 +1500,11 @@
       <p:sp>
         <p:nvSpPr>
           <p:cNvPr id="138" name="Google Shape;138;gaa71e5d8a0_0_7:notes"/>
-          <p:cNvSpPr txBox="1"/>
+          <p:cNvSpPr txBox="1">
+            <a:spLocks noGrp="1"/>
+          </p:cNvSpPr>
           <p:nvPr>
-            <p:ph idx="1" type="body"/>
+            <p:ph type="body" idx="1"/>
           </p:nvPr>
         </p:nvSpPr>
         <p:spPr>
@@ -1459,12 +1517,12 @@
           </a:prstGeom>
         </p:spPr>
         <p:txBody>
-          <a:bodyPr anchorCtr="0" anchor="t" bIns="91425" lIns="91425" spcFirstLastPara="1" rIns="91425" wrap="square" tIns="91425">
+          <a:bodyPr spcFirstLastPara="1" wrap="square" lIns="91425" tIns="91425" rIns="91425" bIns="91425" anchor="t" anchorCtr="0">
             <a:noAutofit/>
           </a:bodyPr>
           <a:lstStyle/>
           <a:p>
-            <a:pPr indent="0" lvl="0" marL="0" rtl="0" algn="l">
+            <a:pPr marL="0" lvl="0" indent="0" algn="l" rtl="0">
               <a:spcBef>
                 <a:spcPts val="0"/>
               </a:spcBef>
@@ -1473,9 +1531,6 @@
               </a:spcAft>
               <a:buNone/>
             </a:pPr>
-            <a:r>
-              <a:t/>
-            </a:r>
             <a:endParaRPr/>
           </a:p>
         </p:txBody>
@@ -1489,11 +1544,11 @@
 </file>
 
 <file path=ppt/slideLayouts/slideLayout1.xml><?xml version="1.0" encoding="utf-8"?>
-<p:sldLayout xmlns:a="http://schemas.openxmlformats.org/drawingml/2006/main" xmlns:r="http://schemas.openxmlformats.org/officeDocument/2006/relationships" xmlns:mc="http://schemas.openxmlformats.org/markup-compatibility/2006" xmlns:mv="urn:schemas-microsoft-com:mac:vml" xmlns:p="http://schemas.openxmlformats.org/presentationml/2006/main" xmlns:c="http://schemas.openxmlformats.org/drawingml/2006/chart" xmlns:dgm="http://schemas.openxmlformats.org/drawingml/2006/diagram" xmlns:o="urn:schemas-microsoft-com:office:office" xmlns:v="urn:schemas-microsoft-com:vml" xmlns:pvml="urn:schemas-microsoft-com:office:powerpoint" xmlns:com="http://schemas.openxmlformats.org/drawingml/2006/compatibility" xmlns:p14="http://schemas.microsoft.com/office/powerpoint/2010/main" xmlns:p15="http://schemas.microsoft.com/office/powerpoint/2012/main" xmlns:ahyp="http://schemas.microsoft.com/office/drawing/2018/hyperlinkcolor" matchingName="Title Slide" type="title">
+<p:sldLayout xmlns:a="http://schemas.openxmlformats.org/drawingml/2006/main" xmlns:r="http://schemas.openxmlformats.org/officeDocument/2006/relationships" xmlns:p="http://schemas.openxmlformats.org/presentationml/2006/main" matchingName="Title Slide" type="title">
   <p:cSld name="TITLE">
     <p:spTree>
       <p:nvGrpSpPr>
-        <p:cNvPr id="11" name="Shape 11"/>
+        <p:cNvPr id="1" name="Shape 11"/>
         <p:cNvGrpSpPr/>
         <p:nvPr/>
       </p:nvGrpSpPr>
@@ -1508,7 +1563,9 @@
       <p:sp>
         <p:nvSpPr>
           <p:cNvPr id="12" name="Google Shape;12;p7"/>
-          <p:cNvSpPr txBox="1"/>
+          <p:cNvSpPr txBox="1">
+            <a:spLocks noGrp="1"/>
+          </p:cNvSpPr>
           <p:nvPr>
             <p:ph type="ctrTitle"/>
           </p:nvPr>
@@ -1527,7 +1584,7 @@
           </a:ln>
         </p:spPr>
         <p:txBody>
-          <a:bodyPr anchorCtr="0" anchor="b" bIns="45700" lIns="91425" spcFirstLastPara="1" rIns="91425" wrap="square" tIns="45700">
+          <a:bodyPr spcFirstLastPara="1" wrap="square" lIns="91425" tIns="45700" rIns="91425" bIns="45700" anchor="b" anchorCtr="0">
             <a:normAutofit/>
           </a:bodyPr>
           <a:lstStyle>
@@ -1638,15 +1695,19 @@
               <a:defRPr/>
             </a:lvl9pPr>
           </a:lstStyle>
-          <a:p/>
+          <a:p>
+            <a:endParaRPr/>
+          </a:p>
         </p:txBody>
       </p:sp>
       <p:sp>
         <p:nvSpPr>
           <p:cNvPr id="13" name="Google Shape;13;p7"/>
-          <p:cNvSpPr txBox="1"/>
+          <p:cNvSpPr txBox="1">
+            <a:spLocks noGrp="1"/>
+          </p:cNvSpPr>
           <p:nvPr>
-            <p:ph idx="1" type="subTitle"/>
+            <p:ph type="subTitle" idx="1"/>
           </p:nvPr>
         </p:nvSpPr>
         <p:spPr>
@@ -1663,7 +1724,7 @@
           </a:ln>
         </p:spPr>
         <p:txBody>
-          <a:bodyPr anchorCtr="0" anchor="t" bIns="45700" lIns="91425" spcFirstLastPara="1" rIns="91425" wrap="square" tIns="45700">
+          <a:bodyPr spcFirstLastPara="1" wrap="square" lIns="91425" tIns="45700" rIns="91425" bIns="45700" anchor="t" anchorCtr="0">
             <a:normAutofit/>
           </a:bodyPr>
           <a:lstStyle>
@@ -1821,15 +1882,19 @@
               <a:defRPr sz="1600"/>
             </a:lvl9pPr>
           </a:lstStyle>
-          <a:p/>
+          <a:p>
+            <a:endParaRPr/>
+          </a:p>
         </p:txBody>
       </p:sp>
       <p:sp>
         <p:nvSpPr>
           <p:cNvPr id="14" name="Google Shape;14;p7"/>
-          <p:cNvSpPr txBox="1"/>
+          <p:cNvSpPr txBox="1">
+            <a:spLocks noGrp="1"/>
+          </p:cNvSpPr>
           <p:nvPr>
-            <p:ph idx="10" type="dt"/>
+            <p:ph type="dt" idx="10"/>
           </p:nvPr>
         </p:nvSpPr>
         <p:spPr>
@@ -1846,7 +1911,7 @@
           </a:ln>
         </p:spPr>
         <p:txBody>
-          <a:bodyPr anchorCtr="0" anchor="ctr" bIns="45700" lIns="91425" spcFirstLastPara="1" rIns="91425" wrap="square" tIns="45700">
+          <a:bodyPr spcFirstLastPara="1" wrap="square" lIns="91425" tIns="45700" rIns="91425" bIns="45700" anchor="ctr" anchorCtr="0">
             <a:noAutofit/>
           </a:bodyPr>
           <a:lstStyle>
@@ -1950,15 +2015,19 @@
               <a:defRPr/>
             </a:lvl9pPr>
           </a:lstStyle>
-          <a:p/>
+          <a:p>
+            <a:endParaRPr/>
+          </a:p>
         </p:txBody>
       </p:sp>
       <p:sp>
         <p:nvSpPr>
           <p:cNvPr id="15" name="Google Shape;15;p7"/>
-          <p:cNvSpPr txBox="1"/>
+          <p:cNvSpPr txBox="1">
+            <a:spLocks noGrp="1"/>
+          </p:cNvSpPr>
           <p:nvPr>
-            <p:ph idx="11" type="ftr"/>
+            <p:ph type="ftr" idx="11"/>
           </p:nvPr>
         </p:nvSpPr>
         <p:spPr>
@@ -1975,7 +2044,7 @@
           </a:ln>
         </p:spPr>
         <p:txBody>
-          <a:bodyPr anchorCtr="0" anchor="ctr" bIns="45700" lIns="91425" spcFirstLastPara="1" rIns="91425" wrap="square" tIns="45700">
+          <a:bodyPr spcFirstLastPara="1" wrap="square" lIns="91425" tIns="45700" rIns="91425" bIns="45700" anchor="ctr" anchorCtr="0">
             <a:noAutofit/>
           </a:bodyPr>
           <a:lstStyle>
@@ -2079,15 +2148,19 @@
               <a:defRPr/>
             </a:lvl9pPr>
           </a:lstStyle>
-          <a:p/>
+          <a:p>
+            <a:endParaRPr/>
+          </a:p>
         </p:txBody>
       </p:sp>
       <p:sp>
         <p:nvSpPr>
           <p:cNvPr id="16" name="Google Shape;16;p7"/>
-          <p:cNvSpPr txBox="1"/>
+          <p:cNvSpPr txBox="1">
+            <a:spLocks noGrp="1"/>
+          </p:cNvSpPr>
           <p:nvPr>
-            <p:ph idx="12" type="sldNum"/>
+            <p:ph type="sldNum" idx="12"/>
           </p:nvPr>
         </p:nvSpPr>
         <p:spPr>
@@ -2104,67 +2177,67 @@
           </a:ln>
         </p:spPr>
         <p:txBody>
-          <a:bodyPr anchorCtr="0" anchor="ctr" bIns="45700" lIns="91425" spcFirstLastPara="1" rIns="91425" wrap="square" tIns="45700">
+          <a:bodyPr spcFirstLastPara="1" wrap="square" lIns="91425" tIns="45700" rIns="91425" bIns="45700" anchor="ctr" anchorCtr="0">
             <a:noAutofit/>
           </a:bodyPr>
           <a:lstStyle>
-            <a:lvl1pPr indent="0" lvl="0" marL="0" algn="r">
+            <a:lvl1pPr marL="0" lvl="0" indent="0" algn="r">
               <a:spcBef>
                 <a:spcPts val="0"/>
               </a:spcBef>
               <a:buNone/>
               <a:defRPr/>
             </a:lvl1pPr>
-            <a:lvl2pPr indent="0" lvl="1" marL="0" algn="r">
+            <a:lvl2pPr marL="0" lvl="1" indent="0" algn="r">
               <a:spcBef>
                 <a:spcPts val="0"/>
               </a:spcBef>
               <a:buNone/>
               <a:defRPr/>
             </a:lvl2pPr>
-            <a:lvl3pPr indent="0" lvl="2" marL="0" algn="r">
+            <a:lvl3pPr marL="0" lvl="2" indent="0" algn="r">
               <a:spcBef>
                 <a:spcPts val="0"/>
               </a:spcBef>
               <a:buNone/>
               <a:defRPr/>
             </a:lvl3pPr>
-            <a:lvl4pPr indent="0" lvl="3" marL="0" algn="r">
+            <a:lvl4pPr marL="0" lvl="3" indent="0" algn="r">
               <a:spcBef>
                 <a:spcPts val="0"/>
               </a:spcBef>
               <a:buNone/>
               <a:defRPr/>
             </a:lvl4pPr>
-            <a:lvl5pPr indent="0" lvl="4" marL="0" algn="r">
+            <a:lvl5pPr marL="0" lvl="4" indent="0" algn="r">
               <a:spcBef>
                 <a:spcPts val="0"/>
               </a:spcBef>
               <a:buNone/>
               <a:defRPr/>
             </a:lvl5pPr>
-            <a:lvl6pPr indent="0" lvl="5" marL="0" algn="r">
+            <a:lvl6pPr marL="0" lvl="5" indent="0" algn="r">
               <a:spcBef>
                 <a:spcPts val="0"/>
               </a:spcBef>
               <a:buNone/>
               <a:defRPr/>
             </a:lvl6pPr>
-            <a:lvl7pPr indent="0" lvl="6" marL="0" algn="r">
+            <a:lvl7pPr marL="0" lvl="6" indent="0" algn="r">
               <a:spcBef>
                 <a:spcPts val="0"/>
               </a:spcBef>
               <a:buNone/>
               <a:defRPr/>
             </a:lvl7pPr>
-            <a:lvl8pPr indent="0" lvl="7" marL="0" algn="r">
+            <a:lvl8pPr marL="0" lvl="7" indent="0" algn="r">
               <a:spcBef>
                 <a:spcPts val="0"/>
               </a:spcBef>
               <a:buNone/>
               <a:defRPr/>
             </a:lvl8pPr>
-            <a:lvl9pPr indent="0" lvl="8" marL="0" algn="r">
+            <a:lvl9pPr marL="0" lvl="8" indent="0" algn="r">
               <a:spcBef>
                 <a:spcPts val="0"/>
               </a:spcBef>
@@ -2173,7 +2246,7 @@
             </a:lvl9pPr>
           </a:lstStyle>
           <a:p>
-            <a:pPr indent="0" lvl="0" marL="0" rtl="0" algn="r">
+            <a:pPr marL="0" lvl="0" indent="0" algn="r" rtl="0">
               <a:spcBef>
                 <a:spcPts val="0"/>
               </a:spcBef>
@@ -2199,11 +2272,11 @@
 </file>
 
 <file path=ppt/slideLayouts/slideLayout10.xml><?xml version="1.0" encoding="utf-8"?>
-<p:sldLayout xmlns:a="http://schemas.openxmlformats.org/drawingml/2006/main" xmlns:r="http://schemas.openxmlformats.org/officeDocument/2006/relationships" xmlns:mc="http://schemas.openxmlformats.org/markup-compatibility/2006" xmlns:mv="urn:schemas-microsoft-com:mac:vml" xmlns:p="http://schemas.openxmlformats.org/presentationml/2006/main" xmlns:c="http://schemas.openxmlformats.org/drawingml/2006/chart" xmlns:dgm="http://schemas.openxmlformats.org/drawingml/2006/diagram" xmlns:o="urn:schemas-microsoft-com:office:office" xmlns:v="urn:schemas-microsoft-com:vml" xmlns:pvml="urn:schemas-microsoft-com:office:powerpoint" xmlns:com="http://schemas.openxmlformats.org/drawingml/2006/compatibility" xmlns:p14="http://schemas.microsoft.com/office/powerpoint/2010/main" xmlns:p15="http://schemas.microsoft.com/office/powerpoint/2012/main" xmlns:ahyp="http://schemas.microsoft.com/office/drawing/2018/hyperlinkcolor" matchingName="Title and Vertical Text" type="vertTx">
+<p:sldLayout xmlns:a="http://schemas.openxmlformats.org/drawingml/2006/main" xmlns:r="http://schemas.openxmlformats.org/officeDocument/2006/relationships" xmlns:p="http://schemas.openxmlformats.org/presentationml/2006/main" matchingName="Title and Vertical Text" type="vertTx">
   <p:cSld name="VERTICAL_TEXT">
     <p:spTree>
       <p:nvGrpSpPr>
-        <p:cNvPr id="68" name="Shape 68"/>
+        <p:cNvPr id="1" name="Shape 68"/>
         <p:cNvGrpSpPr/>
         <p:nvPr/>
       </p:nvGrpSpPr>
@@ -2218,7 +2291,9 @@
       <p:sp>
         <p:nvSpPr>
           <p:cNvPr id="69" name="Google Shape;69;p16"/>
-          <p:cNvSpPr txBox="1"/>
+          <p:cNvSpPr txBox="1">
+            <a:spLocks noGrp="1"/>
+          </p:cNvSpPr>
           <p:nvPr>
             <p:ph type="title"/>
           </p:nvPr>
@@ -2237,7 +2312,7 @@
           </a:ln>
         </p:spPr>
         <p:txBody>
-          <a:bodyPr anchorCtr="0" anchor="ctr" bIns="45700" lIns="91425" spcFirstLastPara="1" rIns="91425" wrap="square" tIns="45700">
+          <a:bodyPr spcFirstLastPara="1" wrap="square" lIns="91425" tIns="45700" rIns="91425" bIns="45700" anchor="ctr" anchorCtr="0">
             <a:normAutofit/>
           </a:bodyPr>
           <a:lstStyle>
@@ -2347,15 +2422,19 @@
               <a:defRPr/>
             </a:lvl9pPr>
           </a:lstStyle>
-          <a:p/>
+          <a:p>
+            <a:endParaRPr/>
+          </a:p>
         </p:txBody>
       </p:sp>
       <p:sp>
         <p:nvSpPr>
           <p:cNvPr id="70" name="Google Shape;70;p16"/>
-          <p:cNvSpPr txBox="1"/>
+          <p:cNvSpPr txBox="1">
+            <a:spLocks noGrp="1"/>
+          </p:cNvSpPr>
           <p:nvPr>
-            <p:ph idx="1" type="body"/>
+            <p:ph type="body" idx="1"/>
           </p:nvPr>
         </p:nvSpPr>
         <p:spPr>
@@ -2372,11 +2451,11 @@
           </a:ln>
         </p:spPr>
         <p:txBody>
-          <a:bodyPr anchorCtr="0" anchor="t" bIns="45700" lIns="91425" spcFirstLastPara="1" rIns="91425" wrap="square" tIns="45700">
+          <a:bodyPr spcFirstLastPara="1" wrap="square" lIns="91425" tIns="45700" rIns="91425" bIns="45700" anchor="t" anchorCtr="0">
             <a:normAutofit/>
           </a:bodyPr>
           <a:lstStyle>
-            <a:lvl1pPr indent="-342900" lvl="0" marL="457200" algn="l">
+            <a:lvl1pPr marL="457200" lvl="0" indent="-342900" algn="l">
               <a:lnSpc>
                 <a:spcPct val="90000"/>
               </a:lnSpc>
@@ -2393,7 +2472,7 @@
               <a:buChar char="•"/>
               <a:defRPr/>
             </a:lvl1pPr>
-            <a:lvl2pPr indent="-342900" lvl="1" marL="914400" algn="l">
+            <a:lvl2pPr marL="914400" lvl="1" indent="-342900" algn="l">
               <a:lnSpc>
                 <a:spcPct val="90000"/>
               </a:lnSpc>
@@ -2410,7 +2489,7 @@
               <a:buChar char="•"/>
               <a:defRPr/>
             </a:lvl2pPr>
-            <a:lvl3pPr indent="-342900" lvl="2" marL="1371600" algn="l">
+            <a:lvl3pPr marL="1371600" lvl="2" indent="-342900" algn="l">
               <a:lnSpc>
                 <a:spcPct val="90000"/>
               </a:lnSpc>
@@ -2427,7 +2506,7 @@
               <a:buChar char="•"/>
               <a:defRPr/>
             </a:lvl3pPr>
-            <a:lvl4pPr indent="-342900" lvl="3" marL="1828800" algn="l">
+            <a:lvl4pPr marL="1828800" lvl="3" indent="-342900" algn="l">
               <a:lnSpc>
                 <a:spcPct val="90000"/>
               </a:lnSpc>
@@ -2444,7 +2523,7 @@
               <a:buChar char="•"/>
               <a:defRPr/>
             </a:lvl4pPr>
-            <a:lvl5pPr indent="-342900" lvl="4" marL="2286000" algn="l">
+            <a:lvl5pPr marL="2286000" lvl="4" indent="-342900" algn="l">
               <a:lnSpc>
                 <a:spcPct val="90000"/>
               </a:lnSpc>
@@ -2461,7 +2540,7 @@
               <a:buChar char="•"/>
               <a:defRPr/>
             </a:lvl5pPr>
-            <a:lvl6pPr indent="-342900" lvl="5" marL="2743200" algn="l">
+            <a:lvl6pPr marL="2743200" lvl="5" indent="-342900" algn="l">
               <a:lnSpc>
                 <a:spcPct val="90000"/>
               </a:lnSpc>
@@ -2478,7 +2557,7 @@
               <a:buChar char="•"/>
               <a:defRPr/>
             </a:lvl6pPr>
-            <a:lvl7pPr indent="-342900" lvl="6" marL="3200400" algn="l">
+            <a:lvl7pPr marL="3200400" lvl="6" indent="-342900" algn="l">
               <a:lnSpc>
                 <a:spcPct val="90000"/>
               </a:lnSpc>
@@ -2495,7 +2574,7 @@
               <a:buChar char="•"/>
               <a:defRPr/>
             </a:lvl7pPr>
-            <a:lvl8pPr indent="-342900" lvl="7" marL="3657600" algn="l">
+            <a:lvl8pPr marL="3657600" lvl="7" indent="-342900" algn="l">
               <a:lnSpc>
                 <a:spcPct val="90000"/>
               </a:lnSpc>
@@ -2512,7 +2591,7 @@
               <a:buChar char="•"/>
               <a:defRPr/>
             </a:lvl8pPr>
-            <a:lvl9pPr indent="-342900" lvl="8" marL="4114800" algn="l">
+            <a:lvl9pPr marL="4114800" lvl="8" indent="-342900" algn="l">
               <a:lnSpc>
                 <a:spcPct val="90000"/>
               </a:lnSpc>
@@ -2530,15 +2609,19 @@
               <a:defRPr/>
             </a:lvl9pPr>
           </a:lstStyle>
-          <a:p/>
+          <a:p>
+            <a:endParaRPr/>
+          </a:p>
         </p:txBody>
       </p:sp>
       <p:sp>
         <p:nvSpPr>
           <p:cNvPr id="71" name="Google Shape;71;p16"/>
-          <p:cNvSpPr txBox="1"/>
+          <p:cNvSpPr txBox="1">
+            <a:spLocks noGrp="1"/>
+          </p:cNvSpPr>
           <p:nvPr>
-            <p:ph idx="10" type="dt"/>
+            <p:ph type="dt" idx="10"/>
           </p:nvPr>
         </p:nvSpPr>
         <p:spPr>
@@ -2555,7 +2638,7 @@
           </a:ln>
         </p:spPr>
         <p:txBody>
-          <a:bodyPr anchorCtr="0" anchor="ctr" bIns="45700" lIns="91425" spcFirstLastPara="1" rIns="91425" wrap="square" tIns="45700">
+          <a:bodyPr spcFirstLastPara="1" wrap="square" lIns="91425" tIns="45700" rIns="91425" bIns="45700" anchor="ctr" anchorCtr="0">
             <a:noAutofit/>
           </a:bodyPr>
           <a:lstStyle>
@@ -2659,15 +2742,19 @@
               <a:defRPr/>
             </a:lvl9pPr>
           </a:lstStyle>
-          <a:p/>
+          <a:p>
+            <a:endParaRPr/>
+          </a:p>
         </p:txBody>
       </p:sp>
       <p:sp>
         <p:nvSpPr>
           <p:cNvPr id="72" name="Google Shape;72;p16"/>
-          <p:cNvSpPr txBox="1"/>
+          <p:cNvSpPr txBox="1">
+            <a:spLocks noGrp="1"/>
+          </p:cNvSpPr>
           <p:nvPr>
-            <p:ph idx="11" type="ftr"/>
+            <p:ph type="ftr" idx="11"/>
           </p:nvPr>
         </p:nvSpPr>
         <p:spPr>
@@ -2684,7 +2771,7 @@
           </a:ln>
         </p:spPr>
         <p:txBody>
-          <a:bodyPr anchorCtr="0" anchor="ctr" bIns="45700" lIns="91425" spcFirstLastPara="1" rIns="91425" wrap="square" tIns="45700">
+          <a:bodyPr spcFirstLastPara="1" wrap="square" lIns="91425" tIns="45700" rIns="91425" bIns="45700" anchor="ctr" anchorCtr="0">
             <a:noAutofit/>
           </a:bodyPr>
           <a:lstStyle>
@@ -2788,15 +2875,19 @@
               <a:defRPr/>
             </a:lvl9pPr>
           </a:lstStyle>
-          <a:p/>
+          <a:p>
+            <a:endParaRPr/>
+          </a:p>
         </p:txBody>
       </p:sp>
       <p:sp>
         <p:nvSpPr>
           <p:cNvPr id="73" name="Google Shape;73;p16"/>
-          <p:cNvSpPr txBox="1"/>
+          <p:cNvSpPr txBox="1">
+            <a:spLocks noGrp="1"/>
+          </p:cNvSpPr>
           <p:nvPr>
-            <p:ph idx="12" type="sldNum"/>
+            <p:ph type="sldNum" idx="12"/>
           </p:nvPr>
         </p:nvSpPr>
         <p:spPr>
@@ -2813,67 +2904,67 @@
           </a:ln>
         </p:spPr>
         <p:txBody>
-          <a:bodyPr anchorCtr="0" anchor="ctr" bIns="45700" lIns="91425" spcFirstLastPara="1" rIns="91425" wrap="square" tIns="45700">
+          <a:bodyPr spcFirstLastPara="1" wrap="square" lIns="91425" tIns="45700" rIns="91425" bIns="45700" anchor="ctr" anchorCtr="0">
             <a:noAutofit/>
           </a:bodyPr>
           <a:lstStyle>
-            <a:lvl1pPr indent="0" lvl="0" marL="0" algn="r">
+            <a:lvl1pPr marL="0" lvl="0" indent="0" algn="r">
               <a:spcBef>
                 <a:spcPts val="0"/>
               </a:spcBef>
               <a:buNone/>
               <a:defRPr/>
             </a:lvl1pPr>
-            <a:lvl2pPr indent="0" lvl="1" marL="0" algn="r">
+            <a:lvl2pPr marL="0" lvl="1" indent="0" algn="r">
               <a:spcBef>
                 <a:spcPts val="0"/>
               </a:spcBef>
               <a:buNone/>
               <a:defRPr/>
             </a:lvl2pPr>
-            <a:lvl3pPr indent="0" lvl="2" marL="0" algn="r">
+            <a:lvl3pPr marL="0" lvl="2" indent="0" algn="r">
               <a:spcBef>
                 <a:spcPts val="0"/>
               </a:spcBef>
               <a:buNone/>
               <a:defRPr/>
             </a:lvl3pPr>
-            <a:lvl4pPr indent="0" lvl="3" marL="0" algn="r">
+            <a:lvl4pPr marL="0" lvl="3" indent="0" algn="r">
               <a:spcBef>
                 <a:spcPts val="0"/>
               </a:spcBef>
               <a:buNone/>
               <a:defRPr/>
             </a:lvl4pPr>
-            <a:lvl5pPr indent="0" lvl="4" marL="0" algn="r">
+            <a:lvl5pPr marL="0" lvl="4" indent="0" algn="r">
               <a:spcBef>
                 <a:spcPts val="0"/>
               </a:spcBef>
               <a:buNone/>
               <a:defRPr/>
             </a:lvl5pPr>
-            <a:lvl6pPr indent="0" lvl="5" marL="0" algn="r">
+            <a:lvl6pPr marL="0" lvl="5" indent="0" algn="r">
               <a:spcBef>
                 <a:spcPts val="0"/>
               </a:spcBef>
               <a:buNone/>
               <a:defRPr/>
             </a:lvl6pPr>
-            <a:lvl7pPr indent="0" lvl="6" marL="0" algn="r">
+            <a:lvl7pPr marL="0" lvl="6" indent="0" algn="r">
               <a:spcBef>
                 <a:spcPts val="0"/>
               </a:spcBef>
               <a:buNone/>
               <a:defRPr/>
             </a:lvl7pPr>
-            <a:lvl8pPr indent="0" lvl="7" marL="0" algn="r">
+            <a:lvl8pPr marL="0" lvl="7" indent="0" algn="r">
               <a:spcBef>
                 <a:spcPts val="0"/>
               </a:spcBef>
               <a:buNone/>
               <a:defRPr/>
             </a:lvl8pPr>
-            <a:lvl9pPr indent="0" lvl="8" marL="0" algn="r">
+            <a:lvl9pPr marL="0" lvl="8" indent="0" algn="r">
               <a:spcBef>
                 <a:spcPts val="0"/>
               </a:spcBef>
@@ -2882,7 +2973,7 @@
             </a:lvl9pPr>
           </a:lstStyle>
           <a:p>
-            <a:pPr indent="0" lvl="0" marL="0" rtl="0" algn="r">
+            <a:pPr marL="0" lvl="0" indent="0" algn="r" rtl="0">
               <a:spcBef>
                 <a:spcPts val="0"/>
               </a:spcBef>
@@ -2908,11 +2999,11 @@
 </file>
 
 <file path=ppt/slideLayouts/slideLayout11.xml><?xml version="1.0" encoding="utf-8"?>
-<p:sldLayout xmlns:a="http://schemas.openxmlformats.org/drawingml/2006/main" xmlns:r="http://schemas.openxmlformats.org/officeDocument/2006/relationships" xmlns:mc="http://schemas.openxmlformats.org/markup-compatibility/2006" xmlns:mv="urn:schemas-microsoft-com:mac:vml" xmlns:p="http://schemas.openxmlformats.org/presentationml/2006/main" xmlns:c="http://schemas.openxmlformats.org/drawingml/2006/chart" xmlns:dgm="http://schemas.openxmlformats.org/drawingml/2006/diagram" xmlns:o="urn:schemas-microsoft-com:office:office" xmlns:v="urn:schemas-microsoft-com:vml" xmlns:pvml="urn:schemas-microsoft-com:office:powerpoint" xmlns:com="http://schemas.openxmlformats.org/drawingml/2006/compatibility" xmlns:p14="http://schemas.microsoft.com/office/powerpoint/2010/main" xmlns:p15="http://schemas.microsoft.com/office/powerpoint/2012/main" xmlns:ahyp="http://schemas.microsoft.com/office/drawing/2018/hyperlinkcolor" matchingName="Vertical Title and Text" type="vertTitleAndTx">
+<p:sldLayout xmlns:a="http://schemas.openxmlformats.org/drawingml/2006/main" xmlns:r="http://schemas.openxmlformats.org/officeDocument/2006/relationships" xmlns:p="http://schemas.openxmlformats.org/presentationml/2006/main" matchingName="Vertical Title and Text" type="vertTitleAndTx">
   <p:cSld name="VERTICAL_TITLE_AND_VERTICAL_TEXT">
     <p:spTree>
       <p:nvGrpSpPr>
-        <p:cNvPr id="74" name="Shape 74"/>
+        <p:cNvPr id="1" name="Shape 74"/>
         <p:cNvGrpSpPr/>
         <p:nvPr/>
       </p:nvGrpSpPr>
@@ -2927,7 +3018,9 @@
       <p:sp>
         <p:nvSpPr>
           <p:cNvPr id="75" name="Google Shape;75;p17"/>
-          <p:cNvSpPr txBox="1"/>
+          <p:cNvSpPr txBox="1">
+            <a:spLocks noGrp="1"/>
+          </p:cNvSpPr>
           <p:nvPr>
             <p:ph type="title"/>
           </p:nvPr>
@@ -2946,7 +3039,7 @@
           </a:ln>
         </p:spPr>
         <p:txBody>
-          <a:bodyPr anchorCtr="0" anchor="ctr" bIns="45700" lIns="91425" spcFirstLastPara="1" rIns="91425" wrap="square" tIns="45700">
+          <a:bodyPr spcFirstLastPara="1" wrap="square" lIns="91425" tIns="45700" rIns="91425" bIns="45700" anchor="ctr" anchorCtr="0">
             <a:normAutofit/>
           </a:bodyPr>
           <a:lstStyle>
@@ -3056,15 +3149,19 @@
               <a:defRPr/>
             </a:lvl9pPr>
           </a:lstStyle>
-          <a:p/>
+          <a:p>
+            <a:endParaRPr/>
+          </a:p>
         </p:txBody>
       </p:sp>
       <p:sp>
         <p:nvSpPr>
           <p:cNvPr id="76" name="Google Shape;76;p17"/>
-          <p:cNvSpPr txBox="1"/>
+          <p:cNvSpPr txBox="1">
+            <a:spLocks noGrp="1"/>
+          </p:cNvSpPr>
           <p:nvPr>
-            <p:ph idx="1" type="body"/>
+            <p:ph type="body" idx="1"/>
           </p:nvPr>
         </p:nvSpPr>
         <p:spPr>
@@ -3081,11 +3178,11 @@
           </a:ln>
         </p:spPr>
         <p:txBody>
-          <a:bodyPr anchorCtr="0" anchor="t" bIns="45700" lIns="91425" spcFirstLastPara="1" rIns="91425" wrap="square" tIns="45700">
+          <a:bodyPr spcFirstLastPara="1" wrap="square" lIns="91425" tIns="45700" rIns="91425" bIns="45700" anchor="t" anchorCtr="0">
             <a:normAutofit/>
           </a:bodyPr>
           <a:lstStyle>
-            <a:lvl1pPr indent="-342900" lvl="0" marL="457200" algn="l">
+            <a:lvl1pPr marL="457200" lvl="0" indent="-342900" algn="l">
               <a:lnSpc>
                 <a:spcPct val="90000"/>
               </a:lnSpc>
@@ -3102,7 +3199,7 @@
               <a:buChar char="•"/>
               <a:defRPr/>
             </a:lvl1pPr>
-            <a:lvl2pPr indent="-342900" lvl="1" marL="914400" algn="l">
+            <a:lvl2pPr marL="914400" lvl="1" indent="-342900" algn="l">
               <a:lnSpc>
                 <a:spcPct val="90000"/>
               </a:lnSpc>
@@ -3119,7 +3216,7 @@
               <a:buChar char="•"/>
               <a:defRPr/>
             </a:lvl2pPr>
-            <a:lvl3pPr indent="-342900" lvl="2" marL="1371600" algn="l">
+            <a:lvl3pPr marL="1371600" lvl="2" indent="-342900" algn="l">
               <a:lnSpc>
                 <a:spcPct val="90000"/>
               </a:lnSpc>
@@ -3136,7 +3233,7 @@
               <a:buChar char="•"/>
               <a:defRPr/>
             </a:lvl3pPr>
-            <a:lvl4pPr indent="-342900" lvl="3" marL="1828800" algn="l">
+            <a:lvl4pPr marL="1828800" lvl="3" indent="-342900" algn="l">
               <a:lnSpc>
                 <a:spcPct val="90000"/>
               </a:lnSpc>
@@ -3153,7 +3250,7 @@
               <a:buChar char="•"/>
               <a:defRPr/>
             </a:lvl4pPr>
-            <a:lvl5pPr indent="-342900" lvl="4" marL="2286000" algn="l">
+            <a:lvl5pPr marL="2286000" lvl="4" indent="-342900" algn="l">
               <a:lnSpc>
                 <a:spcPct val="90000"/>
               </a:lnSpc>
@@ -3170,7 +3267,7 @@
               <a:buChar char="•"/>
               <a:defRPr/>
             </a:lvl5pPr>
-            <a:lvl6pPr indent="-342900" lvl="5" marL="2743200" algn="l">
+            <a:lvl6pPr marL="2743200" lvl="5" indent="-342900" algn="l">
               <a:lnSpc>
                 <a:spcPct val="90000"/>
               </a:lnSpc>
@@ -3187,7 +3284,7 @@
               <a:buChar char="•"/>
               <a:defRPr/>
             </a:lvl6pPr>
-            <a:lvl7pPr indent="-342900" lvl="6" marL="3200400" algn="l">
+            <a:lvl7pPr marL="3200400" lvl="6" indent="-342900" algn="l">
               <a:lnSpc>
                 <a:spcPct val="90000"/>
               </a:lnSpc>
@@ -3204,7 +3301,7 @@
               <a:buChar char="•"/>
               <a:defRPr/>
             </a:lvl7pPr>
-            <a:lvl8pPr indent="-342900" lvl="7" marL="3657600" algn="l">
+            <a:lvl8pPr marL="3657600" lvl="7" indent="-342900" algn="l">
               <a:lnSpc>
                 <a:spcPct val="90000"/>
               </a:lnSpc>
@@ -3221,7 +3318,7 @@
               <a:buChar char="•"/>
               <a:defRPr/>
             </a:lvl8pPr>
-            <a:lvl9pPr indent="-342900" lvl="8" marL="4114800" algn="l">
+            <a:lvl9pPr marL="4114800" lvl="8" indent="-342900" algn="l">
               <a:lnSpc>
                 <a:spcPct val="90000"/>
               </a:lnSpc>
@@ -3239,15 +3336,19 @@
               <a:defRPr/>
             </a:lvl9pPr>
           </a:lstStyle>
-          <a:p/>
+          <a:p>
+            <a:endParaRPr/>
+          </a:p>
         </p:txBody>
       </p:sp>
       <p:sp>
         <p:nvSpPr>
           <p:cNvPr id="77" name="Google Shape;77;p17"/>
-          <p:cNvSpPr txBox="1"/>
+          <p:cNvSpPr txBox="1">
+            <a:spLocks noGrp="1"/>
+          </p:cNvSpPr>
           <p:nvPr>
-            <p:ph idx="10" type="dt"/>
+            <p:ph type="dt" idx="10"/>
           </p:nvPr>
         </p:nvSpPr>
         <p:spPr>
@@ -3264,7 +3365,7 @@
           </a:ln>
         </p:spPr>
         <p:txBody>
-          <a:bodyPr anchorCtr="0" anchor="ctr" bIns="45700" lIns="91425" spcFirstLastPara="1" rIns="91425" wrap="square" tIns="45700">
+          <a:bodyPr spcFirstLastPara="1" wrap="square" lIns="91425" tIns="45700" rIns="91425" bIns="45700" anchor="ctr" anchorCtr="0">
             <a:noAutofit/>
           </a:bodyPr>
           <a:lstStyle>
@@ -3368,15 +3469,19 @@
               <a:defRPr/>
             </a:lvl9pPr>
           </a:lstStyle>
-          <a:p/>
+          <a:p>
+            <a:endParaRPr/>
+          </a:p>
         </p:txBody>
       </p:sp>
       <p:sp>
         <p:nvSpPr>
           <p:cNvPr id="78" name="Google Shape;78;p17"/>
-          <p:cNvSpPr txBox="1"/>
+          <p:cNvSpPr txBox="1">
+            <a:spLocks noGrp="1"/>
+          </p:cNvSpPr>
           <p:nvPr>
-            <p:ph idx="11" type="ftr"/>
+            <p:ph type="ftr" idx="11"/>
           </p:nvPr>
         </p:nvSpPr>
         <p:spPr>
@@ -3393,7 +3498,7 @@
           </a:ln>
         </p:spPr>
         <p:txBody>
-          <a:bodyPr anchorCtr="0" anchor="ctr" bIns="45700" lIns="91425" spcFirstLastPara="1" rIns="91425" wrap="square" tIns="45700">
+          <a:bodyPr spcFirstLastPara="1" wrap="square" lIns="91425" tIns="45700" rIns="91425" bIns="45700" anchor="ctr" anchorCtr="0">
             <a:noAutofit/>
           </a:bodyPr>
           <a:lstStyle>
@@ -3497,15 +3602,19 @@
               <a:defRPr/>
             </a:lvl9pPr>
           </a:lstStyle>
-          <a:p/>
+          <a:p>
+            <a:endParaRPr/>
+          </a:p>
         </p:txBody>
       </p:sp>
       <p:sp>
         <p:nvSpPr>
           <p:cNvPr id="79" name="Google Shape;79;p17"/>
-          <p:cNvSpPr txBox="1"/>
+          <p:cNvSpPr txBox="1">
+            <a:spLocks noGrp="1"/>
+          </p:cNvSpPr>
           <p:nvPr>
-            <p:ph idx="12" type="sldNum"/>
+            <p:ph type="sldNum" idx="12"/>
           </p:nvPr>
         </p:nvSpPr>
         <p:spPr>
@@ -3522,67 +3631,67 @@
           </a:ln>
         </p:spPr>
         <p:txBody>
-          <a:bodyPr anchorCtr="0" anchor="ctr" bIns="45700" lIns="91425" spcFirstLastPara="1" rIns="91425" wrap="square" tIns="45700">
+          <a:bodyPr spcFirstLastPara="1" wrap="square" lIns="91425" tIns="45700" rIns="91425" bIns="45700" anchor="ctr" anchorCtr="0">
             <a:noAutofit/>
           </a:bodyPr>
           <a:lstStyle>
-            <a:lvl1pPr indent="0" lvl="0" marL="0" algn="r">
+            <a:lvl1pPr marL="0" lvl="0" indent="0" algn="r">
               <a:spcBef>
                 <a:spcPts val="0"/>
               </a:spcBef>
               <a:buNone/>
               <a:defRPr/>
             </a:lvl1pPr>
-            <a:lvl2pPr indent="0" lvl="1" marL="0" algn="r">
+            <a:lvl2pPr marL="0" lvl="1" indent="0" algn="r">
               <a:spcBef>
                 <a:spcPts val="0"/>
               </a:spcBef>
               <a:buNone/>
               <a:defRPr/>
             </a:lvl2pPr>
-            <a:lvl3pPr indent="0" lvl="2" marL="0" algn="r">
+            <a:lvl3pPr marL="0" lvl="2" indent="0" algn="r">
               <a:spcBef>
                 <a:spcPts val="0"/>
               </a:spcBef>
               <a:buNone/>
               <a:defRPr/>
             </a:lvl3pPr>
-            <a:lvl4pPr indent="0" lvl="3" marL="0" algn="r">
+            <a:lvl4pPr marL="0" lvl="3" indent="0" algn="r">
               <a:spcBef>
                 <a:spcPts val="0"/>
               </a:spcBef>
               <a:buNone/>
               <a:defRPr/>
             </a:lvl4pPr>
-            <a:lvl5pPr indent="0" lvl="4" marL="0" algn="r">
+            <a:lvl5pPr marL="0" lvl="4" indent="0" algn="r">
               <a:spcBef>
                 <a:spcPts val="0"/>
               </a:spcBef>
               <a:buNone/>
               <a:defRPr/>
             </a:lvl5pPr>
-            <a:lvl6pPr indent="0" lvl="5" marL="0" algn="r">
+            <a:lvl6pPr marL="0" lvl="5" indent="0" algn="r">
               <a:spcBef>
                 <a:spcPts val="0"/>
               </a:spcBef>
               <a:buNone/>
               <a:defRPr/>
             </a:lvl6pPr>
-            <a:lvl7pPr indent="0" lvl="6" marL="0" algn="r">
+            <a:lvl7pPr marL="0" lvl="6" indent="0" algn="r">
               <a:spcBef>
                 <a:spcPts val="0"/>
               </a:spcBef>
               <a:buNone/>
               <a:defRPr/>
             </a:lvl7pPr>
-            <a:lvl8pPr indent="0" lvl="7" marL="0" algn="r">
+            <a:lvl8pPr marL="0" lvl="7" indent="0" algn="r">
               <a:spcBef>
                 <a:spcPts val="0"/>
               </a:spcBef>
               <a:buNone/>
               <a:defRPr/>
             </a:lvl8pPr>
-            <a:lvl9pPr indent="0" lvl="8" marL="0" algn="r">
+            <a:lvl9pPr marL="0" lvl="8" indent="0" algn="r">
               <a:spcBef>
                 <a:spcPts val="0"/>
               </a:spcBef>
@@ -3591,7 +3700,7 @@
             </a:lvl9pPr>
           </a:lstStyle>
           <a:p>
-            <a:pPr indent="0" lvl="0" marL="0" rtl="0" algn="r">
+            <a:pPr marL="0" lvl="0" indent="0" algn="r" rtl="0">
               <a:spcBef>
                 <a:spcPts val="0"/>
               </a:spcBef>
@@ -3617,11 +3726,11 @@
 </file>
 
 <file path=ppt/slideLayouts/slideLayout2.xml><?xml version="1.0" encoding="utf-8"?>
-<p:sldLayout xmlns:a="http://schemas.openxmlformats.org/drawingml/2006/main" xmlns:r="http://schemas.openxmlformats.org/officeDocument/2006/relationships" xmlns:mc="http://schemas.openxmlformats.org/markup-compatibility/2006" xmlns:mv="urn:schemas-microsoft-com:mac:vml" xmlns:p="http://schemas.openxmlformats.org/presentationml/2006/main" xmlns:c="http://schemas.openxmlformats.org/drawingml/2006/chart" xmlns:dgm="http://schemas.openxmlformats.org/drawingml/2006/diagram" xmlns:o="urn:schemas-microsoft-com:office:office" xmlns:v="urn:schemas-microsoft-com:vml" xmlns:pvml="urn:schemas-microsoft-com:office:powerpoint" xmlns:com="http://schemas.openxmlformats.org/drawingml/2006/compatibility" xmlns:p14="http://schemas.microsoft.com/office/powerpoint/2010/main" xmlns:p15="http://schemas.microsoft.com/office/powerpoint/2012/main" xmlns:ahyp="http://schemas.microsoft.com/office/drawing/2018/hyperlinkcolor" matchingName="Title and Content" type="obj">
+<p:sldLayout xmlns:a="http://schemas.openxmlformats.org/drawingml/2006/main" xmlns:r="http://schemas.openxmlformats.org/officeDocument/2006/relationships" xmlns:p="http://schemas.openxmlformats.org/presentationml/2006/main" matchingName="Title and Content" type="obj">
   <p:cSld name="OBJECT">
     <p:spTree>
       <p:nvGrpSpPr>
-        <p:cNvPr id="17" name="Shape 17"/>
+        <p:cNvPr id="1" name="Shape 17"/>
         <p:cNvGrpSpPr/>
         <p:nvPr/>
       </p:nvGrpSpPr>
@@ -3636,7 +3745,9 @@
       <p:sp>
         <p:nvSpPr>
           <p:cNvPr id="18" name="Google Shape;18;p8"/>
-          <p:cNvSpPr txBox="1"/>
+          <p:cNvSpPr txBox="1">
+            <a:spLocks noGrp="1"/>
+          </p:cNvSpPr>
           <p:nvPr>
             <p:ph type="title"/>
           </p:nvPr>
@@ -3655,7 +3766,7 @@
           </a:ln>
         </p:spPr>
         <p:txBody>
-          <a:bodyPr anchorCtr="0" anchor="ctr" bIns="45700" lIns="91425" spcFirstLastPara="1" rIns="91425" wrap="square" tIns="45700">
+          <a:bodyPr spcFirstLastPara="1" wrap="square" lIns="91425" tIns="45700" rIns="91425" bIns="45700" anchor="ctr" anchorCtr="0">
             <a:normAutofit/>
           </a:bodyPr>
           <a:lstStyle>
@@ -3765,15 +3876,19 @@
               <a:defRPr/>
             </a:lvl9pPr>
           </a:lstStyle>
-          <a:p/>
+          <a:p>
+            <a:endParaRPr/>
+          </a:p>
         </p:txBody>
       </p:sp>
       <p:sp>
         <p:nvSpPr>
           <p:cNvPr id="19" name="Google Shape;19;p8"/>
-          <p:cNvSpPr txBox="1"/>
+          <p:cNvSpPr txBox="1">
+            <a:spLocks noGrp="1"/>
+          </p:cNvSpPr>
           <p:nvPr>
-            <p:ph idx="1" type="body"/>
+            <p:ph type="body" idx="1"/>
           </p:nvPr>
         </p:nvSpPr>
         <p:spPr>
@@ -3790,11 +3905,11 @@
           </a:ln>
         </p:spPr>
         <p:txBody>
-          <a:bodyPr anchorCtr="0" anchor="t" bIns="45700" lIns="91425" spcFirstLastPara="1" rIns="91425" wrap="square" tIns="45700">
+          <a:bodyPr spcFirstLastPara="1" wrap="square" lIns="91425" tIns="45700" rIns="91425" bIns="45700" anchor="t" anchorCtr="0">
             <a:normAutofit/>
           </a:bodyPr>
           <a:lstStyle>
-            <a:lvl1pPr indent="-342900" lvl="0" marL="457200" algn="l">
+            <a:lvl1pPr marL="457200" lvl="0" indent="-342900" algn="l">
               <a:lnSpc>
                 <a:spcPct val="90000"/>
               </a:lnSpc>
@@ -3811,7 +3926,7 @@
               <a:buChar char="•"/>
               <a:defRPr/>
             </a:lvl1pPr>
-            <a:lvl2pPr indent="-342900" lvl="1" marL="914400" algn="l">
+            <a:lvl2pPr marL="914400" lvl="1" indent="-342900" algn="l">
               <a:lnSpc>
                 <a:spcPct val="90000"/>
               </a:lnSpc>
@@ -3828,7 +3943,7 @@
               <a:buChar char="•"/>
               <a:defRPr/>
             </a:lvl2pPr>
-            <a:lvl3pPr indent="-342900" lvl="2" marL="1371600" algn="l">
+            <a:lvl3pPr marL="1371600" lvl="2" indent="-342900" algn="l">
               <a:lnSpc>
                 <a:spcPct val="90000"/>
               </a:lnSpc>
@@ -3845,7 +3960,7 @@
               <a:buChar char="•"/>
               <a:defRPr/>
             </a:lvl3pPr>
-            <a:lvl4pPr indent="-342900" lvl="3" marL="1828800" algn="l">
+            <a:lvl4pPr marL="1828800" lvl="3" indent="-342900" algn="l">
               <a:lnSpc>
                 <a:spcPct val="90000"/>
               </a:lnSpc>
@@ -3862,7 +3977,7 @@
               <a:buChar char="•"/>
               <a:defRPr/>
             </a:lvl4pPr>
-            <a:lvl5pPr indent="-342900" lvl="4" marL="2286000" algn="l">
+            <a:lvl5pPr marL="2286000" lvl="4" indent="-342900" algn="l">
               <a:lnSpc>
                 <a:spcPct val="90000"/>
               </a:lnSpc>
@@ -3879,7 +3994,7 @@
               <a:buChar char="•"/>
               <a:defRPr/>
             </a:lvl5pPr>
-            <a:lvl6pPr indent="-342900" lvl="5" marL="2743200" algn="l">
+            <a:lvl6pPr marL="2743200" lvl="5" indent="-342900" algn="l">
               <a:lnSpc>
                 <a:spcPct val="90000"/>
               </a:lnSpc>
@@ -3896,7 +4011,7 @@
               <a:buChar char="•"/>
               <a:defRPr/>
             </a:lvl6pPr>
-            <a:lvl7pPr indent="-342900" lvl="6" marL="3200400" algn="l">
+            <a:lvl7pPr marL="3200400" lvl="6" indent="-342900" algn="l">
               <a:lnSpc>
                 <a:spcPct val="90000"/>
               </a:lnSpc>
@@ -3913,7 +4028,7 @@
               <a:buChar char="•"/>
               <a:defRPr/>
             </a:lvl7pPr>
-            <a:lvl8pPr indent="-342900" lvl="7" marL="3657600" algn="l">
+            <a:lvl8pPr marL="3657600" lvl="7" indent="-342900" algn="l">
               <a:lnSpc>
                 <a:spcPct val="90000"/>
               </a:lnSpc>
@@ -3930,7 +4045,7 @@
               <a:buChar char="•"/>
               <a:defRPr/>
             </a:lvl8pPr>
-            <a:lvl9pPr indent="-342900" lvl="8" marL="4114800" algn="l">
+            <a:lvl9pPr marL="4114800" lvl="8" indent="-342900" algn="l">
               <a:lnSpc>
                 <a:spcPct val="90000"/>
               </a:lnSpc>
@@ -3948,15 +4063,19 @@
               <a:defRPr/>
             </a:lvl9pPr>
           </a:lstStyle>
-          <a:p/>
+          <a:p>
+            <a:endParaRPr/>
+          </a:p>
         </p:txBody>
       </p:sp>
       <p:sp>
         <p:nvSpPr>
           <p:cNvPr id="20" name="Google Shape;20;p8"/>
-          <p:cNvSpPr txBox="1"/>
+          <p:cNvSpPr txBox="1">
+            <a:spLocks noGrp="1"/>
+          </p:cNvSpPr>
           <p:nvPr>
-            <p:ph idx="10" type="dt"/>
+            <p:ph type="dt" idx="10"/>
           </p:nvPr>
         </p:nvSpPr>
         <p:spPr>
@@ -3973,7 +4092,7 @@
           </a:ln>
         </p:spPr>
         <p:txBody>
-          <a:bodyPr anchorCtr="0" anchor="ctr" bIns="45700" lIns="91425" spcFirstLastPara="1" rIns="91425" wrap="square" tIns="45700">
+          <a:bodyPr spcFirstLastPara="1" wrap="square" lIns="91425" tIns="45700" rIns="91425" bIns="45700" anchor="ctr" anchorCtr="0">
             <a:noAutofit/>
           </a:bodyPr>
           <a:lstStyle>
@@ -4077,15 +4196,19 @@
               <a:defRPr/>
             </a:lvl9pPr>
           </a:lstStyle>
-          <a:p/>
+          <a:p>
+            <a:endParaRPr/>
+          </a:p>
         </p:txBody>
       </p:sp>
       <p:sp>
         <p:nvSpPr>
           <p:cNvPr id="21" name="Google Shape;21;p8"/>
-          <p:cNvSpPr txBox="1"/>
+          <p:cNvSpPr txBox="1">
+            <a:spLocks noGrp="1"/>
+          </p:cNvSpPr>
           <p:nvPr>
-            <p:ph idx="11" type="ftr"/>
+            <p:ph type="ftr" idx="11"/>
           </p:nvPr>
         </p:nvSpPr>
         <p:spPr>
@@ -4102,7 +4225,7 @@
           </a:ln>
         </p:spPr>
         <p:txBody>
-          <a:bodyPr anchorCtr="0" anchor="ctr" bIns="45700" lIns="91425" spcFirstLastPara="1" rIns="91425" wrap="square" tIns="45700">
+          <a:bodyPr spcFirstLastPara="1" wrap="square" lIns="91425" tIns="45700" rIns="91425" bIns="45700" anchor="ctr" anchorCtr="0">
             <a:noAutofit/>
           </a:bodyPr>
           <a:lstStyle>
@@ -4206,15 +4329,19 @@
               <a:defRPr/>
             </a:lvl9pPr>
           </a:lstStyle>
-          <a:p/>
+          <a:p>
+            <a:endParaRPr/>
+          </a:p>
         </p:txBody>
       </p:sp>
       <p:sp>
         <p:nvSpPr>
           <p:cNvPr id="22" name="Google Shape;22;p8"/>
-          <p:cNvSpPr txBox="1"/>
+          <p:cNvSpPr txBox="1">
+            <a:spLocks noGrp="1"/>
+          </p:cNvSpPr>
           <p:nvPr>
-            <p:ph idx="12" type="sldNum"/>
+            <p:ph type="sldNum" idx="12"/>
           </p:nvPr>
         </p:nvSpPr>
         <p:spPr>
@@ -4231,67 +4358,67 @@
           </a:ln>
         </p:spPr>
         <p:txBody>
-          <a:bodyPr anchorCtr="0" anchor="ctr" bIns="45700" lIns="91425" spcFirstLastPara="1" rIns="91425" wrap="square" tIns="45700">
+          <a:bodyPr spcFirstLastPara="1" wrap="square" lIns="91425" tIns="45700" rIns="91425" bIns="45700" anchor="ctr" anchorCtr="0">
             <a:noAutofit/>
           </a:bodyPr>
           <a:lstStyle>
-            <a:lvl1pPr indent="0" lvl="0" marL="0" algn="r">
+            <a:lvl1pPr marL="0" lvl="0" indent="0" algn="r">
               <a:spcBef>
                 <a:spcPts val="0"/>
               </a:spcBef>
               <a:buNone/>
               <a:defRPr/>
             </a:lvl1pPr>
-            <a:lvl2pPr indent="0" lvl="1" marL="0" algn="r">
+            <a:lvl2pPr marL="0" lvl="1" indent="0" algn="r">
               <a:spcBef>
                 <a:spcPts val="0"/>
               </a:spcBef>
               <a:buNone/>
               <a:defRPr/>
             </a:lvl2pPr>
-            <a:lvl3pPr indent="0" lvl="2" marL="0" algn="r">
+            <a:lvl3pPr marL="0" lvl="2" indent="0" algn="r">
               <a:spcBef>
                 <a:spcPts val="0"/>
               </a:spcBef>
               <a:buNone/>
               <a:defRPr/>
             </a:lvl3pPr>
-            <a:lvl4pPr indent="0" lvl="3" marL="0" algn="r">
+            <a:lvl4pPr marL="0" lvl="3" indent="0" algn="r">
               <a:spcBef>
                 <a:spcPts val="0"/>
               </a:spcBef>
               <a:buNone/>
               <a:defRPr/>
             </a:lvl4pPr>
-            <a:lvl5pPr indent="0" lvl="4" marL="0" algn="r">
+            <a:lvl5pPr marL="0" lvl="4" indent="0" algn="r">
               <a:spcBef>
                 <a:spcPts val="0"/>
               </a:spcBef>
               <a:buNone/>
               <a:defRPr/>
             </a:lvl5pPr>
-            <a:lvl6pPr indent="0" lvl="5" marL="0" algn="r">
+            <a:lvl6pPr marL="0" lvl="5" indent="0" algn="r">
               <a:spcBef>
                 <a:spcPts val="0"/>
               </a:spcBef>
               <a:buNone/>
               <a:defRPr/>
             </a:lvl6pPr>
-            <a:lvl7pPr indent="0" lvl="6" marL="0" algn="r">
+            <a:lvl7pPr marL="0" lvl="6" indent="0" algn="r">
               <a:spcBef>
                 <a:spcPts val="0"/>
               </a:spcBef>
               <a:buNone/>
               <a:defRPr/>
             </a:lvl7pPr>
-            <a:lvl8pPr indent="0" lvl="7" marL="0" algn="r">
+            <a:lvl8pPr marL="0" lvl="7" indent="0" algn="r">
               <a:spcBef>
                 <a:spcPts val="0"/>
               </a:spcBef>
               <a:buNone/>
               <a:defRPr/>
             </a:lvl8pPr>
-            <a:lvl9pPr indent="0" lvl="8" marL="0" algn="r">
+            <a:lvl9pPr marL="0" lvl="8" indent="0" algn="r">
               <a:spcBef>
                 <a:spcPts val="0"/>
               </a:spcBef>
@@ -4300,7 +4427,7 @@
             </a:lvl9pPr>
           </a:lstStyle>
           <a:p>
-            <a:pPr indent="0" lvl="0" marL="0" rtl="0" algn="r">
+            <a:pPr marL="0" lvl="0" indent="0" algn="r" rtl="0">
               <a:spcBef>
                 <a:spcPts val="0"/>
               </a:spcBef>
@@ -4326,11 +4453,11 @@
 </file>
 
 <file path=ppt/slideLayouts/slideLayout3.xml><?xml version="1.0" encoding="utf-8"?>
-<p:sldLayout xmlns:a="http://schemas.openxmlformats.org/drawingml/2006/main" xmlns:r="http://schemas.openxmlformats.org/officeDocument/2006/relationships" xmlns:mc="http://schemas.openxmlformats.org/markup-compatibility/2006" xmlns:mv="urn:schemas-microsoft-com:mac:vml" xmlns:p="http://schemas.openxmlformats.org/presentationml/2006/main" xmlns:c="http://schemas.openxmlformats.org/drawingml/2006/chart" xmlns:dgm="http://schemas.openxmlformats.org/drawingml/2006/diagram" xmlns:o="urn:schemas-microsoft-com:office:office" xmlns:v="urn:schemas-microsoft-com:vml" xmlns:pvml="urn:schemas-microsoft-com:office:powerpoint" xmlns:com="http://schemas.openxmlformats.org/drawingml/2006/compatibility" xmlns:p14="http://schemas.microsoft.com/office/powerpoint/2010/main" xmlns:p15="http://schemas.microsoft.com/office/powerpoint/2012/main" xmlns:ahyp="http://schemas.microsoft.com/office/drawing/2018/hyperlinkcolor" matchingName="Section Header" type="secHead">
+<p:sldLayout xmlns:a="http://schemas.openxmlformats.org/drawingml/2006/main" xmlns:r="http://schemas.openxmlformats.org/officeDocument/2006/relationships" xmlns:p="http://schemas.openxmlformats.org/presentationml/2006/main" matchingName="Section Header" type="secHead">
   <p:cSld name="SECTION_HEADER">
     <p:spTree>
       <p:nvGrpSpPr>
-        <p:cNvPr id="23" name="Shape 23"/>
+        <p:cNvPr id="1" name="Shape 23"/>
         <p:cNvGrpSpPr/>
         <p:nvPr/>
       </p:nvGrpSpPr>
@@ -4345,7 +4472,9 @@
       <p:sp>
         <p:nvSpPr>
           <p:cNvPr id="24" name="Google Shape;24;p9"/>
-          <p:cNvSpPr txBox="1"/>
+          <p:cNvSpPr txBox="1">
+            <a:spLocks noGrp="1"/>
+          </p:cNvSpPr>
           <p:nvPr>
             <p:ph type="title"/>
           </p:nvPr>
@@ -4364,7 +4493,7 @@
           </a:ln>
         </p:spPr>
         <p:txBody>
-          <a:bodyPr anchorCtr="0" anchor="b" bIns="45700" lIns="91425" spcFirstLastPara="1" rIns="91425" wrap="square" tIns="45700">
+          <a:bodyPr spcFirstLastPara="1" wrap="square" lIns="91425" tIns="45700" rIns="91425" bIns="45700" anchor="b" anchorCtr="0">
             <a:normAutofit/>
           </a:bodyPr>
           <a:lstStyle>
@@ -4475,15 +4604,19 @@
               <a:defRPr/>
             </a:lvl9pPr>
           </a:lstStyle>
-          <a:p/>
+          <a:p>
+            <a:endParaRPr/>
+          </a:p>
         </p:txBody>
       </p:sp>
       <p:sp>
         <p:nvSpPr>
           <p:cNvPr id="25" name="Google Shape;25;p9"/>
-          <p:cNvSpPr txBox="1"/>
+          <p:cNvSpPr txBox="1">
+            <a:spLocks noGrp="1"/>
+          </p:cNvSpPr>
           <p:nvPr>
-            <p:ph idx="1" type="body"/>
+            <p:ph type="body" idx="1"/>
           </p:nvPr>
         </p:nvSpPr>
         <p:spPr>
@@ -4500,11 +4633,11 @@
           </a:ln>
         </p:spPr>
         <p:txBody>
-          <a:bodyPr anchorCtr="0" anchor="t" bIns="45700" lIns="91425" spcFirstLastPara="1" rIns="91425" wrap="square" tIns="45700">
+          <a:bodyPr spcFirstLastPara="1" wrap="square" lIns="91425" tIns="45700" rIns="91425" bIns="45700" anchor="t" anchorCtr="0">
             <a:normAutofit/>
           </a:bodyPr>
           <a:lstStyle>
-            <a:lvl1pPr indent="-228600" lvl="0" marL="457200" algn="l">
+            <a:lvl1pPr marL="457200" lvl="0" indent="-228600" algn="l">
               <a:lnSpc>
                 <a:spcPct val="90000"/>
               </a:lnSpc>
@@ -4525,7 +4658,7 @@
                 </a:solidFill>
               </a:defRPr>
             </a:lvl1pPr>
-            <a:lvl2pPr indent="-228600" lvl="1" marL="914400" algn="l">
+            <a:lvl2pPr marL="914400" lvl="1" indent="-228600" algn="l">
               <a:lnSpc>
                 <a:spcPct val="90000"/>
               </a:lnSpc>
@@ -4546,7 +4679,7 @@
                 </a:solidFill>
               </a:defRPr>
             </a:lvl2pPr>
-            <a:lvl3pPr indent="-228600" lvl="2" marL="1371600" algn="l">
+            <a:lvl3pPr marL="1371600" lvl="2" indent="-228600" algn="l">
               <a:lnSpc>
                 <a:spcPct val="90000"/>
               </a:lnSpc>
@@ -4567,7 +4700,7 @@
                 </a:solidFill>
               </a:defRPr>
             </a:lvl3pPr>
-            <a:lvl4pPr indent="-228600" lvl="3" marL="1828800" algn="l">
+            <a:lvl4pPr marL="1828800" lvl="3" indent="-228600" algn="l">
               <a:lnSpc>
                 <a:spcPct val="90000"/>
               </a:lnSpc>
@@ -4588,7 +4721,7 @@
                 </a:solidFill>
               </a:defRPr>
             </a:lvl4pPr>
-            <a:lvl5pPr indent="-228600" lvl="4" marL="2286000" algn="l">
+            <a:lvl5pPr marL="2286000" lvl="4" indent="-228600" algn="l">
               <a:lnSpc>
                 <a:spcPct val="90000"/>
               </a:lnSpc>
@@ -4609,7 +4742,7 @@
                 </a:solidFill>
               </a:defRPr>
             </a:lvl5pPr>
-            <a:lvl6pPr indent="-228600" lvl="5" marL="2743200" algn="l">
+            <a:lvl6pPr marL="2743200" lvl="5" indent="-228600" algn="l">
               <a:lnSpc>
                 <a:spcPct val="90000"/>
               </a:lnSpc>
@@ -4630,7 +4763,7 @@
                 </a:solidFill>
               </a:defRPr>
             </a:lvl6pPr>
-            <a:lvl7pPr indent="-228600" lvl="6" marL="3200400" algn="l">
+            <a:lvl7pPr marL="3200400" lvl="6" indent="-228600" algn="l">
               <a:lnSpc>
                 <a:spcPct val="90000"/>
               </a:lnSpc>
@@ -4651,7 +4784,7 @@
                 </a:solidFill>
               </a:defRPr>
             </a:lvl7pPr>
-            <a:lvl8pPr indent="-228600" lvl="7" marL="3657600" algn="l">
+            <a:lvl8pPr marL="3657600" lvl="7" indent="-228600" algn="l">
               <a:lnSpc>
                 <a:spcPct val="90000"/>
               </a:lnSpc>
@@ -4672,7 +4805,7 @@
                 </a:solidFill>
               </a:defRPr>
             </a:lvl8pPr>
-            <a:lvl9pPr indent="-228600" lvl="8" marL="4114800" algn="l">
+            <a:lvl9pPr marL="4114800" lvl="8" indent="-228600" algn="l">
               <a:lnSpc>
                 <a:spcPct val="90000"/>
               </a:lnSpc>
@@ -4694,15 +4827,19 @@
               </a:defRPr>
             </a:lvl9pPr>
           </a:lstStyle>
-          <a:p/>
+          <a:p>
+            <a:endParaRPr/>
+          </a:p>
         </p:txBody>
       </p:sp>
       <p:sp>
         <p:nvSpPr>
           <p:cNvPr id="26" name="Google Shape;26;p9"/>
-          <p:cNvSpPr txBox="1"/>
+          <p:cNvSpPr txBox="1">
+            <a:spLocks noGrp="1"/>
+          </p:cNvSpPr>
           <p:nvPr>
-            <p:ph idx="10" type="dt"/>
+            <p:ph type="dt" idx="10"/>
           </p:nvPr>
         </p:nvSpPr>
         <p:spPr>
@@ -4719,7 +4856,7 @@
           </a:ln>
         </p:spPr>
         <p:txBody>
-          <a:bodyPr anchorCtr="0" anchor="ctr" bIns="45700" lIns="91425" spcFirstLastPara="1" rIns="91425" wrap="square" tIns="45700">
+          <a:bodyPr spcFirstLastPara="1" wrap="square" lIns="91425" tIns="45700" rIns="91425" bIns="45700" anchor="ctr" anchorCtr="0">
             <a:noAutofit/>
           </a:bodyPr>
           <a:lstStyle>
@@ -4823,15 +4960,19 @@
               <a:defRPr/>
             </a:lvl9pPr>
           </a:lstStyle>
-          <a:p/>
+          <a:p>
+            <a:endParaRPr/>
+          </a:p>
         </p:txBody>
       </p:sp>
       <p:sp>
         <p:nvSpPr>
           <p:cNvPr id="27" name="Google Shape;27;p9"/>
-          <p:cNvSpPr txBox="1"/>
+          <p:cNvSpPr txBox="1">
+            <a:spLocks noGrp="1"/>
+          </p:cNvSpPr>
           <p:nvPr>
-            <p:ph idx="11" type="ftr"/>
+            <p:ph type="ftr" idx="11"/>
           </p:nvPr>
         </p:nvSpPr>
         <p:spPr>
@@ -4848,7 +4989,7 @@
           </a:ln>
         </p:spPr>
         <p:txBody>
-          <a:bodyPr anchorCtr="0" anchor="ctr" bIns="45700" lIns="91425" spcFirstLastPara="1" rIns="91425" wrap="square" tIns="45700">
+          <a:bodyPr spcFirstLastPara="1" wrap="square" lIns="91425" tIns="45700" rIns="91425" bIns="45700" anchor="ctr" anchorCtr="0">
             <a:noAutofit/>
           </a:bodyPr>
           <a:lstStyle>
@@ -4952,15 +5093,19 @@
               <a:defRPr/>
             </a:lvl9pPr>
           </a:lstStyle>
-          <a:p/>
+          <a:p>
+            <a:endParaRPr/>
+          </a:p>
         </p:txBody>
       </p:sp>
       <p:sp>
         <p:nvSpPr>
           <p:cNvPr id="28" name="Google Shape;28;p9"/>
-          <p:cNvSpPr txBox="1"/>
+          <p:cNvSpPr txBox="1">
+            <a:spLocks noGrp="1"/>
+          </p:cNvSpPr>
           <p:nvPr>
-            <p:ph idx="12" type="sldNum"/>
+            <p:ph type="sldNum" idx="12"/>
           </p:nvPr>
         </p:nvSpPr>
         <p:spPr>
@@ -4977,67 +5122,67 @@
           </a:ln>
         </p:spPr>
         <p:txBody>
-          <a:bodyPr anchorCtr="0" anchor="ctr" bIns="45700" lIns="91425" spcFirstLastPara="1" rIns="91425" wrap="square" tIns="45700">
+          <a:bodyPr spcFirstLastPara="1" wrap="square" lIns="91425" tIns="45700" rIns="91425" bIns="45700" anchor="ctr" anchorCtr="0">
             <a:noAutofit/>
           </a:bodyPr>
           <a:lstStyle>
-            <a:lvl1pPr indent="0" lvl="0" marL="0" algn="r">
+            <a:lvl1pPr marL="0" lvl="0" indent="0" algn="r">
               <a:spcBef>
                 <a:spcPts val="0"/>
               </a:spcBef>
               <a:buNone/>
               <a:defRPr/>
             </a:lvl1pPr>
-            <a:lvl2pPr indent="0" lvl="1" marL="0" algn="r">
+            <a:lvl2pPr marL="0" lvl="1" indent="0" algn="r">
               <a:spcBef>
                 <a:spcPts val="0"/>
               </a:spcBef>
               <a:buNone/>
               <a:defRPr/>
             </a:lvl2pPr>
-            <a:lvl3pPr indent="0" lvl="2" marL="0" algn="r">
+            <a:lvl3pPr marL="0" lvl="2" indent="0" algn="r">
               <a:spcBef>
                 <a:spcPts val="0"/>
               </a:spcBef>
               <a:buNone/>
               <a:defRPr/>
             </a:lvl3pPr>
-            <a:lvl4pPr indent="0" lvl="3" marL="0" algn="r">
+            <a:lvl4pPr marL="0" lvl="3" indent="0" algn="r">
               <a:spcBef>
                 <a:spcPts val="0"/>
               </a:spcBef>
               <a:buNone/>
               <a:defRPr/>
             </a:lvl4pPr>
-            <a:lvl5pPr indent="0" lvl="4" marL="0" algn="r">
+            <a:lvl5pPr marL="0" lvl="4" indent="0" algn="r">
               <a:spcBef>
                 <a:spcPts val="0"/>
               </a:spcBef>
               <a:buNone/>
               <a:defRPr/>
             </a:lvl5pPr>
-            <a:lvl6pPr indent="0" lvl="5" marL="0" algn="r">
+            <a:lvl6pPr marL="0" lvl="5" indent="0" algn="r">
               <a:spcBef>
                 <a:spcPts val="0"/>
               </a:spcBef>
               <a:buNone/>
               <a:defRPr/>
             </a:lvl6pPr>
-            <a:lvl7pPr indent="0" lvl="6" marL="0" algn="r">
+            <a:lvl7pPr marL="0" lvl="6" indent="0" algn="r">
               <a:spcBef>
                 <a:spcPts val="0"/>
               </a:spcBef>
               <a:buNone/>
               <a:defRPr/>
             </a:lvl7pPr>
-            <a:lvl8pPr indent="0" lvl="7" marL="0" algn="r">
+            <a:lvl8pPr marL="0" lvl="7" indent="0" algn="r">
               <a:spcBef>
                 <a:spcPts val="0"/>
               </a:spcBef>
               <a:buNone/>
               <a:defRPr/>
             </a:lvl8pPr>
-            <a:lvl9pPr indent="0" lvl="8" marL="0" algn="r">
+            <a:lvl9pPr marL="0" lvl="8" indent="0" algn="r">
               <a:spcBef>
                 <a:spcPts val="0"/>
               </a:spcBef>
@@ -5046,7 +5191,7 @@
             </a:lvl9pPr>
           </a:lstStyle>
           <a:p>
-            <a:pPr indent="0" lvl="0" marL="0" rtl="0" algn="r">
+            <a:pPr marL="0" lvl="0" indent="0" algn="r" rtl="0">
               <a:spcBef>
                 <a:spcPts val="0"/>
               </a:spcBef>
@@ -5072,11 +5217,11 @@
 </file>
 
 <file path=ppt/slideLayouts/slideLayout4.xml><?xml version="1.0" encoding="utf-8"?>
-<p:sldLayout xmlns:a="http://schemas.openxmlformats.org/drawingml/2006/main" xmlns:r="http://schemas.openxmlformats.org/officeDocument/2006/relationships" xmlns:mc="http://schemas.openxmlformats.org/markup-compatibility/2006" xmlns:mv="urn:schemas-microsoft-com:mac:vml" xmlns:p="http://schemas.openxmlformats.org/presentationml/2006/main" xmlns:c="http://schemas.openxmlformats.org/drawingml/2006/chart" xmlns:dgm="http://schemas.openxmlformats.org/drawingml/2006/diagram" xmlns:o="urn:schemas-microsoft-com:office:office" xmlns:v="urn:schemas-microsoft-com:vml" xmlns:pvml="urn:schemas-microsoft-com:office:powerpoint" xmlns:com="http://schemas.openxmlformats.org/drawingml/2006/compatibility" xmlns:p14="http://schemas.microsoft.com/office/powerpoint/2010/main" xmlns:p15="http://schemas.microsoft.com/office/powerpoint/2012/main" xmlns:ahyp="http://schemas.microsoft.com/office/drawing/2018/hyperlinkcolor" matchingName="Two Content" type="twoObj">
+<p:sldLayout xmlns:a="http://schemas.openxmlformats.org/drawingml/2006/main" xmlns:r="http://schemas.openxmlformats.org/officeDocument/2006/relationships" xmlns:p="http://schemas.openxmlformats.org/presentationml/2006/main" matchingName="Two Content" type="twoObj">
   <p:cSld name="TWO_OBJECTS">
     <p:spTree>
       <p:nvGrpSpPr>
-        <p:cNvPr id="29" name="Shape 29"/>
+        <p:cNvPr id="1" name="Shape 29"/>
         <p:cNvGrpSpPr/>
         <p:nvPr/>
       </p:nvGrpSpPr>
@@ -5091,7 +5236,9 @@
       <p:sp>
         <p:nvSpPr>
           <p:cNvPr id="30" name="Google Shape;30;p10"/>
-          <p:cNvSpPr txBox="1"/>
+          <p:cNvSpPr txBox="1">
+            <a:spLocks noGrp="1"/>
+          </p:cNvSpPr>
           <p:nvPr>
             <p:ph type="title"/>
           </p:nvPr>
@@ -5110,7 +5257,7 @@
           </a:ln>
         </p:spPr>
         <p:txBody>
-          <a:bodyPr anchorCtr="0" anchor="ctr" bIns="45700" lIns="91425" spcFirstLastPara="1" rIns="91425" wrap="square" tIns="45700">
+          <a:bodyPr spcFirstLastPara="1" wrap="square" lIns="91425" tIns="45700" rIns="91425" bIns="45700" anchor="ctr" anchorCtr="0">
             <a:normAutofit/>
           </a:bodyPr>
           <a:lstStyle>
@@ -5220,15 +5367,19 @@
               <a:defRPr/>
             </a:lvl9pPr>
           </a:lstStyle>
-          <a:p/>
+          <a:p>
+            <a:endParaRPr/>
+          </a:p>
         </p:txBody>
       </p:sp>
       <p:sp>
         <p:nvSpPr>
           <p:cNvPr id="31" name="Google Shape;31;p10"/>
-          <p:cNvSpPr txBox="1"/>
+          <p:cNvSpPr txBox="1">
+            <a:spLocks noGrp="1"/>
+          </p:cNvSpPr>
           <p:nvPr>
-            <p:ph idx="1" type="body"/>
+            <p:ph type="body" idx="1"/>
           </p:nvPr>
         </p:nvSpPr>
         <p:spPr>
@@ -5245,11 +5396,11 @@
           </a:ln>
         </p:spPr>
         <p:txBody>
-          <a:bodyPr anchorCtr="0" anchor="t" bIns="45700" lIns="91425" spcFirstLastPara="1" rIns="91425" wrap="square" tIns="45700">
+          <a:bodyPr spcFirstLastPara="1" wrap="square" lIns="91425" tIns="45700" rIns="91425" bIns="45700" anchor="t" anchorCtr="0">
             <a:normAutofit/>
           </a:bodyPr>
           <a:lstStyle>
-            <a:lvl1pPr indent="-342900" lvl="0" marL="457200" algn="l">
+            <a:lvl1pPr marL="457200" lvl="0" indent="-342900" algn="l">
               <a:lnSpc>
                 <a:spcPct val="90000"/>
               </a:lnSpc>
@@ -5266,7 +5417,7 @@
               <a:buChar char="•"/>
               <a:defRPr/>
             </a:lvl1pPr>
-            <a:lvl2pPr indent="-342900" lvl="1" marL="914400" algn="l">
+            <a:lvl2pPr marL="914400" lvl="1" indent="-342900" algn="l">
               <a:lnSpc>
                 <a:spcPct val="90000"/>
               </a:lnSpc>
@@ -5283,7 +5434,7 @@
               <a:buChar char="•"/>
               <a:defRPr/>
             </a:lvl2pPr>
-            <a:lvl3pPr indent="-342900" lvl="2" marL="1371600" algn="l">
+            <a:lvl3pPr marL="1371600" lvl="2" indent="-342900" algn="l">
               <a:lnSpc>
                 <a:spcPct val="90000"/>
               </a:lnSpc>
@@ -5300,7 +5451,7 @@
               <a:buChar char="•"/>
               <a:defRPr/>
             </a:lvl3pPr>
-            <a:lvl4pPr indent="-342900" lvl="3" marL="1828800" algn="l">
+            <a:lvl4pPr marL="1828800" lvl="3" indent="-342900" algn="l">
               <a:lnSpc>
                 <a:spcPct val="90000"/>
               </a:lnSpc>
@@ -5317,7 +5468,7 @@
               <a:buChar char="•"/>
               <a:defRPr/>
             </a:lvl4pPr>
-            <a:lvl5pPr indent="-342900" lvl="4" marL="2286000" algn="l">
+            <a:lvl5pPr marL="2286000" lvl="4" indent="-342900" algn="l">
               <a:lnSpc>
                 <a:spcPct val="90000"/>
               </a:lnSpc>
@@ -5334,7 +5485,7 @@
               <a:buChar char="•"/>
               <a:defRPr/>
             </a:lvl5pPr>
-            <a:lvl6pPr indent="-342900" lvl="5" marL="2743200" algn="l">
+            <a:lvl6pPr marL="2743200" lvl="5" indent="-342900" algn="l">
               <a:lnSpc>
                 <a:spcPct val="90000"/>
               </a:lnSpc>
@@ -5351,7 +5502,7 @@
               <a:buChar char="•"/>
               <a:defRPr/>
             </a:lvl6pPr>
-            <a:lvl7pPr indent="-342900" lvl="6" marL="3200400" algn="l">
+            <a:lvl7pPr marL="3200400" lvl="6" indent="-342900" algn="l">
               <a:lnSpc>
                 <a:spcPct val="90000"/>
               </a:lnSpc>
@@ -5368,7 +5519,7 @@
               <a:buChar char="•"/>
               <a:defRPr/>
             </a:lvl7pPr>
-            <a:lvl8pPr indent="-342900" lvl="7" marL="3657600" algn="l">
+            <a:lvl8pPr marL="3657600" lvl="7" indent="-342900" algn="l">
               <a:lnSpc>
                 <a:spcPct val="90000"/>
               </a:lnSpc>
@@ -5385,7 +5536,7 @@
               <a:buChar char="•"/>
               <a:defRPr/>
             </a:lvl8pPr>
-            <a:lvl9pPr indent="-342900" lvl="8" marL="4114800" algn="l">
+            <a:lvl9pPr marL="4114800" lvl="8" indent="-342900" algn="l">
               <a:lnSpc>
                 <a:spcPct val="90000"/>
               </a:lnSpc>
@@ -5403,15 +5554,19 @@
               <a:defRPr/>
             </a:lvl9pPr>
           </a:lstStyle>
-          <a:p/>
+          <a:p>
+            <a:endParaRPr/>
+          </a:p>
         </p:txBody>
       </p:sp>
       <p:sp>
         <p:nvSpPr>
           <p:cNvPr id="32" name="Google Shape;32;p10"/>
-          <p:cNvSpPr txBox="1"/>
+          <p:cNvSpPr txBox="1">
+            <a:spLocks noGrp="1"/>
+          </p:cNvSpPr>
           <p:nvPr>
-            <p:ph idx="2" type="body"/>
+            <p:ph type="body" idx="2"/>
           </p:nvPr>
         </p:nvSpPr>
         <p:spPr>
@@ -5428,11 +5583,11 @@
           </a:ln>
         </p:spPr>
         <p:txBody>
-          <a:bodyPr anchorCtr="0" anchor="t" bIns="45700" lIns="91425" spcFirstLastPara="1" rIns="91425" wrap="square" tIns="45700">
+          <a:bodyPr spcFirstLastPara="1" wrap="square" lIns="91425" tIns="45700" rIns="91425" bIns="45700" anchor="t" anchorCtr="0">
             <a:normAutofit/>
           </a:bodyPr>
           <a:lstStyle>
-            <a:lvl1pPr indent="-342900" lvl="0" marL="457200" algn="l">
+            <a:lvl1pPr marL="457200" lvl="0" indent="-342900" algn="l">
               <a:lnSpc>
                 <a:spcPct val="90000"/>
               </a:lnSpc>
@@ -5449,7 +5604,7 @@
               <a:buChar char="•"/>
               <a:defRPr/>
             </a:lvl1pPr>
-            <a:lvl2pPr indent="-342900" lvl="1" marL="914400" algn="l">
+            <a:lvl2pPr marL="914400" lvl="1" indent="-342900" algn="l">
               <a:lnSpc>
                 <a:spcPct val="90000"/>
               </a:lnSpc>
@@ -5466,7 +5621,7 @@
               <a:buChar char="•"/>
               <a:defRPr/>
             </a:lvl2pPr>
-            <a:lvl3pPr indent="-342900" lvl="2" marL="1371600" algn="l">
+            <a:lvl3pPr marL="1371600" lvl="2" indent="-342900" algn="l">
               <a:lnSpc>
                 <a:spcPct val="90000"/>
               </a:lnSpc>
@@ -5483,7 +5638,7 @@
               <a:buChar char="•"/>
               <a:defRPr/>
             </a:lvl3pPr>
-            <a:lvl4pPr indent="-342900" lvl="3" marL="1828800" algn="l">
+            <a:lvl4pPr marL="1828800" lvl="3" indent="-342900" algn="l">
               <a:lnSpc>
                 <a:spcPct val="90000"/>
               </a:lnSpc>
@@ -5500,7 +5655,7 @@
               <a:buChar char="•"/>
               <a:defRPr/>
             </a:lvl4pPr>
-            <a:lvl5pPr indent="-342900" lvl="4" marL="2286000" algn="l">
+            <a:lvl5pPr marL="2286000" lvl="4" indent="-342900" algn="l">
               <a:lnSpc>
                 <a:spcPct val="90000"/>
               </a:lnSpc>
@@ -5517,7 +5672,7 @@
               <a:buChar char="•"/>
               <a:defRPr/>
             </a:lvl5pPr>
-            <a:lvl6pPr indent="-342900" lvl="5" marL="2743200" algn="l">
+            <a:lvl6pPr marL="2743200" lvl="5" indent="-342900" algn="l">
               <a:lnSpc>
                 <a:spcPct val="90000"/>
               </a:lnSpc>
@@ -5534,7 +5689,7 @@
               <a:buChar char="•"/>
               <a:defRPr/>
             </a:lvl6pPr>
-            <a:lvl7pPr indent="-342900" lvl="6" marL="3200400" algn="l">
+            <a:lvl7pPr marL="3200400" lvl="6" indent="-342900" algn="l">
               <a:lnSpc>
                 <a:spcPct val="90000"/>
               </a:lnSpc>
@@ -5551,7 +5706,7 @@
               <a:buChar char="•"/>
               <a:defRPr/>
             </a:lvl7pPr>
-            <a:lvl8pPr indent="-342900" lvl="7" marL="3657600" algn="l">
+            <a:lvl8pPr marL="3657600" lvl="7" indent="-342900" algn="l">
               <a:lnSpc>
                 <a:spcPct val="90000"/>
               </a:lnSpc>
@@ -5568,7 +5723,7 @@
               <a:buChar char="•"/>
               <a:defRPr/>
             </a:lvl8pPr>
-            <a:lvl9pPr indent="-342900" lvl="8" marL="4114800" algn="l">
+            <a:lvl9pPr marL="4114800" lvl="8" indent="-342900" algn="l">
               <a:lnSpc>
                 <a:spcPct val="90000"/>
               </a:lnSpc>
@@ -5586,15 +5741,19 @@
               <a:defRPr/>
             </a:lvl9pPr>
           </a:lstStyle>
-          <a:p/>
+          <a:p>
+            <a:endParaRPr/>
+          </a:p>
         </p:txBody>
       </p:sp>
       <p:sp>
         <p:nvSpPr>
           <p:cNvPr id="33" name="Google Shape;33;p10"/>
-          <p:cNvSpPr txBox="1"/>
+          <p:cNvSpPr txBox="1">
+            <a:spLocks noGrp="1"/>
+          </p:cNvSpPr>
           <p:nvPr>
-            <p:ph idx="10" type="dt"/>
+            <p:ph type="dt" idx="10"/>
           </p:nvPr>
         </p:nvSpPr>
         <p:spPr>
@@ -5611,7 +5770,7 @@
           </a:ln>
         </p:spPr>
         <p:txBody>
-          <a:bodyPr anchorCtr="0" anchor="ctr" bIns="45700" lIns="91425" spcFirstLastPara="1" rIns="91425" wrap="square" tIns="45700">
+          <a:bodyPr spcFirstLastPara="1" wrap="square" lIns="91425" tIns="45700" rIns="91425" bIns="45700" anchor="ctr" anchorCtr="0">
             <a:noAutofit/>
           </a:bodyPr>
           <a:lstStyle>
@@ -5715,15 +5874,19 @@
               <a:defRPr/>
             </a:lvl9pPr>
           </a:lstStyle>
-          <a:p/>
+          <a:p>
+            <a:endParaRPr/>
+          </a:p>
         </p:txBody>
       </p:sp>
       <p:sp>
         <p:nvSpPr>
           <p:cNvPr id="34" name="Google Shape;34;p10"/>
-          <p:cNvSpPr txBox="1"/>
+          <p:cNvSpPr txBox="1">
+            <a:spLocks noGrp="1"/>
+          </p:cNvSpPr>
           <p:nvPr>
-            <p:ph idx="11" type="ftr"/>
+            <p:ph type="ftr" idx="11"/>
           </p:nvPr>
         </p:nvSpPr>
         <p:spPr>
@@ -5740,7 +5903,7 @@
           </a:ln>
         </p:spPr>
         <p:txBody>
-          <a:bodyPr anchorCtr="0" anchor="ctr" bIns="45700" lIns="91425" spcFirstLastPara="1" rIns="91425" wrap="square" tIns="45700">
+          <a:bodyPr spcFirstLastPara="1" wrap="square" lIns="91425" tIns="45700" rIns="91425" bIns="45700" anchor="ctr" anchorCtr="0">
             <a:noAutofit/>
           </a:bodyPr>
           <a:lstStyle>
@@ -5844,15 +6007,19 @@
               <a:defRPr/>
             </a:lvl9pPr>
           </a:lstStyle>
-          <a:p/>
+          <a:p>
+            <a:endParaRPr/>
+          </a:p>
         </p:txBody>
       </p:sp>
       <p:sp>
         <p:nvSpPr>
           <p:cNvPr id="35" name="Google Shape;35;p10"/>
-          <p:cNvSpPr txBox="1"/>
+          <p:cNvSpPr txBox="1">
+            <a:spLocks noGrp="1"/>
+          </p:cNvSpPr>
           <p:nvPr>
-            <p:ph idx="12" type="sldNum"/>
+            <p:ph type="sldNum" idx="12"/>
           </p:nvPr>
         </p:nvSpPr>
         <p:spPr>
@@ -5869,67 +6036,67 @@
           </a:ln>
         </p:spPr>
         <p:txBody>
-          <a:bodyPr anchorCtr="0" anchor="ctr" bIns="45700" lIns="91425" spcFirstLastPara="1" rIns="91425" wrap="square" tIns="45700">
+          <a:bodyPr spcFirstLastPara="1" wrap="square" lIns="91425" tIns="45700" rIns="91425" bIns="45700" anchor="ctr" anchorCtr="0">
             <a:noAutofit/>
           </a:bodyPr>
           <a:lstStyle>
-            <a:lvl1pPr indent="0" lvl="0" marL="0" algn="r">
+            <a:lvl1pPr marL="0" lvl="0" indent="0" algn="r">
               <a:spcBef>
                 <a:spcPts val="0"/>
               </a:spcBef>
               <a:buNone/>
               <a:defRPr/>
             </a:lvl1pPr>
-            <a:lvl2pPr indent="0" lvl="1" marL="0" algn="r">
+            <a:lvl2pPr marL="0" lvl="1" indent="0" algn="r">
               <a:spcBef>
                 <a:spcPts val="0"/>
               </a:spcBef>
               <a:buNone/>
               <a:defRPr/>
             </a:lvl2pPr>
-            <a:lvl3pPr indent="0" lvl="2" marL="0" algn="r">
+            <a:lvl3pPr marL="0" lvl="2" indent="0" algn="r">
               <a:spcBef>
                 <a:spcPts val="0"/>
               </a:spcBef>
               <a:buNone/>
               <a:defRPr/>
             </a:lvl3pPr>
-            <a:lvl4pPr indent="0" lvl="3" marL="0" algn="r">
+            <a:lvl4pPr marL="0" lvl="3" indent="0" algn="r">
               <a:spcBef>
                 <a:spcPts val="0"/>
               </a:spcBef>
               <a:buNone/>
               <a:defRPr/>
             </a:lvl4pPr>
-            <a:lvl5pPr indent="0" lvl="4" marL="0" algn="r">
+            <a:lvl5pPr marL="0" lvl="4" indent="0" algn="r">
               <a:spcBef>
                 <a:spcPts val="0"/>
               </a:spcBef>
               <a:buNone/>
               <a:defRPr/>
             </a:lvl5pPr>
-            <a:lvl6pPr indent="0" lvl="5" marL="0" algn="r">
+            <a:lvl6pPr marL="0" lvl="5" indent="0" algn="r">
               <a:spcBef>
                 <a:spcPts val="0"/>
               </a:spcBef>
               <a:buNone/>
               <a:defRPr/>
             </a:lvl6pPr>
-            <a:lvl7pPr indent="0" lvl="6" marL="0" algn="r">
+            <a:lvl7pPr marL="0" lvl="6" indent="0" algn="r">
               <a:spcBef>
                 <a:spcPts val="0"/>
               </a:spcBef>
               <a:buNone/>
               <a:defRPr/>
             </a:lvl7pPr>
-            <a:lvl8pPr indent="0" lvl="7" marL="0" algn="r">
+            <a:lvl8pPr marL="0" lvl="7" indent="0" algn="r">
               <a:spcBef>
                 <a:spcPts val="0"/>
               </a:spcBef>
               <a:buNone/>
               <a:defRPr/>
             </a:lvl8pPr>
-            <a:lvl9pPr indent="0" lvl="8" marL="0" algn="r">
+            <a:lvl9pPr marL="0" lvl="8" indent="0" algn="r">
               <a:spcBef>
                 <a:spcPts val="0"/>
               </a:spcBef>
@@ -5938,7 +6105,7 @@
             </a:lvl9pPr>
           </a:lstStyle>
           <a:p>
-            <a:pPr indent="0" lvl="0" marL="0" rtl="0" algn="r">
+            <a:pPr marL="0" lvl="0" indent="0" algn="r" rtl="0">
               <a:spcBef>
                 <a:spcPts val="0"/>
               </a:spcBef>
@@ -5964,11 +6131,11 @@
 </file>
 
 <file path=ppt/slideLayouts/slideLayout5.xml><?xml version="1.0" encoding="utf-8"?>
-<p:sldLayout xmlns:a="http://schemas.openxmlformats.org/drawingml/2006/main" xmlns:r="http://schemas.openxmlformats.org/officeDocument/2006/relationships" xmlns:mc="http://schemas.openxmlformats.org/markup-compatibility/2006" xmlns:mv="urn:schemas-microsoft-com:mac:vml" xmlns:p="http://schemas.openxmlformats.org/presentationml/2006/main" xmlns:c="http://schemas.openxmlformats.org/drawingml/2006/chart" xmlns:dgm="http://schemas.openxmlformats.org/drawingml/2006/diagram" xmlns:o="urn:schemas-microsoft-com:office:office" xmlns:v="urn:schemas-microsoft-com:vml" xmlns:pvml="urn:schemas-microsoft-com:office:powerpoint" xmlns:com="http://schemas.openxmlformats.org/drawingml/2006/compatibility" xmlns:p14="http://schemas.microsoft.com/office/powerpoint/2010/main" xmlns:p15="http://schemas.microsoft.com/office/powerpoint/2012/main" xmlns:ahyp="http://schemas.microsoft.com/office/drawing/2018/hyperlinkcolor" matchingName="Comparison" type="twoTxTwoObj">
+<p:sldLayout xmlns:a="http://schemas.openxmlformats.org/drawingml/2006/main" xmlns:r="http://schemas.openxmlformats.org/officeDocument/2006/relationships" xmlns:p="http://schemas.openxmlformats.org/presentationml/2006/main" matchingName="Comparison" type="twoTxTwoObj">
   <p:cSld name="TWO_OBJECTS_WITH_TEXT">
     <p:spTree>
       <p:nvGrpSpPr>
-        <p:cNvPr id="36" name="Shape 36"/>
+        <p:cNvPr id="1" name="Shape 36"/>
         <p:cNvGrpSpPr/>
         <p:nvPr/>
       </p:nvGrpSpPr>
@@ -5983,7 +6150,9 @@
       <p:sp>
         <p:nvSpPr>
           <p:cNvPr id="37" name="Google Shape;37;p11"/>
-          <p:cNvSpPr txBox="1"/>
+          <p:cNvSpPr txBox="1">
+            <a:spLocks noGrp="1"/>
+          </p:cNvSpPr>
           <p:nvPr>
             <p:ph type="title"/>
           </p:nvPr>
@@ -6002,7 +6171,7 @@
           </a:ln>
         </p:spPr>
         <p:txBody>
-          <a:bodyPr anchorCtr="0" anchor="ctr" bIns="45700" lIns="91425" spcFirstLastPara="1" rIns="91425" wrap="square" tIns="45700">
+          <a:bodyPr spcFirstLastPara="1" wrap="square" lIns="91425" tIns="45700" rIns="91425" bIns="45700" anchor="ctr" anchorCtr="0">
             <a:normAutofit/>
           </a:bodyPr>
           <a:lstStyle>
@@ -6112,15 +6281,19 @@
               <a:defRPr/>
             </a:lvl9pPr>
           </a:lstStyle>
-          <a:p/>
+          <a:p>
+            <a:endParaRPr/>
+          </a:p>
         </p:txBody>
       </p:sp>
       <p:sp>
         <p:nvSpPr>
           <p:cNvPr id="38" name="Google Shape;38;p11"/>
-          <p:cNvSpPr txBox="1"/>
+          <p:cNvSpPr txBox="1">
+            <a:spLocks noGrp="1"/>
+          </p:cNvSpPr>
           <p:nvPr>
-            <p:ph idx="1" type="body"/>
+            <p:ph type="body" idx="1"/>
           </p:nvPr>
         </p:nvSpPr>
         <p:spPr>
@@ -6137,11 +6310,11 @@
           </a:ln>
         </p:spPr>
         <p:txBody>
-          <a:bodyPr anchorCtr="0" anchor="b" bIns="45700" lIns="91425" spcFirstLastPara="1" rIns="91425" wrap="square" tIns="45700">
+          <a:bodyPr spcFirstLastPara="1" wrap="square" lIns="91425" tIns="45700" rIns="91425" bIns="45700" anchor="b" anchorCtr="0">
             <a:normAutofit/>
           </a:bodyPr>
           <a:lstStyle>
-            <a:lvl1pPr indent="-228600" lvl="0" marL="457200" algn="l">
+            <a:lvl1pPr marL="457200" lvl="0" indent="-228600" algn="l">
               <a:lnSpc>
                 <a:spcPct val="90000"/>
               </a:lnSpc>
@@ -6156,9 +6329,9 @@
               </a:buClr>
               <a:buSzPts val="2400"/>
               <a:buNone/>
-              <a:defRPr b="1" sz="2400"/>
+              <a:defRPr sz="2400" b="1"/>
             </a:lvl1pPr>
-            <a:lvl2pPr indent="-228600" lvl="1" marL="914400" algn="l">
+            <a:lvl2pPr marL="914400" lvl="1" indent="-228600" algn="l">
               <a:lnSpc>
                 <a:spcPct val="90000"/>
               </a:lnSpc>
@@ -6173,9 +6346,9 @@
               </a:buClr>
               <a:buSzPts val="2000"/>
               <a:buNone/>
-              <a:defRPr b="1" sz="2000"/>
+              <a:defRPr sz="2000" b="1"/>
             </a:lvl2pPr>
-            <a:lvl3pPr indent="-228600" lvl="2" marL="1371600" algn="l">
+            <a:lvl3pPr marL="1371600" lvl="2" indent="-228600" algn="l">
               <a:lnSpc>
                 <a:spcPct val="90000"/>
               </a:lnSpc>
@@ -6190,9 +6363,9 @@
               </a:buClr>
               <a:buSzPts val="1800"/>
               <a:buNone/>
-              <a:defRPr b="1" sz="1800"/>
+              <a:defRPr sz="1800" b="1"/>
             </a:lvl3pPr>
-            <a:lvl4pPr indent="-228600" lvl="3" marL="1828800" algn="l">
+            <a:lvl4pPr marL="1828800" lvl="3" indent="-228600" algn="l">
               <a:lnSpc>
                 <a:spcPct val="90000"/>
               </a:lnSpc>
@@ -6207,9 +6380,9 @@
               </a:buClr>
               <a:buSzPts val="1600"/>
               <a:buNone/>
-              <a:defRPr b="1" sz="1600"/>
+              <a:defRPr sz="1600" b="1"/>
             </a:lvl4pPr>
-            <a:lvl5pPr indent="-228600" lvl="4" marL="2286000" algn="l">
+            <a:lvl5pPr marL="2286000" lvl="4" indent="-228600" algn="l">
               <a:lnSpc>
                 <a:spcPct val="90000"/>
               </a:lnSpc>
@@ -6224,9 +6397,9 @@
               </a:buClr>
               <a:buSzPts val="1600"/>
               <a:buNone/>
-              <a:defRPr b="1" sz="1600"/>
+              <a:defRPr sz="1600" b="1"/>
             </a:lvl5pPr>
-            <a:lvl6pPr indent="-228600" lvl="5" marL="2743200" algn="l">
+            <a:lvl6pPr marL="2743200" lvl="5" indent="-228600" algn="l">
               <a:lnSpc>
                 <a:spcPct val="90000"/>
               </a:lnSpc>
@@ -6241,9 +6414,9 @@
               </a:buClr>
               <a:buSzPts val="1600"/>
               <a:buNone/>
-              <a:defRPr b="1" sz="1600"/>
+              <a:defRPr sz="1600" b="1"/>
             </a:lvl6pPr>
-            <a:lvl7pPr indent="-228600" lvl="6" marL="3200400" algn="l">
+            <a:lvl7pPr marL="3200400" lvl="6" indent="-228600" algn="l">
               <a:lnSpc>
                 <a:spcPct val="90000"/>
               </a:lnSpc>
@@ -6258,9 +6431,9 @@
               </a:buClr>
               <a:buSzPts val="1600"/>
               <a:buNone/>
-              <a:defRPr b="1" sz="1600"/>
+              <a:defRPr sz="1600" b="1"/>
             </a:lvl7pPr>
-            <a:lvl8pPr indent="-228600" lvl="7" marL="3657600" algn="l">
+            <a:lvl8pPr marL="3657600" lvl="7" indent="-228600" algn="l">
               <a:lnSpc>
                 <a:spcPct val="90000"/>
               </a:lnSpc>
@@ -6275,9 +6448,9 @@
               </a:buClr>
               <a:buSzPts val="1600"/>
               <a:buNone/>
-              <a:defRPr b="1" sz="1600"/>
+              <a:defRPr sz="1600" b="1"/>
             </a:lvl8pPr>
-            <a:lvl9pPr indent="-228600" lvl="8" marL="4114800" algn="l">
+            <a:lvl9pPr marL="4114800" lvl="8" indent="-228600" algn="l">
               <a:lnSpc>
                 <a:spcPct val="90000"/>
               </a:lnSpc>
@@ -6292,18 +6465,22 @@
               </a:buClr>
               <a:buSzPts val="1600"/>
               <a:buNone/>
-              <a:defRPr b="1" sz="1600"/>
+              <a:defRPr sz="1600" b="1"/>
             </a:lvl9pPr>
           </a:lstStyle>
-          <a:p/>
+          <a:p>
+            <a:endParaRPr/>
+          </a:p>
         </p:txBody>
       </p:sp>
       <p:sp>
         <p:nvSpPr>
           <p:cNvPr id="39" name="Google Shape;39;p11"/>
-          <p:cNvSpPr txBox="1"/>
+          <p:cNvSpPr txBox="1">
+            <a:spLocks noGrp="1"/>
+          </p:cNvSpPr>
           <p:nvPr>
-            <p:ph idx="2" type="body"/>
+            <p:ph type="body" idx="2"/>
           </p:nvPr>
         </p:nvSpPr>
         <p:spPr>
@@ -6320,11 +6497,11 @@
           </a:ln>
         </p:spPr>
         <p:txBody>
-          <a:bodyPr anchorCtr="0" anchor="t" bIns="45700" lIns="91425" spcFirstLastPara="1" rIns="91425" wrap="square" tIns="45700">
+          <a:bodyPr spcFirstLastPara="1" wrap="square" lIns="91425" tIns="45700" rIns="91425" bIns="45700" anchor="t" anchorCtr="0">
             <a:normAutofit/>
           </a:bodyPr>
           <a:lstStyle>
-            <a:lvl1pPr indent="-342900" lvl="0" marL="457200" algn="l">
+            <a:lvl1pPr marL="457200" lvl="0" indent="-342900" algn="l">
               <a:lnSpc>
                 <a:spcPct val="90000"/>
               </a:lnSpc>
@@ -6341,7 +6518,7 @@
               <a:buChar char="•"/>
               <a:defRPr/>
             </a:lvl1pPr>
-            <a:lvl2pPr indent="-342900" lvl="1" marL="914400" algn="l">
+            <a:lvl2pPr marL="914400" lvl="1" indent="-342900" algn="l">
               <a:lnSpc>
                 <a:spcPct val="90000"/>
               </a:lnSpc>
@@ -6358,7 +6535,7 @@
               <a:buChar char="•"/>
               <a:defRPr/>
             </a:lvl2pPr>
-            <a:lvl3pPr indent="-342900" lvl="2" marL="1371600" algn="l">
+            <a:lvl3pPr marL="1371600" lvl="2" indent="-342900" algn="l">
               <a:lnSpc>
                 <a:spcPct val="90000"/>
               </a:lnSpc>
@@ -6375,7 +6552,7 @@
               <a:buChar char="•"/>
               <a:defRPr/>
             </a:lvl3pPr>
-            <a:lvl4pPr indent="-342900" lvl="3" marL="1828800" algn="l">
+            <a:lvl4pPr marL="1828800" lvl="3" indent="-342900" algn="l">
               <a:lnSpc>
                 <a:spcPct val="90000"/>
               </a:lnSpc>
@@ -6392,7 +6569,7 @@
               <a:buChar char="•"/>
               <a:defRPr/>
             </a:lvl4pPr>
-            <a:lvl5pPr indent="-342900" lvl="4" marL="2286000" algn="l">
+            <a:lvl5pPr marL="2286000" lvl="4" indent="-342900" algn="l">
               <a:lnSpc>
                 <a:spcPct val="90000"/>
               </a:lnSpc>
@@ -6409,7 +6586,7 @@
               <a:buChar char="•"/>
               <a:defRPr/>
             </a:lvl5pPr>
-            <a:lvl6pPr indent="-342900" lvl="5" marL="2743200" algn="l">
+            <a:lvl6pPr marL="2743200" lvl="5" indent="-342900" algn="l">
               <a:lnSpc>
                 <a:spcPct val="90000"/>
               </a:lnSpc>
@@ -6426,7 +6603,7 @@
               <a:buChar char="•"/>
               <a:defRPr/>
             </a:lvl6pPr>
-            <a:lvl7pPr indent="-342900" lvl="6" marL="3200400" algn="l">
+            <a:lvl7pPr marL="3200400" lvl="6" indent="-342900" algn="l">
               <a:lnSpc>
                 <a:spcPct val="90000"/>
               </a:lnSpc>
@@ -6443,7 +6620,7 @@
               <a:buChar char="•"/>
               <a:defRPr/>
             </a:lvl7pPr>
-            <a:lvl8pPr indent="-342900" lvl="7" marL="3657600" algn="l">
+            <a:lvl8pPr marL="3657600" lvl="7" indent="-342900" algn="l">
               <a:lnSpc>
                 <a:spcPct val="90000"/>
               </a:lnSpc>
@@ -6460,7 +6637,7 @@
               <a:buChar char="•"/>
               <a:defRPr/>
             </a:lvl8pPr>
-            <a:lvl9pPr indent="-342900" lvl="8" marL="4114800" algn="l">
+            <a:lvl9pPr marL="4114800" lvl="8" indent="-342900" algn="l">
               <a:lnSpc>
                 <a:spcPct val="90000"/>
               </a:lnSpc>
@@ -6478,15 +6655,19 @@
               <a:defRPr/>
             </a:lvl9pPr>
           </a:lstStyle>
-          <a:p/>
+          <a:p>
+            <a:endParaRPr/>
+          </a:p>
         </p:txBody>
       </p:sp>
       <p:sp>
         <p:nvSpPr>
           <p:cNvPr id="40" name="Google Shape;40;p11"/>
-          <p:cNvSpPr txBox="1"/>
+          <p:cNvSpPr txBox="1">
+            <a:spLocks noGrp="1"/>
+          </p:cNvSpPr>
           <p:nvPr>
-            <p:ph idx="3" type="body"/>
+            <p:ph type="body" idx="3"/>
           </p:nvPr>
         </p:nvSpPr>
         <p:spPr>
@@ -6503,11 +6684,11 @@
           </a:ln>
         </p:spPr>
         <p:txBody>
-          <a:bodyPr anchorCtr="0" anchor="b" bIns="45700" lIns="91425" spcFirstLastPara="1" rIns="91425" wrap="square" tIns="45700">
+          <a:bodyPr spcFirstLastPara="1" wrap="square" lIns="91425" tIns="45700" rIns="91425" bIns="45700" anchor="b" anchorCtr="0">
             <a:normAutofit/>
           </a:bodyPr>
           <a:lstStyle>
-            <a:lvl1pPr indent="-228600" lvl="0" marL="457200" algn="l">
+            <a:lvl1pPr marL="457200" lvl="0" indent="-228600" algn="l">
               <a:lnSpc>
                 <a:spcPct val="90000"/>
               </a:lnSpc>
@@ -6522,9 +6703,9 @@
               </a:buClr>
               <a:buSzPts val="2400"/>
               <a:buNone/>
-              <a:defRPr b="1" sz="2400"/>
+              <a:defRPr sz="2400" b="1"/>
             </a:lvl1pPr>
-            <a:lvl2pPr indent="-228600" lvl="1" marL="914400" algn="l">
+            <a:lvl2pPr marL="914400" lvl="1" indent="-228600" algn="l">
               <a:lnSpc>
                 <a:spcPct val="90000"/>
               </a:lnSpc>
@@ -6539,9 +6720,9 @@
               </a:buClr>
               <a:buSzPts val="2000"/>
               <a:buNone/>
-              <a:defRPr b="1" sz="2000"/>
+              <a:defRPr sz="2000" b="1"/>
             </a:lvl2pPr>
-            <a:lvl3pPr indent="-228600" lvl="2" marL="1371600" algn="l">
+            <a:lvl3pPr marL="1371600" lvl="2" indent="-228600" algn="l">
               <a:lnSpc>
                 <a:spcPct val="90000"/>
               </a:lnSpc>
@@ -6556,9 +6737,9 @@
               </a:buClr>
               <a:buSzPts val="1800"/>
               <a:buNone/>
-              <a:defRPr b="1" sz="1800"/>
+              <a:defRPr sz="1800" b="1"/>
             </a:lvl3pPr>
-            <a:lvl4pPr indent="-228600" lvl="3" marL="1828800" algn="l">
+            <a:lvl4pPr marL="1828800" lvl="3" indent="-228600" algn="l">
               <a:lnSpc>
                 <a:spcPct val="90000"/>
               </a:lnSpc>
@@ -6573,9 +6754,9 @@
               </a:buClr>
               <a:buSzPts val="1600"/>
               <a:buNone/>
-              <a:defRPr b="1" sz="1600"/>
+              <a:defRPr sz="1600" b="1"/>
             </a:lvl4pPr>
-            <a:lvl5pPr indent="-228600" lvl="4" marL="2286000" algn="l">
+            <a:lvl5pPr marL="2286000" lvl="4" indent="-228600" algn="l">
               <a:lnSpc>
                 <a:spcPct val="90000"/>
               </a:lnSpc>
@@ -6590,9 +6771,9 @@
               </a:buClr>
               <a:buSzPts val="1600"/>
               <a:buNone/>
-              <a:defRPr b="1" sz="1600"/>
+              <a:defRPr sz="1600" b="1"/>
             </a:lvl5pPr>
-            <a:lvl6pPr indent="-228600" lvl="5" marL="2743200" algn="l">
+            <a:lvl6pPr marL="2743200" lvl="5" indent="-228600" algn="l">
               <a:lnSpc>
                 <a:spcPct val="90000"/>
               </a:lnSpc>
@@ -6607,9 +6788,9 @@
               </a:buClr>
               <a:buSzPts val="1600"/>
               <a:buNone/>
-              <a:defRPr b="1" sz="1600"/>
+              <a:defRPr sz="1600" b="1"/>
             </a:lvl6pPr>
-            <a:lvl7pPr indent="-228600" lvl="6" marL="3200400" algn="l">
+            <a:lvl7pPr marL="3200400" lvl="6" indent="-228600" algn="l">
               <a:lnSpc>
                 <a:spcPct val="90000"/>
               </a:lnSpc>
@@ -6624,9 +6805,9 @@
               </a:buClr>
               <a:buSzPts val="1600"/>
               <a:buNone/>
-              <a:defRPr b="1" sz="1600"/>
+              <a:defRPr sz="1600" b="1"/>
             </a:lvl7pPr>
-            <a:lvl8pPr indent="-228600" lvl="7" marL="3657600" algn="l">
+            <a:lvl8pPr marL="3657600" lvl="7" indent="-228600" algn="l">
               <a:lnSpc>
                 <a:spcPct val="90000"/>
               </a:lnSpc>
@@ -6641,9 +6822,9 @@
               </a:buClr>
               <a:buSzPts val="1600"/>
               <a:buNone/>
-              <a:defRPr b="1" sz="1600"/>
+              <a:defRPr sz="1600" b="1"/>
             </a:lvl8pPr>
-            <a:lvl9pPr indent="-228600" lvl="8" marL="4114800" algn="l">
+            <a:lvl9pPr marL="4114800" lvl="8" indent="-228600" algn="l">
               <a:lnSpc>
                 <a:spcPct val="90000"/>
               </a:lnSpc>
@@ -6658,18 +6839,22 @@
               </a:buClr>
               <a:buSzPts val="1600"/>
               <a:buNone/>
-              <a:defRPr b="1" sz="1600"/>
+              <a:defRPr sz="1600" b="1"/>
             </a:lvl9pPr>
           </a:lstStyle>
-          <a:p/>
+          <a:p>
+            <a:endParaRPr/>
+          </a:p>
         </p:txBody>
       </p:sp>
       <p:sp>
         <p:nvSpPr>
           <p:cNvPr id="41" name="Google Shape;41;p11"/>
-          <p:cNvSpPr txBox="1"/>
+          <p:cNvSpPr txBox="1">
+            <a:spLocks noGrp="1"/>
+          </p:cNvSpPr>
           <p:nvPr>
-            <p:ph idx="4" type="body"/>
+            <p:ph type="body" idx="4"/>
           </p:nvPr>
         </p:nvSpPr>
         <p:spPr>
@@ -6686,11 +6871,11 @@
           </a:ln>
         </p:spPr>
         <p:txBody>
-          <a:bodyPr anchorCtr="0" anchor="t" bIns="45700" lIns="91425" spcFirstLastPara="1" rIns="91425" wrap="square" tIns="45700">
+          <a:bodyPr spcFirstLastPara="1" wrap="square" lIns="91425" tIns="45700" rIns="91425" bIns="45700" anchor="t" anchorCtr="0">
             <a:normAutofit/>
           </a:bodyPr>
           <a:lstStyle>
-            <a:lvl1pPr indent="-342900" lvl="0" marL="457200" algn="l">
+            <a:lvl1pPr marL="457200" lvl="0" indent="-342900" algn="l">
               <a:lnSpc>
                 <a:spcPct val="90000"/>
               </a:lnSpc>
@@ -6707,7 +6892,7 @@
               <a:buChar char="•"/>
               <a:defRPr/>
             </a:lvl1pPr>
-            <a:lvl2pPr indent="-342900" lvl="1" marL="914400" algn="l">
+            <a:lvl2pPr marL="914400" lvl="1" indent="-342900" algn="l">
               <a:lnSpc>
                 <a:spcPct val="90000"/>
               </a:lnSpc>
@@ -6724,7 +6909,7 @@
               <a:buChar char="•"/>
               <a:defRPr/>
             </a:lvl2pPr>
-            <a:lvl3pPr indent="-342900" lvl="2" marL="1371600" algn="l">
+            <a:lvl3pPr marL="1371600" lvl="2" indent="-342900" algn="l">
               <a:lnSpc>
                 <a:spcPct val="90000"/>
               </a:lnSpc>
@@ -6741,7 +6926,7 @@
               <a:buChar char="•"/>
               <a:defRPr/>
             </a:lvl3pPr>
-            <a:lvl4pPr indent="-342900" lvl="3" marL="1828800" algn="l">
+            <a:lvl4pPr marL="1828800" lvl="3" indent="-342900" algn="l">
               <a:lnSpc>
                 <a:spcPct val="90000"/>
               </a:lnSpc>
@@ -6758,7 +6943,7 @@
               <a:buChar char="•"/>
               <a:defRPr/>
             </a:lvl4pPr>
-            <a:lvl5pPr indent="-342900" lvl="4" marL="2286000" algn="l">
+            <a:lvl5pPr marL="2286000" lvl="4" indent="-342900" algn="l">
               <a:lnSpc>
                 <a:spcPct val="90000"/>
               </a:lnSpc>
@@ -6775,7 +6960,7 @@
               <a:buChar char="•"/>
               <a:defRPr/>
             </a:lvl5pPr>
-            <a:lvl6pPr indent="-342900" lvl="5" marL="2743200" algn="l">
+            <a:lvl6pPr marL="2743200" lvl="5" indent="-342900" algn="l">
               <a:lnSpc>
                 <a:spcPct val="90000"/>
               </a:lnSpc>
@@ -6792,7 +6977,7 @@
               <a:buChar char="•"/>
               <a:defRPr/>
             </a:lvl6pPr>
-            <a:lvl7pPr indent="-342900" lvl="6" marL="3200400" algn="l">
+            <a:lvl7pPr marL="3200400" lvl="6" indent="-342900" algn="l">
               <a:lnSpc>
                 <a:spcPct val="90000"/>
               </a:lnSpc>
@@ -6809,7 +6994,7 @@
               <a:buChar char="•"/>
               <a:defRPr/>
             </a:lvl7pPr>
-            <a:lvl8pPr indent="-342900" lvl="7" marL="3657600" algn="l">
+            <a:lvl8pPr marL="3657600" lvl="7" indent="-342900" algn="l">
               <a:lnSpc>
                 <a:spcPct val="90000"/>
               </a:lnSpc>
@@ -6826,7 +7011,7 @@
               <a:buChar char="•"/>
               <a:defRPr/>
             </a:lvl8pPr>
-            <a:lvl9pPr indent="-342900" lvl="8" marL="4114800" algn="l">
+            <a:lvl9pPr marL="4114800" lvl="8" indent="-342900" algn="l">
               <a:lnSpc>
                 <a:spcPct val="90000"/>
               </a:lnSpc>
@@ -6844,15 +7029,19 @@
               <a:defRPr/>
             </a:lvl9pPr>
           </a:lstStyle>
-          <a:p/>
+          <a:p>
+            <a:endParaRPr/>
+          </a:p>
         </p:txBody>
       </p:sp>
       <p:sp>
         <p:nvSpPr>
           <p:cNvPr id="42" name="Google Shape;42;p11"/>
-          <p:cNvSpPr txBox="1"/>
+          <p:cNvSpPr txBox="1">
+            <a:spLocks noGrp="1"/>
+          </p:cNvSpPr>
           <p:nvPr>
-            <p:ph idx="10" type="dt"/>
+            <p:ph type="dt" idx="10"/>
           </p:nvPr>
         </p:nvSpPr>
         <p:spPr>
@@ -6869,7 +7058,7 @@
           </a:ln>
         </p:spPr>
         <p:txBody>
-          <a:bodyPr anchorCtr="0" anchor="ctr" bIns="45700" lIns="91425" spcFirstLastPara="1" rIns="91425" wrap="square" tIns="45700">
+          <a:bodyPr spcFirstLastPara="1" wrap="square" lIns="91425" tIns="45700" rIns="91425" bIns="45700" anchor="ctr" anchorCtr="0">
             <a:noAutofit/>
           </a:bodyPr>
           <a:lstStyle>
@@ -6973,15 +7162,19 @@
               <a:defRPr/>
             </a:lvl9pPr>
           </a:lstStyle>
-          <a:p/>
+          <a:p>
+            <a:endParaRPr/>
+          </a:p>
         </p:txBody>
       </p:sp>
       <p:sp>
         <p:nvSpPr>
           <p:cNvPr id="43" name="Google Shape;43;p11"/>
-          <p:cNvSpPr txBox="1"/>
+          <p:cNvSpPr txBox="1">
+            <a:spLocks noGrp="1"/>
+          </p:cNvSpPr>
           <p:nvPr>
-            <p:ph idx="11" type="ftr"/>
+            <p:ph type="ftr" idx="11"/>
           </p:nvPr>
         </p:nvSpPr>
         <p:spPr>
@@ -6998,7 +7191,7 @@
           </a:ln>
         </p:spPr>
         <p:txBody>
-          <a:bodyPr anchorCtr="0" anchor="ctr" bIns="45700" lIns="91425" spcFirstLastPara="1" rIns="91425" wrap="square" tIns="45700">
+          <a:bodyPr spcFirstLastPara="1" wrap="square" lIns="91425" tIns="45700" rIns="91425" bIns="45700" anchor="ctr" anchorCtr="0">
             <a:noAutofit/>
           </a:bodyPr>
           <a:lstStyle>
@@ -7102,15 +7295,19 @@
               <a:defRPr/>
             </a:lvl9pPr>
           </a:lstStyle>
-          <a:p/>
+          <a:p>
+            <a:endParaRPr/>
+          </a:p>
         </p:txBody>
       </p:sp>
       <p:sp>
         <p:nvSpPr>
           <p:cNvPr id="44" name="Google Shape;44;p11"/>
-          <p:cNvSpPr txBox="1"/>
+          <p:cNvSpPr txBox="1">
+            <a:spLocks noGrp="1"/>
+          </p:cNvSpPr>
           <p:nvPr>
-            <p:ph idx="12" type="sldNum"/>
+            <p:ph type="sldNum" idx="12"/>
           </p:nvPr>
         </p:nvSpPr>
         <p:spPr>
@@ -7127,67 +7324,67 @@
           </a:ln>
         </p:spPr>
         <p:txBody>
-          <a:bodyPr anchorCtr="0" anchor="ctr" bIns="45700" lIns="91425" spcFirstLastPara="1" rIns="91425" wrap="square" tIns="45700">
+          <a:bodyPr spcFirstLastPara="1" wrap="square" lIns="91425" tIns="45700" rIns="91425" bIns="45700" anchor="ctr" anchorCtr="0">
             <a:noAutofit/>
           </a:bodyPr>
           <a:lstStyle>
-            <a:lvl1pPr indent="0" lvl="0" marL="0" algn="r">
+            <a:lvl1pPr marL="0" lvl="0" indent="0" algn="r">
               <a:spcBef>
                 <a:spcPts val="0"/>
               </a:spcBef>
               <a:buNone/>
               <a:defRPr/>
             </a:lvl1pPr>
-            <a:lvl2pPr indent="0" lvl="1" marL="0" algn="r">
+            <a:lvl2pPr marL="0" lvl="1" indent="0" algn="r">
               <a:spcBef>
                 <a:spcPts val="0"/>
               </a:spcBef>
               <a:buNone/>
               <a:defRPr/>
             </a:lvl2pPr>
-            <a:lvl3pPr indent="0" lvl="2" marL="0" algn="r">
+            <a:lvl3pPr marL="0" lvl="2" indent="0" algn="r">
               <a:spcBef>
                 <a:spcPts val="0"/>
               </a:spcBef>
               <a:buNone/>
               <a:defRPr/>
             </a:lvl3pPr>
-            <a:lvl4pPr indent="0" lvl="3" marL="0" algn="r">
+            <a:lvl4pPr marL="0" lvl="3" indent="0" algn="r">
               <a:spcBef>
                 <a:spcPts val="0"/>
               </a:spcBef>
               <a:buNone/>
               <a:defRPr/>
             </a:lvl4pPr>
-            <a:lvl5pPr indent="0" lvl="4" marL="0" algn="r">
+            <a:lvl5pPr marL="0" lvl="4" indent="0" algn="r">
               <a:spcBef>
                 <a:spcPts val="0"/>
               </a:spcBef>
               <a:buNone/>
               <a:defRPr/>
             </a:lvl5pPr>
-            <a:lvl6pPr indent="0" lvl="5" marL="0" algn="r">
+            <a:lvl6pPr marL="0" lvl="5" indent="0" algn="r">
               <a:spcBef>
                 <a:spcPts val="0"/>
               </a:spcBef>
               <a:buNone/>
               <a:defRPr/>
             </a:lvl6pPr>
-            <a:lvl7pPr indent="0" lvl="6" marL="0" algn="r">
+            <a:lvl7pPr marL="0" lvl="6" indent="0" algn="r">
               <a:spcBef>
                 <a:spcPts val="0"/>
               </a:spcBef>
               <a:buNone/>
               <a:defRPr/>
             </a:lvl7pPr>
-            <a:lvl8pPr indent="0" lvl="7" marL="0" algn="r">
+            <a:lvl8pPr marL="0" lvl="7" indent="0" algn="r">
               <a:spcBef>
                 <a:spcPts val="0"/>
               </a:spcBef>
               <a:buNone/>
               <a:defRPr/>
             </a:lvl8pPr>
-            <a:lvl9pPr indent="0" lvl="8" marL="0" algn="r">
+            <a:lvl9pPr marL="0" lvl="8" indent="0" algn="r">
               <a:spcBef>
                 <a:spcPts val="0"/>
               </a:spcBef>
@@ -7196,7 +7393,7 @@
             </a:lvl9pPr>
           </a:lstStyle>
           <a:p>
-            <a:pPr indent="0" lvl="0" marL="0" rtl="0" algn="r">
+            <a:pPr marL="0" lvl="0" indent="0" algn="r" rtl="0">
               <a:spcBef>
                 <a:spcPts val="0"/>
               </a:spcBef>
@@ -7222,11 +7419,11 @@
 </file>
 
 <file path=ppt/slideLayouts/slideLayout6.xml><?xml version="1.0" encoding="utf-8"?>
-<p:sldLayout xmlns:a="http://schemas.openxmlformats.org/drawingml/2006/main" xmlns:r="http://schemas.openxmlformats.org/officeDocument/2006/relationships" xmlns:mc="http://schemas.openxmlformats.org/markup-compatibility/2006" xmlns:mv="urn:schemas-microsoft-com:mac:vml" xmlns:p="http://schemas.openxmlformats.org/presentationml/2006/main" xmlns:c="http://schemas.openxmlformats.org/drawingml/2006/chart" xmlns:dgm="http://schemas.openxmlformats.org/drawingml/2006/diagram" xmlns:o="urn:schemas-microsoft-com:office:office" xmlns:v="urn:schemas-microsoft-com:vml" xmlns:pvml="urn:schemas-microsoft-com:office:powerpoint" xmlns:com="http://schemas.openxmlformats.org/drawingml/2006/compatibility" xmlns:p14="http://schemas.microsoft.com/office/powerpoint/2010/main" xmlns:p15="http://schemas.microsoft.com/office/powerpoint/2012/main" xmlns:ahyp="http://schemas.microsoft.com/office/drawing/2018/hyperlinkcolor" matchingName="Title Only" type="titleOnly">
+<p:sldLayout xmlns:a="http://schemas.openxmlformats.org/drawingml/2006/main" xmlns:r="http://schemas.openxmlformats.org/officeDocument/2006/relationships" xmlns:p="http://schemas.openxmlformats.org/presentationml/2006/main" matchingName="Title Only" type="titleOnly">
   <p:cSld name="TITLE_ONLY">
     <p:spTree>
       <p:nvGrpSpPr>
-        <p:cNvPr id="45" name="Shape 45"/>
+        <p:cNvPr id="1" name="Shape 45"/>
         <p:cNvGrpSpPr/>
         <p:nvPr/>
       </p:nvGrpSpPr>
@@ -7241,7 +7438,9 @@
       <p:sp>
         <p:nvSpPr>
           <p:cNvPr id="46" name="Google Shape;46;p12"/>
-          <p:cNvSpPr txBox="1"/>
+          <p:cNvSpPr txBox="1">
+            <a:spLocks noGrp="1"/>
+          </p:cNvSpPr>
           <p:nvPr>
             <p:ph type="title"/>
           </p:nvPr>
@@ -7260,7 +7459,7 @@
           </a:ln>
         </p:spPr>
         <p:txBody>
-          <a:bodyPr anchorCtr="0" anchor="ctr" bIns="45700" lIns="91425" spcFirstLastPara="1" rIns="91425" wrap="square" tIns="45700">
+          <a:bodyPr spcFirstLastPara="1" wrap="square" lIns="91425" tIns="45700" rIns="91425" bIns="45700" anchor="ctr" anchorCtr="0">
             <a:normAutofit/>
           </a:bodyPr>
           <a:lstStyle>
@@ -7370,15 +7569,19 @@
               <a:defRPr/>
             </a:lvl9pPr>
           </a:lstStyle>
-          <a:p/>
+          <a:p>
+            <a:endParaRPr/>
+          </a:p>
         </p:txBody>
       </p:sp>
       <p:sp>
         <p:nvSpPr>
           <p:cNvPr id="47" name="Google Shape;47;p12"/>
-          <p:cNvSpPr txBox="1"/>
+          <p:cNvSpPr txBox="1">
+            <a:spLocks noGrp="1"/>
+          </p:cNvSpPr>
           <p:nvPr>
-            <p:ph idx="10" type="dt"/>
+            <p:ph type="dt" idx="10"/>
           </p:nvPr>
         </p:nvSpPr>
         <p:spPr>
@@ -7395,7 +7598,7 @@
           </a:ln>
         </p:spPr>
         <p:txBody>
-          <a:bodyPr anchorCtr="0" anchor="ctr" bIns="45700" lIns="91425" spcFirstLastPara="1" rIns="91425" wrap="square" tIns="45700">
+          <a:bodyPr spcFirstLastPara="1" wrap="square" lIns="91425" tIns="45700" rIns="91425" bIns="45700" anchor="ctr" anchorCtr="0">
             <a:noAutofit/>
           </a:bodyPr>
           <a:lstStyle>
@@ -7499,15 +7702,19 @@
               <a:defRPr/>
             </a:lvl9pPr>
           </a:lstStyle>
-          <a:p/>
+          <a:p>
+            <a:endParaRPr/>
+          </a:p>
         </p:txBody>
       </p:sp>
       <p:sp>
         <p:nvSpPr>
           <p:cNvPr id="48" name="Google Shape;48;p12"/>
-          <p:cNvSpPr txBox="1"/>
+          <p:cNvSpPr txBox="1">
+            <a:spLocks noGrp="1"/>
+          </p:cNvSpPr>
           <p:nvPr>
-            <p:ph idx="11" type="ftr"/>
+            <p:ph type="ftr" idx="11"/>
           </p:nvPr>
         </p:nvSpPr>
         <p:spPr>
@@ -7524,7 +7731,7 @@
           </a:ln>
         </p:spPr>
         <p:txBody>
-          <a:bodyPr anchorCtr="0" anchor="ctr" bIns="45700" lIns="91425" spcFirstLastPara="1" rIns="91425" wrap="square" tIns="45700">
+          <a:bodyPr spcFirstLastPara="1" wrap="square" lIns="91425" tIns="45700" rIns="91425" bIns="45700" anchor="ctr" anchorCtr="0">
             <a:noAutofit/>
           </a:bodyPr>
           <a:lstStyle>
@@ -7628,15 +7835,19 @@
               <a:defRPr/>
             </a:lvl9pPr>
           </a:lstStyle>
-          <a:p/>
+          <a:p>
+            <a:endParaRPr/>
+          </a:p>
         </p:txBody>
       </p:sp>
       <p:sp>
         <p:nvSpPr>
           <p:cNvPr id="49" name="Google Shape;49;p12"/>
-          <p:cNvSpPr txBox="1"/>
+          <p:cNvSpPr txBox="1">
+            <a:spLocks noGrp="1"/>
+          </p:cNvSpPr>
           <p:nvPr>
-            <p:ph idx="12" type="sldNum"/>
+            <p:ph type="sldNum" idx="12"/>
           </p:nvPr>
         </p:nvSpPr>
         <p:spPr>
@@ -7653,67 +7864,67 @@
           </a:ln>
         </p:spPr>
         <p:txBody>
-          <a:bodyPr anchorCtr="0" anchor="ctr" bIns="45700" lIns="91425" spcFirstLastPara="1" rIns="91425" wrap="square" tIns="45700">
+          <a:bodyPr spcFirstLastPara="1" wrap="square" lIns="91425" tIns="45700" rIns="91425" bIns="45700" anchor="ctr" anchorCtr="0">
             <a:noAutofit/>
           </a:bodyPr>
           <a:lstStyle>
-            <a:lvl1pPr indent="0" lvl="0" marL="0" algn="r">
+            <a:lvl1pPr marL="0" lvl="0" indent="0" algn="r">
               <a:spcBef>
                 <a:spcPts val="0"/>
               </a:spcBef>
               <a:buNone/>
               <a:defRPr/>
             </a:lvl1pPr>
-            <a:lvl2pPr indent="0" lvl="1" marL="0" algn="r">
+            <a:lvl2pPr marL="0" lvl="1" indent="0" algn="r">
               <a:spcBef>
                 <a:spcPts val="0"/>
               </a:spcBef>
               <a:buNone/>
               <a:defRPr/>
             </a:lvl2pPr>
-            <a:lvl3pPr indent="0" lvl="2" marL="0" algn="r">
+            <a:lvl3pPr marL="0" lvl="2" indent="0" algn="r">
               <a:spcBef>
                 <a:spcPts val="0"/>
               </a:spcBef>
               <a:buNone/>
               <a:defRPr/>
             </a:lvl3pPr>
-            <a:lvl4pPr indent="0" lvl="3" marL="0" algn="r">
+            <a:lvl4pPr marL="0" lvl="3" indent="0" algn="r">
               <a:spcBef>
                 <a:spcPts val="0"/>
               </a:spcBef>
               <a:buNone/>
               <a:defRPr/>
             </a:lvl4pPr>
-            <a:lvl5pPr indent="0" lvl="4" marL="0" algn="r">
+            <a:lvl5pPr marL="0" lvl="4" indent="0" algn="r">
               <a:spcBef>
                 <a:spcPts val="0"/>
               </a:spcBef>
               <a:buNone/>
               <a:defRPr/>
             </a:lvl5pPr>
-            <a:lvl6pPr indent="0" lvl="5" marL="0" algn="r">
+            <a:lvl6pPr marL="0" lvl="5" indent="0" algn="r">
               <a:spcBef>
                 <a:spcPts val="0"/>
               </a:spcBef>
               <a:buNone/>
               <a:defRPr/>
             </a:lvl6pPr>
-            <a:lvl7pPr indent="0" lvl="6" marL="0" algn="r">
+            <a:lvl7pPr marL="0" lvl="6" indent="0" algn="r">
               <a:spcBef>
                 <a:spcPts val="0"/>
               </a:spcBef>
               <a:buNone/>
               <a:defRPr/>
             </a:lvl7pPr>
-            <a:lvl8pPr indent="0" lvl="7" marL="0" algn="r">
+            <a:lvl8pPr marL="0" lvl="7" indent="0" algn="r">
               <a:spcBef>
                 <a:spcPts val="0"/>
               </a:spcBef>
               <a:buNone/>
               <a:defRPr/>
             </a:lvl8pPr>
-            <a:lvl9pPr indent="0" lvl="8" marL="0" algn="r">
+            <a:lvl9pPr marL="0" lvl="8" indent="0" algn="r">
               <a:spcBef>
                 <a:spcPts val="0"/>
               </a:spcBef>
@@ -7722,7 +7933,7 @@
             </a:lvl9pPr>
           </a:lstStyle>
           <a:p>
-            <a:pPr indent="0" lvl="0" marL="0" rtl="0" algn="r">
+            <a:pPr marL="0" lvl="0" indent="0" algn="r" rtl="0">
               <a:spcBef>
                 <a:spcPts val="0"/>
               </a:spcBef>
@@ -7748,11 +7959,11 @@
 </file>
 
 <file path=ppt/slideLayouts/slideLayout7.xml><?xml version="1.0" encoding="utf-8"?>
-<p:sldLayout xmlns:a="http://schemas.openxmlformats.org/drawingml/2006/main" xmlns:r="http://schemas.openxmlformats.org/officeDocument/2006/relationships" xmlns:mc="http://schemas.openxmlformats.org/markup-compatibility/2006" xmlns:mv="urn:schemas-microsoft-com:mac:vml" xmlns:p="http://schemas.openxmlformats.org/presentationml/2006/main" xmlns:c="http://schemas.openxmlformats.org/drawingml/2006/chart" xmlns:dgm="http://schemas.openxmlformats.org/drawingml/2006/diagram" xmlns:o="urn:schemas-microsoft-com:office:office" xmlns:v="urn:schemas-microsoft-com:vml" xmlns:pvml="urn:schemas-microsoft-com:office:powerpoint" xmlns:com="http://schemas.openxmlformats.org/drawingml/2006/compatibility" xmlns:p14="http://schemas.microsoft.com/office/powerpoint/2010/main" xmlns:p15="http://schemas.microsoft.com/office/powerpoint/2012/main" xmlns:ahyp="http://schemas.microsoft.com/office/drawing/2018/hyperlinkcolor" matchingName="Blank" type="blank">
+<p:sldLayout xmlns:a="http://schemas.openxmlformats.org/drawingml/2006/main" xmlns:r="http://schemas.openxmlformats.org/officeDocument/2006/relationships" xmlns:p="http://schemas.openxmlformats.org/presentationml/2006/main" matchingName="Blank" type="blank">
   <p:cSld name="BLANK">
     <p:spTree>
       <p:nvGrpSpPr>
-        <p:cNvPr id="50" name="Shape 50"/>
+        <p:cNvPr id="1" name="Shape 50"/>
         <p:cNvGrpSpPr/>
         <p:nvPr/>
       </p:nvGrpSpPr>
@@ -7767,9 +7978,11 @@
       <p:sp>
         <p:nvSpPr>
           <p:cNvPr id="51" name="Google Shape;51;p13"/>
-          <p:cNvSpPr txBox="1"/>
+          <p:cNvSpPr txBox="1">
+            <a:spLocks noGrp="1"/>
+          </p:cNvSpPr>
           <p:nvPr>
-            <p:ph idx="10" type="dt"/>
+            <p:ph type="dt" idx="10"/>
           </p:nvPr>
         </p:nvSpPr>
         <p:spPr>
@@ -7786,7 +7999,7 @@
           </a:ln>
         </p:spPr>
         <p:txBody>
-          <a:bodyPr anchorCtr="0" anchor="ctr" bIns="45700" lIns="91425" spcFirstLastPara="1" rIns="91425" wrap="square" tIns="45700">
+          <a:bodyPr spcFirstLastPara="1" wrap="square" lIns="91425" tIns="45700" rIns="91425" bIns="45700" anchor="ctr" anchorCtr="0">
             <a:noAutofit/>
           </a:bodyPr>
           <a:lstStyle>
@@ -7890,15 +8103,19 @@
               <a:defRPr/>
             </a:lvl9pPr>
           </a:lstStyle>
-          <a:p/>
+          <a:p>
+            <a:endParaRPr/>
+          </a:p>
         </p:txBody>
       </p:sp>
       <p:sp>
         <p:nvSpPr>
           <p:cNvPr id="52" name="Google Shape;52;p13"/>
-          <p:cNvSpPr txBox="1"/>
+          <p:cNvSpPr txBox="1">
+            <a:spLocks noGrp="1"/>
+          </p:cNvSpPr>
           <p:nvPr>
-            <p:ph idx="11" type="ftr"/>
+            <p:ph type="ftr" idx="11"/>
           </p:nvPr>
         </p:nvSpPr>
         <p:spPr>
@@ -7915,7 +8132,7 @@
           </a:ln>
         </p:spPr>
         <p:txBody>
-          <a:bodyPr anchorCtr="0" anchor="ctr" bIns="45700" lIns="91425" spcFirstLastPara="1" rIns="91425" wrap="square" tIns="45700">
+          <a:bodyPr spcFirstLastPara="1" wrap="square" lIns="91425" tIns="45700" rIns="91425" bIns="45700" anchor="ctr" anchorCtr="0">
             <a:noAutofit/>
           </a:bodyPr>
           <a:lstStyle>
@@ -8019,15 +8236,19 @@
               <a:defRPr/>
             </a:lvl9pPr>
           </a:lstStyle>
-          <a:p/>
+          <a:p>
+            <a:endParaRPr/>
+          </a:p>
         </p:txBody>
       </p:sp>
       <p:sp>
         <p:nvSpPr>
           <p:cNvPr id="53" name="Google Shape;53;p13"/>
-          <p:cNvSpPr txBox="1"/>
+          <p:cNvSpPr txBox="1">
+            <a:spLocks noGrp="1"/>
+          </p:cNvSpPr>
           <p:nvPr>
-            <p:ph idx="12" type="sldNum"/>
+            <p:ph type="sldNum" idx="12"/>
           </p:nvPr>
         </p:nvSpPr>
         <p:spPr>
@@ -8044,67 +8265,67 @@
           </a:ln>
         </p:spPr>
         <p:txBody>
-          <a:bodyPr anchorCtr="0" anchor="ctr" bIns="45700" lIns="91425" spcFirstLastPara="1" rIns="91425" wrap="square" tIns="45700">
+          <a:bodyPr spcFirstLastPara="1" wrap="square" lIns="91425" tIns="45700" rIns="91425" bIns="45700" anchor="ctr" anchorCtr="0">
             <a:noAutofit/>
           </a:bodyPr>
           <a:lstStyle>
-            <a:lvl1pPr indent="0" lvl="0" marL="0" algn="r">
+            <a:lvl1pPr marL="0" lvl="0" indent="0" algn="r">
               <a:spcBef>
                 <a:spcPts val="0"/>
               </a:spcBef>
               <a:buNone/>
               <a:defRPr/>
             </a:lvl1pPr>
-            <a:lvl2pPr indent="0" lvl="1" marL="0" algn="r">
+            <a:lvl2pPr marL="0" lvl="1" indent="0" algn="r">
               <a:spcBef>
                 <a:spcPts val="0"/>
               </a:spcBef>
               <a:buNone/>
               <a:defRPr/>
             </a:lvl2pPr>
-            <a:lvl3pPr indent="0" lvl="2" marL="0" algn="r">
+            <a:lvl3pPr marL="0" lvl="2" indent="0" algn="r">
               <a:spcBef>
                 <a:spcPts val="0"/>
               </a:spcBef>
               <a:buNone/>
               <a:defRPr/>
             </a:lvl3pPr>
-            <a:lvl4pPr indent="0" lvl="3" marL="0" algn="r">
+            <a:lvl4pPr marL="0" lvl="3" indent="0" algn="r">
               <a:spcBef>
                 <a:spcPts val="0"/>
               </a:spcBef>
               <a:buNone/>
               <a:defRPr/>
             </a:lvl4pPr>
-            <a:lvl5pPr indent="0" lvl="4" marL="0" algn="r">
+            <a:lvl5pPr marL="0" lvl="4" indent="0" algn="r">
               <a:spcBef>
                 <a:spcPts val="0"/>
               </a:spcBef>
               <a:buNone/>
               <a:defRPr/>
             </a:lvl5pPr>
-            <a:lvl6pPr indent="0" lvl="5" marL="0" algn="r">
+            <a:lvl6pPr marL="0" lvl="5" indent="0" algn="r">
               <a:spcBef>
                 <a:spcPts val="0"/>
               </a:spcBef>
               <a:buNone/>
               <a:defRPr/>
             </a:lvl6pPr>
-            <a:lvl7pPr indent="0" lvl="6" marL="0" algn="r">
+            <a:lvl7pPr marL="0" lvl="6" indent="0" algn="r">
               <a:spcBef>
                 <a:spcPts val="0"/>
               </a:spcBef>
               <a:buNone/>
               <a:defRPr/>
             </a:lvl7pPr>
-            <a:lvl8pPr indent="0" lvl="7" marL="0" algn="r">
+            <a:lvl8pPr marL="0" lvl="7" indent="0" algn="r">
               <a:spcBef>
                 <a:spcPts val="0"/>
               </a:spcBef>
               <a:buNone/>
               <a:defRPr/>
             </a:lvl8pPr>
-            <a:lvl9pPr indent="0" lvl="8" marL="0" algn="r">
+            <a:lvl9pPr marL="0" lvl="8" indent="0" algn="r">
               <a:spcBef>
                 <a:spcPts val="0"/>
               </a:spcBef>
@@ -8113,7 +8334,7 @@
             </a:lvl9pPr>
           </a:lstStyle>
           <a:p>
-            <a:pPr indent="0" lvl="0" marL="0" rtl="0" algn="r">
+            <a:pPr marL="0" lvl="0" indent="0" algn="r" rtl="0">
               <a:spcBef>
                 <a:spcPts val="0"/>
               </a:spcBef>
@@ -8139,11 +8360,11 @@
 </file>
 
 <file path=ppt/slideLayouts/slideLayout8.xml><?xml version="1.0" encoding="utf-8"?>
-<p:sldLayout xmlns:a="http://schemas.openxmlformats.org/drawingml/2006/main" xmlns:r="http://schemas.openxmlformats.org/officeDocument/2006/relationships" xmlns:mc="http://schemas.openxmlformats.org/markup-compatibility/2006" xmlns:mv="urn:schemas-microsoft-com:mac:vml" xmlns:p="http://schemas.openxmlformats.org/presentationml/2006/main" xmlns:c="http://schemas.openxmlformats.org/drawingml/2006/chart" xmlns:dgm="http://schemas.openxmlformats.org/drawingml/2006/diagram" xmlns:o="urn:schemas-microsoft-com:office:office" xmlns:v="urn:schemas-microsoft-com:vml" xmlns:pvml="urn:schemas-microsoft-com:office:powerpoint" xmlns:com="http://schemas.openxmlformats.org/drawingml/2006/compatibility" xmlns:p14="http://schemas.microsoft.com/office/powerpoint/2010/main" xmlns:p15="http://schemas.microsoft.com/office/powerpoint/2012/main" xmlns:ahyp="http://schemas.microsoft.com/office/drawing/2018/hyperlinkcolor" matchingName="Content with Caption" type="objTx">
+<p:sldLayout xmlns:a="http://schemas.openxmlformats.org/drawingml/2006/main" xmlns:r="http://schemas.openxmlformats.org/officeDocument/2006/relationships" xmlns:p="http://schemas.openxmlformats.org/presentationml/2006/main" matchingName="Content with Caption" type="objTx">
   <p:cSld name="OBJECT_WITH_CAPTION_TEXT">
     <p:spTree>
       <p:nvGrpSpPr>
-        <p:cNvPr id="54" name="Shape 54"/>
+        <p:cNvPr id="1" name="Shape 54"/>
         <p:cNvGrpSpPr/>
         <p:nvPr/>
       </p:nvGrpSpPr>
@@ -8158,7 +8379,9 @@
       <p:sp>
         <p:nvSpPr>
           <p:cNvPr id="55" name="Google Shape;55;p14"/>
-          <p:cNvSpPr txBox="1"/>
+          <p:cNvSpPr txBox="1">
+            <a:spLocks noGrp="1"/>
+          </p:cNvSpPr>
           <p:nvPr>
             <p:ph type="title"/>
           </p:nvPr>
@@ -8177,7 +8400,7 @@
           </a:ln>
         </p:spPr>
         <p:txBody>
-          <a:bodyPr anchorCtr="0" anchor="b" bIns="45700" lIns="91425" spcFirstLastPara="1" rIns="91425" wrap="square" tIns="45700">
+          <a:bodyPr spcFirstLastPara="1" wrap="square" lIns="91425" tIns="45700" rIns="91425" bIns="45700" anchor="b" anchorCtr="0">
             <a:normAutofit/>
           </a:bodyPr>
           <a:lstStyle>
@@ -8288,15 +8511,19 @@
               <a:defRPr/>
             </a:lvl9pPr>
           </a:lstStyle>
-          <a:p/>
+          <a:p>
+            <a:endParaRPr/>
+          </a:p>
         </p:txBody>
       </p:sp>
       <p:sp>
         <p:nvSpPr>
           <p:cNvPr id="56" name="Google Shape;56;p14"/>
-          <p:cNvSpPr txBox="1"/>
+          <p:cNvSpPr txBox="1">
+            <a:spLocks noGrp="1"/>
+          </p:cNvSpPr>
           <p:nvPr>
-            <p:ph idx="1" type="body"/>
+            <p:ph type="body" idx="1"/>
           </p:nvPr>
         </p:nvSpPr>
         <p:spPr>
@@ -8313,11 +8540,11 @@
           </a:ln>
         </p:spPr>
         <p:txBody>
-          <a:bodyPr anchorCtr="0" anchor="t" bIns="45700" lIns="91425" spcFirstLastPara="1" rIns="91425" wrap="square" tIns="45700">
+          <a:bodyPr spcFirstLastPara="1" wrap="square" lIns="91425" tIns="45700" rIns="91425" bIns="45700" anchor="t" anchorCtr="0">
             <a:normAutofit/>
           </a:bodyPr>
           <a:lstStyle>
-            <a:lvl1pPr indent="-431800" lvl="0" marL="457200" algn="l">
+            <a:lvl1pPr marL="457200" lvl="0" indent="-431800" algn="l">
               <a:lnSpc>
                 <a:spcPct val="90000"/>
               </a:lnSpc>
@@ -8334,7 +8561,7 @@
               <a:buChar char="•"/>
               <a:defRPr sz="3200"/>
             </a:lvl1pPr>
-            <a:lvl2pPr indent="-406400" lvl="1" marL="914400" algn="l">
+            <a:lvl2pPr marL="914400" lvl="1" indent="-406400" algn="l">
               <a:lnSpc>
                 <a:spcPct val="90000"/>
               </a:lnSpc>
@@ -8351,7 +8578,7 @@
               <a:buChar char="•"/>
               <a:defRPr sz="2800"/>
             </a:lvl2pPr>
-            <a:lvl3pPr indent="-381000" lvl="2" marL="1371600" algn="l">
+            <a:lvl3pPr marL="1371600" lvl="2" indent="-381000" algn="l">
               <a:lnSpc>
                 <a:spcPct val="90000"/>
               </a:lnSpc>
@@ -8368,7 +8595,7 @@
               <a:buChar char="•"/>
               <a:defRPr sz="2400"/>
             </a:lvl3pPr>
-            <a:lvl4pPr indent="-355600" lvl="3" marL="1828800" algn="l">
+            <a:lvl4pPr marL="1828800" lvl="3" indent="-355600" algn="l">
               <a:lnSpc>
                 <a:spcPct val="90000"/>
               </a:lnSpc>
@@ -8385,7 +8612,7 @@
               <a:buChar char="•"/>
               <a:defRPr sz="2000"/>
             </a:lvl4pPr>
-            <a:lvl5pPr indent="-355600" lvl="4" marL="2286000" algn="l">
+            <a:lvl5pPr marL="2286000" lvl="4" indent="-355600" algn="l">
               <a:lnSpc>
                 <a:spcPct val="90000"/>
               </a:lnSpc>
@@ -8402,7 +8629,7 @@
               <a:buChar char="•"/>
               <a:defRPr sz="2000"/>
             </a:lvl5pPr>
-            <a:lvl6pPr indent="-355600" lvl="5" marL="2743200" algn="l">
+            <a:lvl6pPr marL="2743200" lvl="5" indent="-355600" algn="l">
               <a:lnSpc>
                 <a:spcPct val="90000"/>
               </a:lnSpc>
@@ -8419,7 +8646,7 @@
               <a:buChar char="•"/>
               <a:defRPr sz="2000"/>
             </a:lvl6pPr>
-            <a:lvl7pPr indent="-355600" lvl="6" marL="3200400" algn="l">
+            <a:lvl7pPr marL="3200400" lvl="6" indent="-355600" algn="l">
               <a:lnSpc>
                 <a:spcPct val="90000"/>
               </a:lnSpc>
@@ -8436,7 +8663,7 @@
               <a:buChar char="•"/>
               <a:defRPr sz="2000"/>
             </a:lvl7pPr>
-            <a:lvl8pPr indent="-355600" lvl="7" marL="3657600" algn="l">
+            <a:lvl8pPr marL="3657600" lvl="7" indent="-355600" algn="l">
               <a:lnSpc>
                 <a:spcPct val="90000"/>
               </a:lnSpc>
@@ -8453,7 +8680,7 @@
               <a:buChar char="•"/>
               <a:defRPr sz="2000"/>
             </a:lvl8pPr>
-            <a:lvl9pPr indent="-355600" lvl="8" marL="4114800" algn="l">
+            <a:lvl9pPr marL="4114800" lvl="8" indent="-355600" algn="l">
               <a:lnSpc>
                 <a:spcPct val="90000"/>
               </a:lnSpc>
@@ -8471,15 +8698,19 @@
               <a:defRPr sz="2000"/>
             </a:lvl9pPr>
           </a:lstStyle>
-          <a:p/>
+          <a:p>
+            <a:endParaRPr/>
+          </a:p>
         </p:txBody>
       </p:sp>
       <p:sp>
         <p:nvSpPr>
           <p:cNvPr id="57" name="Google Shape;57;p14"/>
-          <p:cNvSpPr txBox="1"/>
+          <p:cNvSpPr txBox="1">
+            <a:spLocks noGrp="1"/>
+          </p:cNvSpPr>
           <p:nvPr>
-            <p:ph idx="2" type="body"/>
+            <p:ph type="body" idx="2"/>
           </p:nvPr>
         </p:nvSpPr>
         <p:spPr>
@@ -8496,11 +8727,11 @@
           </a:ln>
         </p:spPr>
         <p:txBody>
-          <a:bodyPr anchorCtr="0" anchor="t" bIns="45700" lIns="91425" spcFirstLastPara="1" rIns="91425" wrap="square" tIns="45700">
+          <a:bodyPr spcFirstLastPara="1" wrap="square" lIns="91425" tIns="45700" rIns="91425" bIns="45700" anchor="t" anchorCtr="0">
             <a:normAutofit/>
           </a:bodyPr>
           <a:lstStyle>
-            <a:lvl1pPr indent="-228600" lvl="0" marL="457200" algn="l">
+            <a:lvl1pPr marL="457200" lvl="0" indent="-228600" algn="l">
               <a:lnSpc>
                 <a:spcPct val="90000"/>
               </a:lnSpc>
@@ -8517,7 +8748,7 @@
               <a:buNone/>
               <a:defRPr sz="1600"/>
             </a:lvl1pPr>
-            <a:lvl2pPr indent="-228600" lvl="1" marL="914400" algn="l">
+            <a:lvl2pPr marL="914400" lvl="1" indent="-228600" algn="l">
               <a:lnSpc>
                 <a:spcPct val="90000"/>
               </a:lnSpc>
@@ -8534,7 +8765,7 @@
               <a:buNone/>
               <a:defRPr sz="1400"/>
             </a:lvl2pPr>
-            <a:lvl3pPr indent="-228600" lvl="2" marL="1371600" algn="l">
+            <a:lvl3pPr marL="1371600" lvl="2" indent="-228600" algn="l">
               <a:lnSpc>
                 <a:spcPct val="90000"/>
               </a:lnSpc>
@@ -8551,7 +8782,7 @@
               <a:buNone/>
               <a:defRPr sz="1200"/>
             </a:lvl3pPr>
-            <a:lvl4pPr indent="-228600" lvl="3" marL="1828800" algn="l">
+            <a:lvl4pPr marL="1828800" lvl="3" indent="-228600" algn="l">
               <a:lnSpc>
                 <a:spcPct val="90000"/>
               </a:lnSpc>
@@ -8568,7 +8799,7 @@
               <a:buNone/>
               <a:defRPr sz="1000"/>
             </a:lvl4pPr>
-            <a:lvl5pPr indent="-228600" lvl="4" marL="2286000" algn="l">
+            <a:lvl5pPr marL="2286000" lvl="4" indent="-228600" algn="l">
               <a:lnSpc>
                 <a:spcPct val="90000"/>
               </a:lnSpc>
@@ -8585,7 +8816,7 @@
               <a:buNone/>
               <a:defRPr sz="1000"/>
             </a:lvl5pPr>
-            <a:lvl6pPr indent="-228600" lvl="5" marL="2743200" algn="l">
+            <a:lvl6pPr marL="2743200" lvl="5" indent="-228600" algn="l">
               <a:lnSpc>
                 <a:spcPct val="90000"/>
               </a:lnSpc>
@@ -8602,7 +8833,7 @@
               <a:buNone/>
               <a:defRPr sz="1000"/>
             </a:lvl6pPr>
-            <a:lvl7pPr indent="-228600" lvl="6" marL="3200400" algn="l">
+            <a:lvl7pPr marL="3200400" lvl="6" indent="-228600" algn="l">
               <a:lnSpc>
                 <a:spcPct val="90000"/>
               </a:lnSpc>
@@ -8619,7 +8850,7 @@
               <a:buNone/>
               <a:defRPr sz="1000"/>
             </a:lvl7pPr>
-            <a:lvl8pPr indent="-228600" lvl="7" marL="3657600" algn="l">
+            <a:lvl8pPr marL="3657600" lvl="7" indent="-228600" algn="l">
               <a:lnSpc>
                 <a:spcPct val="90000"/>
               </a:lnSpc>
@@ -8636,7 +8867,7 @@
               <a:buNone/>
               <a:defRPr sz="1000"/>
             </a:lvl8pPr>
-            <a:lvl9pPr indent="-228600" lvl="8" marL="4114800" algn="l">
+            <a:lvl9pPr marL="4114800" lvl="8" indent="-228600" algn="l">
               <a:lnSpc>
                 <a:spcPct val="90000"/>
               </a:lnSpc>
@@ -8654,15 +8885,19 @@
               <a:defRPr sz="1000"/>
             </a:lvl9pPr>
           </a:lstStyle>
-          <a:p/>
+          <a:p>
+            <a:endParaRPr/>
+          </a:p>
         </p:txBody>
       </p:sp>
       <p:sp>
         <p:nvSpPr>
           <p:cNvPr id="58" name="Google Shape;58;p14"/>
-          <p:cNvSpPr txBox="1"/>
+          <p:cNvSpPr txBox="1">
+            <a:spLocks noGrp="1"/>
+          </p:cNvSpPr>
           <p:nvPr>
-            <p:ph idx="10" type="dt"/>
+            <p:ph type="dt" idx="10"/>
           </p:nvPr>
         </p:nvSpPr>
         <p:spPr>
@@ -8679,7 +8914,7 @@
           </a:ln>
         </p:spPr>
         <p:txBody>
-          <a:bodyPr anchorCtr="0" anchor="ctr" bIns="45700" lIns="91425" spcFirstLastPara="1" rIns="91425" wrap="square" tIns="45700">
+          <a:bodyPr spcFirstLastPara="1" wrap="square" lIns="91425" tIns="45700" rIns="91425" bIns="45700" anchor="ctr" anchorCtr="0">
             <a:noAutofit/>
           </a:bodyPr>
           <a:lstStyle>
@@ -8783,15 +9018,19 @@
               <a:defRPr/>
             </a:lvl9pPr>
           </a:lstStyle>
-          <a:p/>
+          <a:p>
+            <a:endParaRPr/>
+          </a:p>
         </p:txBody>
       </p:sp>
       <p:sp>
         <p:nvSpPr>
           <p:cNvPr id="59" name="Google Shape;59;p14"/>
-          <p:cNvSpPr txBox="1"/>
+          <p:cNvSpPr txBox="1">
+            <a:spLocks noGrp="1"/>
+          </p:cNvSpPr>
           <p:nvPr>
-            <p:ph idx="11" type="ftr"/>
+            <p:ph type="ftr" idx="11"/>
           </p:nvPr>
         </p:nvSpPr>
         <p:spPr>
@@ -8808,7 +9047,7 @@
           </a:ln>
         </p:spPr>
         <p:txBody>
-          <a:bodyPr anchorCtr="0" anchor="ctr" bIns="45700" lIns="91425" spcFirstLastPara="1" rIns="91425" wrap="square" tIns="45700">
+          <a:bodyPr spcFirstLastPara="1" wrap="square" lIns="91425" tIns="45700" rIns="91425" bIns="45700" anchor="ctr" anchorCtr="0">
             <a:noAutofit/>
           </a:bodyPr>
           <a:lstStyle>
@@ -8912,15 +9151,19 @@
               <a:defRPr/>
             </a:lvl9pPr>
           </a:lstStyle>
-          <a:p/>
+          <a:p>
+            <a:endParaRPr/>
+          </a:p>
         </p:txBody>
       </p:sp>
       <p:sp>
         <p:nvSpPr>
           <p:cNvPr id="60" name="Google Shape;60;p14"/>
-          <p:cNvSpPr txBox="1"/>
+          <p:cNvSpPr txBox="1">
+            <a:spLocks noGrp="1"/>
+          </p:cNvSpPr>
           <p:nvPr>
-            <p:ph idx="12" type="sldNum"/>
+            <p:ph type="sldNum" idx="12"/>
           </p:nvPr>
         </p:nvSpPr>
         <p:spPr>
@@ -8937,67 +9180,67 @@
           </a:ln>
         </p:spPr>
         <p:txBody>
-          <a:bodyPr anchorCtr="0" anchor="ctr" bIns="45700" lIns="91425" spcFirstLastPara="1" rIns="91425" wrap="square" tIns="45700">
+          <a:bodyPr spcFirstLastPara="1" wrap="square" lIns="91425" tIns="45700" rIns="91425" bIns="45700" anchor="ctr" anchorCtr="0">
             <a:noAutofit/>
           </a:bodyPr>
           <a:lstStyle>
-            <a:lvl1pPr indent="0" lvl="0" marL="0" algn="r">
+            <a:lvl1pPr marL="0" lvl="0" indent="0" algn="r">
               <a:spcBef>
                 <a:spcPts val="0"/>
               </a:spcBef>
               <a:buNone/>
               <a:defRPr/>
             </a:lvl1pPr>
-            <a:lvl2pPr indent="0" lvl="1" marL="0" algn="r">
+            <a:lvl2pPr marL="0" lvl="1" indent="0" algn="r">
               <a:spcBef>
                 <a:spcPts val="0"/>
               </a:spcBef>
               <a:buNone/>
               <a:defRPr/>
             </a:lvl2pPr>
-            <a:lvl3pPr indent="0" lvl="2" marL="0" algn="r">
+            <a:lvl3pPr marL="0" lvl="2" indent="0" algn="r">
               <a:spcBef>
                 <a:spcPts val="0"/>
               </a:spcBef>
               <a:buNone/>
               <a:defRPr/>
             </a:lvl3pPr>
-            <a:lvl4pPr indent="0" lvl="3" marL="0" algn="r">
+            <a:lvl4pPr marL="0" lvl="3" indent="0" algn="r">
               <a:spcBef>
                 <a:spcPts val="0"/>
               </a:spcBef>
               <a:buNone/>
               <a:defRPr/>
             </a:lvl4pPr>
-            <a:lvl5pPr indent="0" lvl="4" marL="0" algn="r">
+            <a:lvl5pPr marL="0" lvl="4" indent="0" algn="r">
               <a:spcBef>
                 <a:spcPts val="0"/>
               </a:spcBef>
               <a:buNone/>
               <a:defRPr/>
             </a:lvl5pPr>
-            <a:lvl6pPr indent="0" lvl="5" marL="0" algn="r">
+            <a:lvl6pPr marL="0" lvl="5" indent="0" algn="r">
               <a:spcBef>
                 <a:spcPts val="0"/>
               </a:spcBef>
               <a:buNone/>
               <a:defRPr/>
             </a:lvl6pPr>
-            <a:lvl7pPr indent="0" lvl="6" marL="0" algn="r">
+            <a:lvl7pPr marL="0" lvl="6" indent="0" algn="r">
               <a:spcBef>
                 <a:spcPts val="0"/>
               </a:spcBef>
               <a:buNone/>
               <a:defRPr/>
             </a:lvl7pPr>
-            <a:lvl8pPr indent="0" lvl="7" marL="0" algn="r">
+            <a:lvl8pPr marL="0" lvl="7" indent="0" algn="r">
               <a:spcBef>
                 <a:spcPts val="0"/>
               </a:spcBef>
               <a:buNone/>
               <a:defRPr/>
             </a:lvl8pPr>
-            <a:lvl9pPr indent="0" lvl="8" marL="0" algn="r">
+            <a:lvl9pPr marL="0" lvl="8" indent="0" algn="r">
               <a:spcBef>
                 <a:spcPts val="0"/>
               </a:spcBef>
@@ -9006,7 +9249,7 @@
             </a:lvl9pPr>
           </a:lstStyle>
           <a:p>
-            <a:pPr indent="0" lvl="0" marL="0" rtl="0" algn="r">
+            <a:pPr marL="0" lvl="0" indent="0" algn="r" rtl="0">
               <a:spcBef>
                 <a:spcPts val="0"/>
               </a:spcBef>
@@ -9032,11 +9275,11 @@
 </file>
 
 <file path=ppt/slideLayouts/slideLayout9.xml><?xml version="1.0" encoding="utf-8"?>
-<p:sldLayout xmlns:a="http://schemas.openxmlformats.org/drawingml/2006/main" xmlns:r="http://schemas.openxmlformats.org/officeDocument/2006/relationships" xmlns:mc="http://schemas.openxmlformats.org/markup-compatibility/2006" xmlns:mv="urn:schemas-microsoft-com:mac:vml" xmlns:p="http://schemas.openxmlformats.org/presentationml/2006/main" xmlns:c="http://schemas.openxmlformats.org/drawingml/2006/chart" xmlns:dgm="http://schemas.openxmlformats.org/drawingml/2006/diagram" xmlns:o="urn:schemas-microsoft-com:office:office" xmlns:v="urn:schemas-microsoft-com:vml" xmlns:pvml="urn:schemas-microsoft-com:office:powerpoint" xmlns:com="http://schemas.openxmlformats.org/drawingml/2006/compatibility" xmlns:p14="http://schemas.microsoft.com/office/powerpoint/2010/main" xmlns:p15="http://schemas.microsoft.com/office/powerpoint/2012/main" xmlns:ahyp="http://schemas.microsoft.com/office/drawing/2018/hyperlinkcolor" matchingName="Picture with Caption" type="picTx">
+<p:sldLayout xmlns:a="http://schemas.openxmlformats.org/drawingml/2006/main" xmlns:r="http://schemas.openxmlformats.org/officeDocument/2006/relationships" xmlns:p="http://schemas.openxmlformats.org/presentationml/2006/main" matchingName="Picture with Caption" type="picTx">
   <p:cSld name="PICTURE_WITH_CAPTION_TEXT">
     <p:spTree>
       <p:nvGrpSpPr>
-        <p:cNvPr id="61" name="Shape 61"/>
+        <p:cNvPr id="1" name="Shape 61"/>
         <p:cNvGrpSpPr/>
         <p:nvPr/>
       </p:nvGrpSpPr>
@@ -9051,7 +9294,9 @@
       <p:sp>
         <p:nvSpPr>
           <p:cNvPr id="62" name="Google Shape;62;p15"/>
-          <p:cNvSpPr txBox="1"/>
+          <p:cNvSpPr txBox="1">
+            <a:spLocks noGrp="1"/>
+          </p:cNvSpPr>
           <p:nvPr>
             <p:ph type="title"/>
           </p:nvPr>
@@ -9070,7 +9315,7 @@
           </a:ln>
         </p:spPr>
         <p:txBody>
-          <a:bodyPr anchorCtr="0" anchor="b" bIns="45700" lIns="91425" spcFirstLastPara="1" rIns="91425" wrap="square" tIns="45700">
+          <a:bodyPr spcFirstLastPara="1" wrap="square" lIns="91425" tIns="45700" rIns="91425" bIns="45700" anchor="b" anchorCtr="0">
             <a:normAutofit/>
           </a:bodyPr>
           <a:lstStyle>
@@ -9181,15 +9426,19 @@
               <a:defRPr/>
             </a:lvl9pPr>
           </a:lstStyle>
-          <a:p/>
+          <a:p>
+            <a:endParaRPr/>
+          </a:p>
         </p:txBody>
       </p:sp>
       <p:sp>
         <p:nvSpPr>
           <p:cNvPr id="63" name="Google Shape;63;p15"/>
-          <p:cNvSpPr/>
+          <p:cNvSpPr>
+            <a:spLocks noGrp="1"/>
+          </p:cNvSpPr>
           <p:nvPr>
-            <p:ph idx="2" type="pic"/>
+            <p:ph type="pic" idx="2"/>
           </p:nvPr>
         </p:nvSpPr>
         <p:spPr>
@@ -9206,11 +9455,11 @@
           </a:ln>
         </p:spPr>
         <p:txBody>
-          <a:bodyPr anchorCtr="0" anchor="t" bIns="45700" lIns="91425" spcFirstLastPara="1" rIns="91425" wrap="square" tIns="45700">
+          <a:bodyPr spcFirstLastPara="1" wrap="square" lIns="91425" tIns="45700" rIns="91425" bIns="45700" anchor="t" anchorCtr="0">
             <a:normAutofit/>
           </a:bodyPr>
           <a:lstStyle>
-            <a:lvl1pPr lvl="0" marR="0" rtl="0" algn="l">
+            <a:lvl1pPr marR="0" lvl="0" algn="l" rtl="0">
               <a:lnSpc>
                 <a:spcPct val="90000"/>
               </a:lnSpc>
@@ -9226,7 +9475,7 @@
               <a:buSzPts val="3200"/>
               <a:buFont typeface="Arial"/>
               <a:buNone/>
-              <a:defRPr b="0" i="0" sz="3200" u="none" cap="none" strike="noStrike">
+              <a:defRPr sz="3200" b="0" i="0" u="none" strike="noStrike" cap="none">
                 <a:solidFill>
                   <a:schemeClr val="dk1"/>
                 </a:solidFill>
@@ -9236,7 +9485,7 @@
                 <a:sym typeface="Calibri"/>
               </a:defRPr>
             </a:lvl1pPr>
-            <a:lvl2pPr lvl="1" marR="0" rtl="0" algn="l">
+            <a:lvl2pPr marR="0" lvl="1" algn="l" rtl="0">
               <a:lnSpc>
                 <a:spcPct val="90000"/>
               </a:lnSpc>
@@ -9252,7 +9501,7 @@
               <a:buSzPts val="2800"/>
               <a:buFont typeface="Arial"/>
               <a:buNone/>
-              <a:defRPr b="0" i="0" sz="2800" u="none" cap="none" strike="noStrike">
+              <a:defRPr sz="2800" b="0" i="0" u="none" strike="noStrike" cap="none">
                 <a:solidFill>
                   <a:schemeClr val="dk1"/>
                 </a:solidFill>
@@ -9262,7 +9511,7 @@
                 <a:sym typeface="Calibri"/>
               </a:defRPr>
             </a:lvl2pPr>
-            <a:lvl3pPr lvl="2" marR="0" rtl="0" algn="l">
+            <a:lvl3pPr marR="0" lvl="2" algn="l" rtl="0">
               <a:lnSpc>
                 <a:spcPct val="90000"/>
               </a:lnSpc>
@@ -9278,7 +9527,7 @@
               <a:buSzPts val="2400"/>
               <a:buFont typeface="Arial"/>
               <a:buNone/>
-              <a:defRPr b="0" i="0" sz="2400" u="none" cap="none" strike="noStrike">
+              <a:defRPr sz="2400" b="0" i="0" u="none" strike="noStrike" cap="none">
                 <a:solidFill>
                   <a:schemeClr val="dk1"/>
                 </a:solidFill>
@@ -9288,7 +9537,7 @@
                 <a:sym typeface="Calibri"/>
               </a:defRPr>
             </a:lvl3pPr>
-            <a:lvl4pPr lvl="3" marR="0" rtl="0" algn="l">
+            <a:lvl4pPr marR="0" lvl="3" algn="l" rtl="0">
               <a:lnSpc>
                 <a:spcPct val="90000"/>
               </a:lnSpc>
@@ -9304,7 +9553,7 @@
               <a:buSzPts val="2000"/>
               <a:buFont typeface="Arial"/>
               <a:buNone/>
-              <a:defRPr b="0" i="0" sz="2000" u="none" cap="none" strike="noStrike">
+              <a:defRPr sz="2000" b="0" i="0" u="none" strike="noStrike" cap="none">
                 <a:solidFill>
                   <a:schemeClr val="dk1"/>
                 </a:solidFill>
@@ -9314,7 +9563,7 @@
                 <a:sym typeface="Calibri"/>
               </a:defRPr>
             </a:lvl4pPr>
-            <a:lvl5pPr lvl="4" marR="0" rtl="0" algn="l">
+            <a:lvl5pPr marR="0" lvl="4" algn="l" rtl="0">
               <a:lnSpc>
                 <a:spcPct val="90000"/>
               </a:lnSpc>
@@ -9330,7 +9579,7 @@
               <a:buSzPts val="2000"/>
               <a:buFont typeface="Arial"/>
               <a:buNone/>
-              <a:defRPr b="0" i="0" sz="2000" u="none" cap="none" strike="noStrike">
+              <a:defRPr sz="2000" b="0" i="0" u="none" strike="noStrike" cap="none">
                 <a:solidFill>
                   <a:schemeClr val="dk1"/>
                 </a:solidFill>
@@ -9340,7 +9589,7 @@
                 <a:sym typeface="Calibri"/>
               </a:defRPr>
             </a:lvl5pPr>
-            <a:lvl6pPr lvl="5" marR="0" rtl="0" algn="l">
+            <a:lvl6pPr marR="0" lvl="5" algn="l" rtl="0">
               <a:lnSpc>
                 <a:spcPct val="90000"/>
               </a:lnSpc>
@@ -9356,7 +9605,7 @@
               <a:buSzPts val="2000"/>
               <a:buFont typeface="Arial"/>
               <a:buNone/>
-              <a:defRPr b="0" i="0" sz="2000" u="none" cap="none" strike="noStrike">
+              <a:defRPr sz="2000" b="0" i="0" u="none" strike="noStrike" cap="none">
                 <a:solidFill>
                   <a:schemeClr val="dk1"/>
                 </a:solidFill>
@@ -9366,7 +9615,7 @@
                 <a:sym typeface="Calibri"/>
               </a:defRPr>
             </a:lvl6pPr>
-            <a:lvl7pPr lvl="6" marR="0" rtl="0" algn="l">
+            <a:lvl7pPr marR="0" lvl="6" algn="l" rtl="0">
               <a:lnSpc>
                 <a:spcPct val="90000"/>
               </a:lnSpc>
@@ -9382,7 +9631,7 @@
               <a:buSzPts val="2000"/>
               <a:buFont typeface="Arial"/>
               <a:buNone/>
-              <a:defRPr b="0" i="0" sz="2000" u="none" cap="none" strike="noStrike">
+              <a:defRPr sz="2000" b="0" i="0" u="none" strike="noStrike" cap="none">
                 <a:solidFill>
                   <a:schemeClr val="dk1"/>
                 </a:solidFill>
@@ -9392,7 +9641,7 @@
                 <a:sym typeface="Calibri"/>
               </a:defRPr>
             </a:lvl7pPr>
-            <a:lvl8pPr lvl="7" marR="0" rtl="0" algn="l">
+            <a:lvl8pPr marR="0" lvl="7" algn="l" rtl="0">
               <a:lnSpc>
                 <a:spcPct val="90000"/>
               </a:lnSpc>
@@ -9408,7 +9657,7 @@
               <a:buSzPts val="2000"/>
               <a:buFont typeface="Arial"/>
               <a:buNone/>
-              <a:defRPr b="0" i="0" sz="2000" u="none" cap="none" strike="noStrike">
+              <a:defRPr sz="2000" b="0" i="0" u="none" strike="noStrike" cap="none">
                 <a:solidFill>
                   <a:schemeClr val="dk1"/>
                 </a:solidFill>
@@ -9418,7 +9667,7 @@
                 <a:sym typeface="Calibri"/>
               </a:defRPr>
             </a:lvl8pPr>
-            <a:lvl9pPr lvl="8" marR="0" rtl="0" algn="l">
+            <a:lvl9pPr marR="0" lvl="8" algn="l" rtl="0">
               <a:lnSpc>
                 <a:spcPct val="90000"/>
               </a:lnSpc>
@@ -9434,7 +9683,7 @@
               <a:buSzPts val="2000"/>
               <a:buFont typeface="Arial"/>
               <a:buNone/>
-              <a:defRPr b="0" i="0" sz="2000" u="none" cap="none" strike="noStrike">
+              <a:defRPr sz="2000" b="0" i="0" u="none" strike="noStrike" cap="none">
                 <a:solidFill>
                   <a:schemeClr val="dk1"/>
                 </a:solidFill>
@@ -9445,15 +9694,19 @@
               </a:defRPr>
             </a:lvl9pPr>
           </a:lstStyle>
-          <a:p/>
+          <a:p>
+            <a:endParaRPr/>
+          </a:p>
         </p:txBody>
       </p:sp>
       <p:sp>
         <p:nvSpPr>
           <p:cNvPr id="64" name="Google Shape;64;p15"/>
-          <p:cNvSpPr txBox="1"/>
+          <p:cNvSpPr txBox="1">
+            <a:spLocks noGrp="1"/>
+          </p:cNvSpPr>
           <p:nvPr>
-            <p:ph idx="1" type="body"/>
+            <p:ph type="body" idx="1"/>
           </p:nvPr>
         </p:nvSpPr>
         <p:spPr>
@@ -9470,11 +9723,11 @@
           </a:ln>
         </p:spPr>
         <p:txBody>
-          <a:bodyPr anchorCtr="0" anchor="t" bIns="45700" lIns="91425" spcFirstLastPara="1" rIns="91425" wrap="square" tIns="45700">
+          <a:bodyPr spcFirstLastPara="1" wrap="square" lIns="91425" tIns="45700" rIns="91425" bIns="45700" anchor="t" anchorCtr="0">
             <a:normAutofit/>
           </a:bodyPr>
           <a:lstStyle>
-            <a:lvl1pPr indent="-228600" lvl="0" marL="457200" algn="l">
+            <a:lvl1pPr marL="457200" lvl="0" indent="-228600" algn="l">
               <a:lnSpc>
                 <a:spcPct val="90000"/>
               </a:lnSpc>
@@ -9491,7 +9744,7 @@
               <a:buNone/>
               <a:defRPr sz="1600"/>
             </a:lvl1pPr>
-            <a:lvl2pPr indent="-228600" lvl="1" marL="914400" algn="l">
+            <a:lvl2pPr marL="914400" lvl="1" indent="-228600" algn="l">
               <a:lnSpc>
                 <a:spcPct val="90000"/>
               </a:lnSpc>
@@ -9508,7 +9761,7 @@
               <a:buNone/>
               <a:defRPr sz="1400"/>
             </a:lvl2pPr>
-            <a:lvl3pPr indent="-228600" lvl="2" marL="1371600" algn="l">
+            <a:lvl3pPr marL="1371600" lvl="2" indent="-228600" algn="l">
               <a:lnSpc>
                 <a:spcPct val="90000"/>
               </a:lnSpc>
@@ -9525,7 +9778,7 @@
               <a:buNone/>
               <a:defRPr sz="1200"/>
             </a:lvl3pPr>
-            <a:lvl4pPr indent="-228600" lvl="3" marL="1828800" algn="l">
+            <a:lvl4pPr marL="1828800" lvl="3" indent="-228600" algn="l">
               <a:lnSpc>
                 <a:spcPct val="90000"/>
               </a:lnSpc>
@@ -9542,7 +9795,7 @@
               <a:buNone/>
               <a:defRPr sz="1000"/>
             </a:lvl4pPr>
-            <a:lvl5pPr indent="-228600" lvl="4" marL="2286000" algn="l">
+            <a:lvl5pPr marL="2286000" lvl="4" indent="-228600" algn="l">
               <a:lnSpc>
                 <a:spcPct val="90000"/>
               </a:lnSpc>
@@ -9559,7 +9812,7 @@
               <a:buNone/>
               <a:defRPr sz="1000"/>
             </a:lvl5pPr>
-            <a:lvl6pPr indent="-228600" lvl="5" marL="2743200" algn="l">
+            <a:lvl6pPr marL="2743200" lvl="5" indent="-228600" algn="l">
               <a:lnSpc>
                 <a:spcPct val="90000"/>
               </a:lnSpc>
@@ -9576,7 +9829,7 @@
               <a:buNone/>
               <a:defRPr sz="1000"/>
             </a:lvl6pPr>
-            <a:lvl7pPr indent="-228600" lvl="6" marL="3200400" algn="l">
+            <a:lvl7pPr marL="3200400" lvl="6" indent="-228600" algn="l">
               <a:lnSpc>
                 <a:spcPct val="90000"/>
               </a:lnSpc>
@@ -9593,7 +9846,7 @@
               <a:buNone/>
               <a:defRPr sz="1000"/>
             </a:lvl7pPr>
-            <a:lvl8pPr indent="-228600" lvl="7" marL="3657600" algn="l">
+            <a:lvl8pPr marL="3657600" lvl="7" indent="-228600" algn="l">
               <a:lnSpc>
                 <a:spcPct val="90000"/>
               </a:lnSpc>
@@ -9610,7 +9863,7 @@
               <a:buNone/>
               <a:defRPr sz="1000"/>
             </a:lvl8pPr>
-            <a:lvl9pPr indent="-228600" lvl="8" marL="4114800" algn="l">
+            <a:lvl9pPr marL="4114800" lvl="8" indent="-228600" algn="l">
               <a:lnSpc>
                 <a:spcPct val="90000"/>
               </a:lnSpc>
@@ -9628,15 +9881,19 @@
               <a:defRPr sz="1000"/>
             </a:lvl9pPr>
           </a:lstStyle>
-          <a:p/>
+          <a:p>
+            <a:endParaRPr/>
+          </a:p>
         </p:txBody>
       </p:sp>
       <p:sp>
         <p:nvSpPr>
           <p:cNvPr id="65" name="Google Shape;65;p15"/>
-          <p:cNvSpPr txBox="1"/>
+          <p:cNvSpPr txBox="1">
+            <a:spLocks noGrp="1"/>
+          </p:cNvSpPr>
           <p:nvPr>
-            <p:ph idx="10" type="dt"/>
+            <p:ph type="dt" idx="10"/>
           </p:nvPr>
         </p:nvSpPr>
         <p:spPr>
@@ -9653,7 +9910,7 @@
           </a:ln>
         </p:spPr>
         <p:txBody>
-          <a:bodyPr anchorCtr="0" anchor="ctr" bIns="45700" lIns="91425" spcFirstLastPara="1" rIns="91425" wrap="square" tIns="45700">
+          <a:bodyPr spcFirstLastPara="1" wrap="square" lIns="91425" tIns="45700" rIns="91425" bIns="45700" anchor="ctr" anchorCtr="0">
             <a:noAutofit/>
           </a:bodyPr>
           <a:lstStyle>
@@ -9757,15 +10014,19 @@
               <a:defRPr/>
             </a:lvl9pPr>
           </a:lstStyle>
-          <a:p/>
+          <a:p>
+            <a:endParaRPr/>
+          </a:p>
         </p:txBody>
       </p:sp>
       <p:sp>
         <p:nvSpPr>
           <p:cNvPr id="66" name="Google Shape;66;p15"/>
-          <p:cNvSpPr txBox="1"/>
+          <p:cNvSpPr txBox="1">
+            <a:spLocks noGrp="1"/>
+          </p:cNvSpPr>
           <p:nvPr>
-            <p:ph idx="11" type="ftr"/>
+            <p:ph type="ftr" idx="11"/>
           </p:nvPr>
         </p:nvSpPr>
         <p:spPr>
@@ -9782,7 +10043,7 @@
           </a:ln>
         </p:spPr>
         <p:txBody>
-          <a:bodyPr anchorCtr="0" anchor="ctr" bIns="45700" lIns="91425" spcFirstLastPara="1" rIns="91425" wrap="square" tIns="45700">
+          <a:bodyPr spcFirstLastPara="1" wrap="square" lIns="91425" tIns="45700" rIns="91425" bIns="45700" anchor="ctr" anchorCtr="0">
             <a:noAutofit/>
           </a:bodyPr>
           <a:lstStyle>
@@ -9886,15 +10147,19 @@
               <a:defRPr/>
             </a:lvl9pPr>
           </a:lstStyle>
-          <a:p/>
+          <a:p>
+            <a:endParaRPr/>
+          </a:p>
         </p:txBody>
       </p:sp>
       <p:sp>
         <p:nvSpPr>
           <p:cNvPr id="67" name="Google Shape;67;p15"/>
-          <p:cNvSpPr txBox="1"/>
+          <p:cNvSpPr txBox="1">
+            <a:spLocks noGrp="1"/>
+          </p:cNvSpPr>
           <p:nvPr>
-            <p:ph idx="12" type="sldNum"/>
+            <p:ph type="sldNum" idx="12"/>
           </p:nvPr>
         </p:nvSpPr>
         <p:spPr>
@@ -9911,67 +10176,67 @@
           </a:ln>
         </p:spPr>
         <p:txBody>
-          <a:bodyPr anchorCtr="0" anchor="ctr" bIns="45700" lIns="91425" spcFirstLastPara="1" rIns="91425" wrap="square" tIns="45700">
+          <a:bodyPr spcFirstLastPara="1" wrap="square" lIns="91425" tIns="45700" rIns="91425" bIns="45700" anchor="ctr" anchorCtr="0">
             <a:noAutofit/>
           </a:bodyPr>
           <a:lstStyle>
-            <a:lvl1pPr indent="0" lvl="0" marL="0" algn="r">
+            <a:lvl1pPr marL="0" lvl="0" indent="0" algn="r">
               <a:spcBef>
                 <a:spcPts val="0"/>
               </a:spcBef>
               <a:buNone/>
               <a:defRPr/>
             </a:lvl1pPr>
-            <a:lvl2pPr indent="0" lvl="1" marL="0" algn="r">
+            <a:lvl2pPr marL="0" lvl="1" indent="0" algn="r">
               <a:spcBef>
                 <a:spcPts val="0"/>
               </a:spcBef>
               <a:buNone/>
               <a:defRPr/>
             </a:lvl2pPr>
-            <a:lvl3pPr indent="0" lvl="2" marL="0" algn="r">
+            <a:lvl3pPr marL="0" lvl="2" indent="0" algn="r">
               <a:spcBef>
                 <a:spcPts val="0"/>
               </a:spcBef>
               <a:buNone/>
               <a:defRPr/>
             </a:lvl3pPr>
-            <a:lvl4pPr indent="0" lvl="3" marL="0" algn="r">
+            <a:lvl4pPr marL="0" lvl="3" indent="0" algn="r">
               <a:spcBef>
                 <a:spcPts val="0"/>
               </a:spcBef>
               <a:buNone/>
               <a:defRPr/>
             </a:lvl4pPr>
-            <a:lvl5pPr indent="0" lvl="4" marL="0" algn="r">
+            <a:lvl5pPr marL="0" lvl="4" indent="0" algn="r">
               <a:spcBef>
                 <a:spcPts val="0"/>
               </a:spcBef>
               <a:buNone/>
               <a:defRPr/>
             </a:lvl5pPr>
-            <a:lvl6pPr indent="0" lvl="5" marL="0" algn="r">
+            <a:lvl6pPr marL="0" lvl="5" indent="0" algn="r">
               <a:spcBef>
                 <a:spcPts val="0"/>
               </a:spcBef>
               <a:buNone/>
               <a:defRPr/>
             </a:lvl6pPr>
-            <a:lvl7pPr indent="0" lvl="6" marL="0" algn="r">
+            <a:lvl7pPr marL="0" lvl="6" indent="0" algn="r">
               <a:spcBef>
                 <a:spcPts val="0"/>
               </a:spcBef>
               <a:buNone/>
               <a:defRPr/>
             </a:lvl7pPr>
-            <a:lvl8pPr indent="0" lvl="7" marL="0" algn="r">
+            <a:lvl8pPr marL="0" lvl="7" indent="0" algn="r">
               <a:spcBef>
                 <a:spcPts val="0"/>
               </a:spcBef>
               <a:buNone/>
               <a:defRPr/>
             </a:lvl8pPr>
-            <a:lvl9pPr indent="0" lvl="8" marL="0" algn="r">
+            <a:lvl9pPr marL="0" lvl="8" indent="0" algn="r">
               <a:spcBef>
                 <a:spcPts val="0"/>
               </a:spcBef>
@@ -9980,7 +10245,7 @@
             </a:lvl9pPr>
           </a:lstStyle>
           <a:p>
-            <a:pPr indent="0" lvl="0" marL="0" rtl="0" algn="r">
+            <a:pPr marL="0" lvl="0" indent="0" algn="r" rtl="0">
               <a:spcBef>
                 <a:spcPts val="0"/>
               </a:spcBef>
@@ -10006,18 +10271,19 @@
 </file>
 
 <file path=ppt/slideMasters/slideMaster1.xml><?xml version="1.0" encoding="utf-8"?>
-<p:sldMaster xmlns:a="http://schemas.openxmlformats.org/drawingml/2006/main" xmlns:r="http://schemas.openxmlformats.org/officeDocument/2006/relationships" xmlns:mc="http://schemas.openxmlformats.org/markup-compatibility/2006" xmlns:mv="urn:schemas-microsoft-com:mac:vml" xmlns:p="http://schemas.openxmlformats.org/presentationml/2006/main" xmlns:c="http://schemas.openxmlformats.org/drawingml/2006/chart" xmlns:dgm="http://schemas.openxmlformats.org/drawingml/2006/diagram" xmlns:o="urn:schemas-microsoft-com:office:office" xmlns:v="urn:schemas-microsoft-com:vml" xmlns:pvml="urn:schemas-microsoft-com:office:powerpoint" xmlns:com="http://schemas.openxmlformats.org/drawingml/2006/compatibility" xmlns:p14="http://schemas.microsoft.com/office/powerpoint/2010/main" xmlns:p15="http://schemas.microsoft.com/office/powerpoint/2012/main" xmlns:ahyp="http://schemas.microsoft.com/office/drawing/2018/hyperlinkcolor">
+<p:sldMaster xmlns:a="http://schemas.openxmlformats.org/drawingml/2006/main" xmlns:r="http://schemas.openxmlformats.org/officeDocument/2006/relationships" xmlns:p="http://schemas.openxmlformats.org/presentationml/2006/main">
   <p:cSld>
     <p:bg>
       <p:bgPr>
         <a:solidFill>
           <a:schemeClr val="lt1"/>
         </a:solidFill>
+        <a:effectLst/>
       </p:bgPr>
     </p:bg>
     <p:spTree>
       <p:nvGrpSpPr>
-        <p:cNvPr id="5" name="Shape 5"/>
+        <p:cNvPr id="1" name="Shape 5"/>
         <p:cNvGrpSpPr/>
         <p:nvPr/>
       </p:nvGrpSpPr>
@@ -10032,7 +10298,9 @@
       <p:sp>
         <p:nvSpPr>
           <p:cNvPr id="6" name="Google Shape;6;p6"/>
-          <p:cNvSpPr txBox="1"/>
+          <p:cNvSpPr txBox="1">
+            <a:spLocks noGrp="1"/>
+          </p:cNvSpPr>
           <p:nvPr>
             <p:ph type="title"/>
           </p:nvPr>
@@ -10051,11 +10319,11 @@
           </a:ln>
         </p:spPr>
         <p:txBody>
-          <a:bodyPr anchorCtr="0" anchor="ctr" bIns="45700" lIns="91425" spcFirstLastPara="1" rIns="91425" wrap="square" tIns="45700">
+          <a:bodyPr spcFirstLastPara="1" wrap="square" lIns="91425" tIns="45700" rIns="91425" bIns="45700" anchor="ctr" anchorCtr="0">
             <a:normAutofit/>
           </a:bodyPr>
           <a:lstStyle>
-            <a:lvl1pPr lvl="0" marR="0" rtl="0" algn="l">
+            <a:lvl1pPr marR="0" lvl="0" algn="l" rtl="0">
               <a:lnSpc>
                 <a:spcPct val="90000"/>
               </a:lnSpc>
@@ -10071,7 +10339,7 @@
               <a:buSzPts val="4400"/>
               <a:buFont typeface="Calibri"/>
               <a:buNone/>
-              <a:defRPr b="0" i="0" sz="4400" u="none" cap="none" strike="noStrike">
+              <a:defRPr sz="4400" b="0" i="0" u="none" strike="noStrike" cap="none">
                 <a:solidFill>
                   <a:schemeClr val="dk1"/>
                 </a:solidFill>
@@ -10170,15 +10438,19 @@
               <a:defRPr sz="1800"/>
             </a:lvl9pPr>
           </a:lstStyle>
-          <a:p/>
+          <a:p>
+            <a:endParaRPr/>
+          </a:p>
         </p:txBody>
       </p:sp>
       <p:sp>
         <p:nvSpPr>
           <p:cNvPr id="7" name="Google Shape;7;p6"/>
-          <p:cNvSpPr txBox="1"/>
+          <p:cNvSpPr txBox="1">
+            <a:spLocks noGrp="1"/>
+          </p:cNvSpPr>
           <p:nvPr>
-            <p:ph idx="1" type="body"/>
+            <p:ph type="body" idx="1"/>
           </p:nvPr>
         </p:nvSpPr>
         <p:spPr>
@@ -10195,11 +10467,11 @@
           </a:ln>
         </p:spPr>
         <p:txBody>
-          <a:bodyPr anchorCtr="0" anchor="t" bIns="45700" lIns="91425" spcFirstLastPara="1" rIns="91425" wrap="square" tIns="45700">
+          <a:bodyPr spcFirstLastPara="1" wrap="square" lIns="91425" tIns="45700" rIns="91425" bIns="45700" anchor="t" anchorCtr="0">
             <a:normAutofit/>
           </a:bodyPr>
           <a:lstStyle>
-            <a:lvl1pPr indent="-406400" lvl="0" marL="457200" marR="0" rtl="0" algn="l">
+            <a:lvl1pPr marL="457200" marR="0" lvl="0" indent="-406400" algn="l" rtl="0">
               <a:lnSpc>
                 <a:spcPct val="90000"/>
               </a:lnSpc>
@@ -10215,7 +10487,7 @@
               <a:buSzPts val="2800"/>
               <a:buFont typeface="Arial"/>
               <a:buChar char="•"/>
-              <a:defRPr b="0" i="0" sz="2800" u="none" cap="none" strike="noStrike">
+              <a:defRPr sz="2800" b="0" i="0" u="none" strike="noStrike" cap="none">
                 <a:solidFill>
                   <a:schemeClr val="dk1"/>
                 </a:solidFill>
@@ -10225,7 +10497,7 @@
                 <a:sym typeface="Calibri"/>
               </a:defRPr>
             </a:lvl1pPr>
-            <a:lvl2pPr indent="-381000" lvl="1" marL="914400" marR="0" rtl="0" algn="l">
+            <a:lvl2pPr marL="914400" marR="0" lvl="1" indent="-381000" algn="l" rtl="0">
               <a:lnSpc>
                 <a:spcPct val="90000"/>
               </a:lnSpc>
@@ -10241,7 +10513,7 @@
               <a:buSzPts val="2400"/>
               <a:buFont typeface="Arial"/>
               <a:buChar char="•"/>
-              <a:defRPr b="0" i="0" sz="2400" u="none" cap="none" strike="noStrike">
+              <a:defRPr sz="2400" b="0" i="0" u="none" strike="noStrike" cap="none">
                 <a:solidFill>
                   <a:schemeClr val="dk1"/>
                 </a:solidFill>
@@ -10251,7 +10523,7 @@
                 <a:sym typeface="Calibri"/>
               </a:defRPr>
             </a:lvl2pPr>
-            <a:lvl3pPr indent="-355600" lvl="2" marL="1371600" marR="0" rtl="0" algn="l">
+            <a:lvl3pPr marL="1371600" marR="0" lvl="2" indent="-355600" algn="l" rtl="0">
               <a:lnSpc>
                 <a:spcPct val="90000"/>
               </a:lnSpc>
@@ -10267,7 +10539,7 @@
               <a:buSzPts val="2000"/>
               <a:buFont typeface="Arial"/>
               <a:buChar char="•"/>
-              <a:defRPr b="0" i="0" sz="2000" u="none" cap="none" strike="noStrike">
+              <a:defRPr sz="2000" b="0" i="0" u="none" strike="noStrike" cap="none">
                 <a:solidFill>
                   <a:schemeClr val="dk1"/>
                 </a:solidFill>
@@ -10277,7 +10549,7 @@
                 <a:sym typeface="Calibri"/>
               </a:defRPr>
             </a:lvl3pPr>
-            <a:lvl4pPr indent="-342900" lvl="3" marL="1828800" marR="0" rtl="0" algn="l">
+            <a:lvl4pPr marL="1828800" marR="0" lvl="3" indent="-342900" algn="l" rtl="0">
               <a:lnSpc>
                 <a:spcPct val="90000"/>
               </a:lnSpc>
@@ -10293,7 +10565,7 @@
               <a:buSzPts val="1800"/>
               <a:buFont typeface="Arial"/>
               <a:buChar char="•"/>
-              <a:defRPr b="0" i="0" sz="1800" u="none" cap="none" strike="noStrike">
+              <a:defRPr sz="1800" b="0" i="0" u="none" strike="noStrike" cap="none">
                 <a:solidFill>
                   <a:schemeClr val="dk1"/>
                 </a:solidFill>
@@ -10303,7 +10575,7 @@
                 <a:sym typeface="Calibri"/>
               </a:defRPr>
             </a:lvl4pPr>
-            <a:lvl5pPr indent="-342900" lvl="4" marL="2286000" marR="0" rtl="0" algn="l">
+            <a:lvl5pPr marL="2286000" marR="0" lvl="4" indent="-342900" algn="l" rtl="0">
               <a:lnSpc>
                 <a:spcPct val="90000"/>
               </a:lnSpc>
@@ -10319,7 +10591,7 @@
               <a:buSzPts val="1800"/>
               <a:buFont typeface="Arial"/>
               <a:buChar char="•"/>
-              <a:defRPr b="0" i="0" sz="1800" u="none" cap="none" strike="noStrike">
+              <a:defRPr sz="1800" b="0" i="0" u="none" strike="noStrike" cap="none">
                 <a:solidFill>
                   <a:schemeClr val="dk1"/>
                 </a:solidFill>
@@ -10329,7 +10601,7 @@
                 <a:sym typeface="Calibri"/>
               </a:defRPr>
             </a:lvl5pPr>
-            <a:lvl6pPr indent="-342900" lvl="5" marL="2743200" marR="0" rtl="0" algn="l">
+            <a:lvl6pPr marL="2743200" marR="0" lvl="5" indent="-342900" algn="l" rtl="0">
               <a:lnSpc>
                 <a:spcPct val="90000"/>
               </a:lnSpc>
@@ -10345,7 +10617,7 @@
               <a:buSzPts val="1800"/>
               <a:buFont typeface="Arial"/>
               <a:buChar char="•"/>
-              <a:defRPr b="0" i="0" sz="1800" u="none" cap="none" strike="noStrike">
+              <a:defRPr sz="1800" b="0" i="0" u="none" strike="noStrike" cap="none">
                 <a:solidFill>
                   <a:schemeClr val="dk1"/>
                 </a:solidFill>
@@ -10355,7 +10627,7 @@
                 <a:sym typeface="Calibri"/>
               </a:defRPr>
             </a:lvl6pPr>
-            <a:lvl7pPr indent="-342900" lvl="6" marL="3200400" marR="0" rtl="0" algn="l">
+            <a:lvl7pPr marL="3200400" marR="0" lvl="6" indent="-342900" algn="l" rtl="0">
               <a:lnSpc>
                 <a:spcPct val="90000"/>
               </a:lnSpc>
@@ -10371,7 +10643,7 @@
               <a:buSzPts val="1800"/>
               <a:buFont typeface="Arial"/>
               <a:buChar char="•"/>
-              <a:defRPr b="0" i="0" sz="1800" u="none" cap="none" strike="noStrike">
+              <a:defRPr sz="1800" b="0" i="0" u="none" strike="noStrike" cap="none">
                 <a:solidFill>
                   <a:schemeClr val="dk1"/>
                 </a:solidFill>
@@ -10381,7 +10653,7 @@
                 <a:sym typeface="Calibri"/>
               </a:defRPr>
             </a:lvl7pPr>
-            <a:lvl8pPr indent="-342900" lvl="7" marL="3657600" marR="0" rtl="0" algn="l">
+            <a:lvl8pPr marL="3657600" marR="0" lvl="7" indent="-342900" algn="l" rtl="0">
               <a:lnSpc>
                 <a:spcPct val="90000"/>
               </a:lnSpc>
@@ -10397,7 +10669,7 @@
               <a:buSzPts val="1800"/>
               <a:buFont typeface="Arial"/>
               <a:buChar char="•"/>
-              <a:defRPr b="0" i="0" sz="1800" u="none" cap="none" strike="noStrike">
+              <a:defRPr sz="1800" b="0" i="0" u="none" strike="noStrike" cap="none">
                 <a:solidFill>
                   <a:schemeClr val="dk1"/>
                 </a:solidFill>
@@ -10407,7 +10679,7 @@
                 <a:sym typeface="Calibri"/>
               </a:defRPr>
             </a:lvl8pPr>
-            <a:lvl9pPr indent="-342900" lvl="8" marL="4114800" marR="0" rtl="0" algn="l">
+            <a:lvl9pPr marL="4114800" marR="0" lvl="8" indent="-342900" algn="l" rtl="0">
               <a:lnSpc>
                 <a:spcPct val="90000"/>
               </a:lnSpc>
@@ -10423,7 +10695,7 @@
               <a:buSzPts val="1800"/>
               <a:buFont typeface="Arial"/>
               <a:buChar char="•"/>
-              <a:defRPr b="0" i="0" sz="1800" u="none" cap="none" strike="noStrike">
+              <a:defRPr sz="1800" b="0" i="0" u="none" strike="noStrike" cap="none">
                 <a:solidFill>
                   <a:schemeClr val="dk1"/>
                 </a:solidFill>
@@ -10434,15 +10706,19 @@
               </a:defRPr>
             </a:lvl9pPr>
           </a:lstStyle>
-          <a:p/>
+          <a:p>
+            <a:endParaRPr/>
+          </a:p>
         </p:txBody>
       </p:sp>
       <p:sp>
         <p:nvSpPr>
           <p:cNvPr id="8" name="Google Shape;8;p6"/>
-          <p:cNvSpPr txBox="1"/>
+          <p:cNvSpPr txBox="1">
+            <a:spLocks noGrp="1"/>
+          </p:cNvSpPr>
           <p:nvPr>
-            <p:ph idx="10" type="dt"/>
+            <p:ph type="dt" idx="10"/>
           </p:nvPr>
         </p:nvSpPr>
         <p:spPr>
@@ -10459,20 +10735,20 @@
           </a:ln>
         </p:spPr>
         <p:txBody>
-          <a:bodyPr anchorCtr="0" anchor="ctr" bIns="45700" lIns="91425" spcFirstLastPara="1" rIns="91425" wrap="square" tIns="45700">
+          <a:bodyPr spcFirstLastPara="1" wrap="square" lIns="91425" tIns="45700" rIns="91425" bIns="45700" anchor="ctr" anchorCtr="0">
             <a:noAutofit/>
           </a:bodyPr>
           <a:lstStyle>
-            <a:lvl1pPr lvl="0" marR="0" rtl="0" algn="l">
-              <a:spcBef>
-                <a:spcPts val="0"/>
-              </a:spcBef>
-              <a:spcAft>
-                <a:spcPts val="0"/>
-              </a:spcAft>
-              <a:buSzPts val="1400"/>
-              <a:buNone/>
-              <a:defRPr b="0" i="0" sz="1200" u="none" cap="none" strike="noStrike">
+            <a:lvl1pPr marR="0" lvl="0" algn="l" rtl="0">
+              <a:spcBef>
+                <a:spcPts val="0"/>
+              </a:spcBef>
+              <a:spcAft>
+                <a:spcPts val="0"/>
+              </a:spcAft>
+              <a:buSzPts val="1400"/>
+              <a:buNone/>
+              <a:defRPr sz="1200" b="0" i="0" u="none" strike="noStrike" cap="none">
                 <a:solidFill>
                   <a:srgbClr val="888888"/>
                 </a:solidFill>
@@ -10482,16 +10758,16 @@
                 <a:sym typeface="Calibri"/>
               </a:defRPr>
             </a:lvl1pPr>
-            <a:lvl2pPr lvl="1" marR="0" rtl="0" algn="l">
-              <a:spcBef>
-                <a:spcPts val="0"/>
-              </a:spcBef>
-              <a:spcAft>
-                <a:spcPts val="0"/>
-              </a:spcAft>
-              <a:buSzPts val="1400"/>
-              <a:buNone/>
-              <a:defRPr b="0" i="0" sz="1800" u="none" cap="none" strike="noStrike">
+            <a:lvl2pPr marR="0" lvl="1" algn="l" rtl="0">
+              <a:spcBef>
+                <a:spcPts val="0"/>
+              </a:spcBef>
+              <a:spcAft>
+                <a:spcPts val="0"/>
+              </a:spcAft>
+              <a:buSzPts val="1400"/>
+              <a:buNone/>
+              <a:defRPr sz="1800" b="0" i="0" u="none" strike="noStrike" cap="none">
                 <a:solidFill>
                   <a:schemeClr val="dk1"/>
                 </a:solidFill>
@@ -10501,16 +10777,16 @@
                 <a:sym typeface="Calibri"/>
               </a:defRPr>
             </a:lvl2pPr>
-            <a:lvl3pPr lvl="2" marR="0" rtl="0" algn="l">
-              <a:spcBef>
-                <a:spcPts val="0"/>
-              </a:spcBef>
-              <a:spcAft>
-                <a:spcPts val="0"/>
-              </a:spcAft>
-              <a:buSzPts val="1400"/>
-              <a:buNone/>
-              <a:defRPr b="0" i="0" sz="1800" u="none" cap="none" strike="noStrike">
+            <a:lvl3pPr marR="0" lvl="2" algn="l" rtl="0">
+              <a:spcBef>
+                <a:spcPts val="0"/>
+              </a:spcBef>
+              <a:spcAft>
+                <a:spcPts val="0"/>
+              </a:spcAft>
+              <a:buSzPts val="1400"/>
+              <a:buNone/>
+              <a:defRPr sz="1800" b="0" i="0" u="none" strike="noStrike" cap="none">
                 <a:solidFill>
                   <a:schemeClr val="dk1"/>
                 </a:solidFill>
@@ -10520,16 +10796,16 @@
                 <a:sym typeface="Calibri"/>
               </a:defRPr>
             </a:lvl3pPr>
-            <a:lvl4pPr lvl="3" marR="0" rtl="0" algn="l">
-              <a:spcBef>
-                <a:spcPts val="0"/>
-              </a:spcBef>
-              <a:spcAft>
-                <a:spcPts val="0"/>
-              </a:spcAft>
-              <a:buSzPts val="1400"/>
-              <a:buNone/>
-              <a:defRPr b="0" i="0" sz="1800" u="none" cap="none" strike="noStrike">
+            <a:lvl4pPr marR="0" lvl="3" algn="l" rtl="0">
+              <a:spcBef>
+                <a:spcPts val="0"/>
+              </a:spcBef>
+              <a:spcAft>
+                <a:spcPts val="0"/>
+              </a:spcAft>
+              <a:buSzPts val="1400"/>
+              <a:buNone/>
+              <a:defRPr sz="1800" b="0" i="0" u="none" strike="noStrike" cap="none">
                 <a:solidFill>
                   <a:schemeClr val="dk1"/>
                 </a:solidFill>
@@ -10539,16 +10815,16 @@
                 <a:sym typeface="Calibri"/>
               </a:defRPr>
             </a:lvl4pPr>
-            <a:lvl5pPr lvl="4" marR="0" rtl="0" algn="l">
-              <a:spcBef>
-                <a:spcPts val="0"/>
-              </a:spcBef>
-              <a:spcAft>
-                <a:spcPts val="0"/>
-              </a:spcAft>
-              <a:buSzPts val="1400"/>
-              <a:buNone/>
-              <a:defRPr b="0" i="0" sz="1800" u="none" cap="none" strike="noStrike">
+            <a:lvl5pPr marR="0" lvl="4" algn="l" rtl="0">
+              <a:spcBef>
+                <a:spcPts val="0"/>
+              </a:spcBef>
+              <a:spcAft>
+                <a:spcPts val="0"/>
+              </a:spcAft>
+              <a:buSzPts val="1400"/>
+              <a:buNone/>
+              <a:defRPr sz="1800" b="0" i="0" u="none" strike="noStrike" cap="none">
                 <a:solidFill>
                   <a:schemeClr val="dk1"/>
                 </a:solidFill>
@@ -10558,16 +10834,16 @@
                 <a:sym typeface="Calibri"/>
               </a:defRPr>
             </a:lvl5pPr>
-            <a:lvl6pPr lvl="5" marR="0" rtl="0" algn="l">
-              <a:spcBef>
-                <a:spcPts val="0"/>
-              </a:spcBef>
-              <a:spcAft>
-                <a:spcPts val="0"/>
-              </a:spcAft>
-              <a:buSzPts val="1400"/>
-              <a:buNone/>
-              <a:defRPr b="0" i="0" sz="1800" u="none" cap="none" strike="noStrike">
+            <a:lvl6pPr marR="0" lvl="5" algn="l" rtl="0">
+              <a:spcBef>
+                <a:spcPts val="0"/>
+              </a:spcBef>
+              <a:spcAft>
+                <a:spcPts val="0"/>
+              </a:spcAft>
+              <a:buSzPts val="1400"/>
+              <a:buNone/>
+              <a:defRPr sz="1800" b="0" i="0" u="none" strike="noStrike" cap="none">
                 <a:solidFill>
                   <a:schemeClr val="dk1"/>
                 </a:solidFill>
@@ -10577,16 +10853,16 @@
                 <a:sym typeface="Calibri"/>
               </a:defRPr>
             </a:lvl6pPr>
-            <a:lvl7pPr lvl="6" marR="0" rtl="0" algn="l">
-              <a:spcBef>
-                <a:spcPts val="0"/>
-              </a:spcBef>
-              <a:spcAft>
-                <a:spcPts val="0"/>
-              </a:spcAft>
-              <a:buSzPts val="1400"/>
-              <a:buNone/>
-              <a:defRPr b="0" i="0" sz="1800" u="none" cap="none" strike="noStrike">
+            <a:lvl7pPr marR="0" lvl="6" algn="l" rtl="0">
+              <a:spcBef>
+                <a:spcPts val="0"/>
+              </a:spcBef>
+              <a:spcAft>
+                <a:spcPts val="0"/>
+              </a:spcAft>
+              <a:buSzPts val="1400"/>
+              <a:buNone/>
+              <a:defRPr sz="1800" b="0" i="0" u="none" strike="noStrike" cap="none">
                 <a:solidFill>
                   <a:schemeClr val="dk1"/>
                 </a:solidFill>
@@ -10596,16 +10872,16 @@
                 <a:sym typeface="Calibri"/>
               </a:defRPr>
             </a:lvl7pPr>
-            <a:lvl8pPr lvl="7" marR="0" rtl="0" algn="l">
-              <a:spcBef>
-                <a:spcPts val="0"/>
-              </a:spcBef>
-              <a:spcAft>
-                <a:spcPts val="0"/>
-              </a:spcAft>
-              <a:buSzPts val="1400"/>
-              <a:buNone/>
-              <a:defRPr b="0" i="0" sz="1800" u="none" cap="none" strike="noStrike">
+            <a:lvl8pPr marR="0" lvl="7" algn="l" rtl="0">
+              <a:spcBef>
+                <a:spcPts val="0"/>
+              </a:spcBef>
+              <a:spcAft>
+                <a:spcPts val="0"/>
+              </a:spcAft>
+              <a:buSzPts val="1400"/>
+              <a:buNone/>
+              <a:defRPr sz="1800" b="0" i="0" u="none" strike="noStrike" cap="none">
                 <a:solidFill>
                   <a:schemeClr val="dk1"/>
                 </a:solidFill>
@@ -10615,16 +10891,16 @@
                 <a:sym typeface="Calibri"/>
               </a:defRPr>
             </a:lvl8pPr>
-            <a:lvl9pPr lvl="8" marR="0" rtl="0" algn="l">
-              <a:spcBef>
-                <a:spcPts val="0"/>
-              </a:spcBef>
-              <a:spcAft>
-                <a:spcPts val="0"/>
-              </a:spcAft>
-              <a:buSzPts val="1400"/>
-              <a:buNone/>
-              <a:defRPr b="0" i="0" sz="1800" u="none" cap="none" strike="noStrike">
+            <a:lvl9pPr marR="0" lvl="8" algn="l" rtl="0">
+              <a:spcBef>
+                <a:spcPts val="0"/>
+              </a:spcBef>
+              <a:spcAft>
+                <a:spcPts val="0"/>
+              </a:spcAft>
+              <a:buSzPts val="1400"/>
+              <a:buNone/>
+              <a:defRPr sz="1800" b="0" i="0" u="none" strike="noStrike" cap="none">
                 <a:solidFill>
                   <a:schemeClr val="dk1"/>
                 </a:solidFill>
@@ -10635,15 +10911,19 @@
               </a:defRPr>
             </a:lvl9pPr>
           </a:lstStyle>
-          <a:p/>
+          <a:p>
+            <a:endParaRPr/>
+          </a:p>
         </p:txBody>
       </p:sp>
       <p:sp>
         <p:nvSpPr>
           <p:cNvPr id="9" name="Google Shape;9;p6"/>
-          <p:cNvSpPr txBox="1"/>
+          <p:cNvSpPr txBox="1">
+            <a:spLocks noGrp="1"/>
+          </p:cNvSpPr>
           <p:nvPr>
-            <p:ph idx="11" type="ftr"/>
+            <p:ph type="ftr" idx="11"/>
           </p:nvPr>
         </p:nvSpPr>
         <p:spPr>
@@ -10660,20 +10940,20 @@
           </a:ln>
         </p:spPr>
         <p:txBody>
-          <a:bodyPr anchorCtr="0" anchor="ctr" bIns="45700" lIns="91425" spcFirstLastPara="1" rIns="91425" wrap="square" tIns="45700">
+          <a:bodyPr spcFirstLastPara="1" wrap="square" lIns="91425" tIns="45700" rIns="91425" bIns="45700" anchor="ctr" anchorCtr="0">
             <a:noAutofit/>
           </a:bodyPr>
           <a:lstStyle>
-            <a:lvl1pPr lvl="0" marR="0" rtl="0" algn="ctr">
-              <a:spcBef>
-                <a:spcPts val="0"/>
-              </a:spcBef>
-              <a:spcAft>
-                <a:spcPts val="0"/>
-              </a:spcAft>
-              <a:buSzPts val="1400"/>
-              <a:buNone/>
-              <a:defRPr b="0" i="0" sz="1200" u="none" cap="none" strike="noStrike">
+            <a:lvl1pPr marR="0" lvl="0" algn="ctr" rtl="0">
+              <a:spcBef>
+                <a:spcPts val="0"/>
+              </a:spcBef>
+              <a:spcAft>
+                <a:spcPts val="0"/>
+              </a:spcAft>
+              <a:buSzPts val="1400"/>
+              <a:buNone/>
+              <a:defRPr sz="1200" b="0" i="0" u="none" strike="noStrike" cap="none">
                 <a:solidFill>
                   <a:srgbClr val="888888"/>
                 </a:solidFill>
@@ -10683,16 +10963,16 @@
                 <a:sym typeface="Calibri"/>
               </a:defRPr>
             </a:lvl1pPr>
-            <a:lvl2pPr lvl="1" marR="0" rtl="0" algn="l">
-              <a:spcBef>
-                <a:spcPts val="0"/>
-              </a:spcBef>
-              <a:spcAft>
-                <a:spcPts val="0"/>
-              </a:spcAft>
-              <a:buSzPts val="1400"/>
-              <a:buNone/>
-              <a:defRPr b="0" i="0" sz="1800" u="none" cap="none" strike="noStrike">
+            <a:lvl2pPr marR="0" lvl="1" algn="l" rtl="0">
+              <a:spcBef>
+                <a:spcPts val="0"/>
+              </a:spcBef>
+              <a:spcAft>
+                <a:spcPts val="0"/>
+              </a:spcAft>
+              <a:buSzPts val="1400"/>
+              <a:buNone/>
+              <a:defRPr sz="1800" b="0" i="0" u="none" strike="noStrike" cap="none">
                 <a:solidFill>
                   <a:schemeClr val="dk1"/>
                 </a:solidFill>
@@ -10702,16 +10982,16 @@
                 <a:sym typeface="Calibri"/>
               </a:defRPr>
             </a:lvl2pPr>
-            <a:lvl3pPr lvl="2" marR="0" rtl="0" algn="l">
-              <a:spcBef>
-                <a:spcPts val="0"/>
-              </a:spcBef>
-              <a:spcAft>
-                <a:spcPts val="0"/>
-              </a:spcAft>
-              <a:buSzPts val="1400"/>
-              <a:buNone/>
-              <a:defRPr b="0" i="0" sz="1800" u="none" cap="none" strike="noStrike">
+            <a:lvl3pPr marR="0" lvl="2" algn="l" rtl="0">
+              <a:spcBef>
+                <a:spcPts val="0"/>
+              </a:spcBef>
+              <a:spcAft>
+                <a:spcPts val="0"/>
+              </a:spcAft>
+              <a:buSzPts val="1400"/>
+              <a:buNone/>
+              <a:defRPr sz="1800" b="0" i="0" u="none" strike="noStrike" cap="none">
                 <a:solidFill>
                   <a:schemeClr val="dk1"/>
                 </a:solidFill>
@@ -10721,16 +11001,16 @@
                 <a:sym typeface="Calibri"/>
               </a:defRPr>
             </a:lvl3pPr>
-            <a:lvl4pPr lvl="3" marR="0" rtl="0" algn="l">
-              <a:spcBef>
-                <a:spcPts val="0"/>
-              </a:spcBef>
-              <a:spcAft>
-                <a:spcPts val="0"/>
-              </a:spcAft>
-              <a:buSzPts val="1400"/>
-              <a:buNone/>
-              <a:defRPr b="0" i="0" sz="1800" u="none" cap="none" strike="noStrike">
+            <a:lvl4pPr marR="0" lvl="3" algn="l" rtl="0">
+              <a:spcBef>
+                <a:spcPts val="0"/>
+              </a:spcBef>
+              <a:spcAft>
+                <a:spcPts val="0"/>
+              </a:spcAft>
+              <a:buSzPts val="1400"/>
+              <a:buNone/>
+              <a:defRPr sz="1800" b="0" i="0" u="none" strike="noStrike" cap="none">
                 <a:solidFill>
                   <a:schemeClr val="dk1"/>
                 </a:solidFill>
@@ -10740,16 +11020,16 @@
                 <a:sym typeface="Calibri"/>
               </a:defRPr>
             </a:lvl4pPr>
-            <a:lvl5pPr lvl="4" marR="0" rtl="0" algn="l">
-              <a:spcBef>
-                <a:spcPts val="0"/>
-              </a:spcBef>
-              <a:spcAft>
-                <a:spcPts val="0"/>
-              </a:spcAft>
-              <a:buSzPts val="1400"/>
-              <a:buNone/>
-              <a:defRPr b="0" i="0" sz="1800" u="none" cap="none" strike="noStrike">
+            <a:lvl5pPr marR="0" lvl="4" algn="l" rtl="0">
+              <a:spcBef>
+                <a:spcPts val="0"/>
+              </a:spcBef>
+              <a:spcAft>
+                <a:spcPts val="0"/>
+              </a:spcAft>
+              <a:buSzPts val="1400"/>
+              <a:buNone/>
+              <a:defRPr sz="1800" b="0" i="0" u="none" strike="noStrike" cap="none">
                 <a:solidFill>
                   <a:schemeClr val="dk1"/>
                 </a:solidFill>
@@ -10759,16 +11039,16 @@
                 <a:sym typeface="Calibri"/>
               </a:defRPr>
             </a:lvl5pPr>
-            <a:lvl6pPr lvl="5" marR="0" rtl="0" algn="l">
-              <a:spcBef>
-                <a:spcPts val="0"/>
-              </a:spcBef>
-              <a:spcAft>
-                <a:spcPts val="0"/>
-              </a:spcAft>
-              <a:buSzPts val="1400"/>
-              <a:buNone/>
-              <a:defRPr b="0" i="0" sz="1800" u="none" cap="none" strike="noStrike">
+            <a:lvl6pPr marR="0" lvl="5" algn="l" rtl="0">
+              <a:spcBef>
+                <a:spcPts val="0"/>
+              </a:spcBef>
+              <a:spcAft>
+                <a:spcPts val="0"/>
+              </a:spcAft>
+              <a:buSzPts val="1400"/>
+              <a:buNone/>
+              <a:defRPr sz="1800" b="0" i="0" u="none" strike="noStrike" cap="none">
                 <a:solidFill>
                   <a:schemeClr val="dk1"/>
                 </a:solidFill>
@@ -10778,16 +11058,16 @@
                 <a:sym typeface="Calibri"/>
               </a:defRPr>
             </a:lvl6pPr>
-            <a:lvl7pPr lvl="6" marR="0" rtl="0" algn="l">
-              <a:spcBef>
-                <a:spcPts val="0"/>
-              </a:spcBef>
-              <a:spcAft>
-                <a:spcPts val="0"/>
-              </a:spcAft>
-              <a:buSzPts val="1400"/>
-              <a:buNone/>
-              <a:defRPr b="0" i="0" sz="1800" u="none" cap="none" strike="noStrike">
+            <a:lvl7pPr marR="0" lvl="6" algn="l" rtl="0">
+              <a:spcBef>
+                <a:spcPts val="0"/>
+              </a:spcBef>
+              <a:spcAft>
+                <a:spcPts val="0"/>
+              </a:spcAft>
+              <a:buSzPts val="1400"/>
+              <a:buNone/>
+              <a:defRPr sz="1800" b="0" i="0" u="none" strike="noStrike" cap="none">
                 <a:solidFill>
                   <a:schemeClr val="dk1"/>
                 </a:solidFill>
@@ -10797,16 +11077,16 @@
                 <a:sym typeface="Calibri"/>
               </a:defRPr>
             </a:lvl7pPr>
-            <a:lvl8pPr lvl="7" marR="0" rtl="0" algn="l">
-              <a:spcBef>
-                <a:spcPts val="0"/>
-              </a:spcBef>
-              <a:spcAft>
-                <a:spcPts val="0"/>
-              </a:spcAft>
-              <a:buSzPts val="1400"/>
-              <a:buNone/>
-              <a:defRPr b="0" i="0" sz="1800" u="none" cap="none" strike="noStrike">
+            <a:lvl8pPr marR="0" lvl="7" algn="l" rtl="0">
+              <a:spcBef>
+                <a:spcPts val="0"/>
+              </a:spcBef>
+              <a:spcAft>
+                <a:spcPts val="0"/>
+              </a:spcAft>
+              <a:buSzPts val="1400"/>
+              <a:buNone/>
+              <a:defRPr sz="1800" b="0" i="0" u="none" strike="noStrike" cap="none">
                 <a:solidFill>
                   <a:schemeClr val="dk1"/>
                 </a:solidFill>
@@ -10816,16 +11096,16 @@
                 <a:sym typeface="Calibri"/>
               </a:defRPr>
             </a:lvl8pPr>
-            <a:lvl9pPr lvl="8" marR="0" rtl="0" algn="l">
-              <a:spcBef>
-                <a:spcPts val="0"/>
-              </a:spcBef>
-              <a:spcAft>
-                <a:spcPts val="0"/>
-              </a:spcAft>
-              <a:buSzPts val="1400"/>
-              <a:buNone/>
-              <a:defRPr b="0" i="0" sz="1800" u="none" cap="none" strike="noStrike">
+            <a:lvl9pPr marR="0" lvl="8" algn="l" rtl="0">
+              <a:spcBef>
+                <a:spcPts val="0"/>
+              </a:spcBef>
+              <a:spcAft>
+                <a:spcPts val="0"/>
+              </a:spcAft>
+              <a:buSzPts val="1400"/>
+              <a:buNone/>
+              <a:defRPr sz="1800" b="0" i="0" u="none" strike="noStrike" cap="none">
                 <a:solidFill>
                   <a:schemeClr val="dk1"/>
                 </a:solidFill>
@@ -10836,15 +11116,19 @@
               </a:defRPr>
             </a:lvl9pPr>
           </a:lstStyle>
-          <a:p/>
+          <a:p>
+            <a:endParaRPr/>
+          </a:p>
         </p:txBody>
       </p:sp>
       <p:sp>
         <p:nvSpPr>
           <p:cNvPr id="10" name="Google Shape;10;p6"/>
-          <p:cNvSpPr txBox="1"/>
+          <p:cNvSpPr txBox="1">
+            <a:spLocks noGrp="1"/>
+          </p:cNvSpPr>
           <p:nvPr>
-            <p:ph idx="12" type="sldNum"/>
+            <p:ph type="sldNum" idx="12"/>
           </p:nvPr>
         </p:nvSpPr>
         <p:spPr>
@@ -10861,16 +11145,16 @@
           </a:ln>
         </p:spPr>
         <p:txBody>
-          <a:bodyPr anchorCtr="0" anchor="ctr" bIns="45700" lIns="91425" spcFirstLastPara="1" rIns="91425" wrap="square" tIns="45700">
+          <a:bodyPr spcFirstLastPara="1" wrap="square" lIns="91425" tIns="45700" rIns="91425" bIns="45700" anchor="ctr" anchorCtr="0">
             <a:noAutofit/>
           </a:bodyPr>
           <a:lstStyle>
-            <a:lvl1pPr indent="0" lvl="0" marL="0" marR="0" rtl="0" algn="r">
-              <a:spcBef>
-                <a:spcPts val="0"/>
-              </a:spcBef>
-              <a:buNone/>
-              <a:defRPr b="0" i="0" sz="1200" u="none" cap="none" strike="noStrike">
+            <a:lvl1pPr marL="0" marR="0" lvl="0" indent="0" algn="r" rtl="0">
+              <a:spcBef>
+                <a:spcPts val="0"/>
+              </a:spcBef>
+              <a:buNone/>
+              <a:defRPr sz="1200" b="0" i="0" u="none" strike="noStrike" cap="none">
                 <a:solidFill>
                   <a:srgbClr val="888888"/>
                 </a:solidFill>
@@ -10880,12 +11164,12 @@
                 <a:sym typeface="Calibri"/>
               </a:defRPr>
             </a:lvl1pPr>
-            <a:lvl2pPr indent="0" lvl="1" marL="0" marR="0" rtl="0" algn="r">
-              <a:spcBef>
-                <a:spcPts val="0"/>
-              </a:spcBef>
-              <a:buNone/>
-              <a:defRPr b="0" i="0" sz="1200" u="none" cap="none" strike="noStrike">
+            <a:lvl2pPr marL="0" marR="0" lvl="1" indent="0" algn="r" rtl="0">
+              <a:spcBef>
+                <a:spcPts val="0"/>
+              </a:spcBef>
+              <a:buNone/>
+              <a:defRPr sz="1200" b="0" i="0" u="none" strike="noStrike" cap="none">
                 <a:solidFill>
                   <a:srgbClr val="888888"/>
                 </a:solidFill>
@@ -10895,12 +11179,12 @@
                 <a:sym typeface="Calibri"/>
               </a:defRPr>
             </a:lvl2pPr>
-            <a:lvl3pPr indent="0" lvl="2" marL="0" marR="0" rtl="0" algn="r">
-              <a:spcBef>
-                <a:spcPts val="0"/>
-              </a:spcBef>
-              <a:buNone/>
-              <a:defRPr b="0" i="0" sz="1200" u="none" cap="none" strike="noStrike">
+            <a:lvl3pPr marL="0" marR="0" lvl="2" indent="0" algn="r" rtl="0">
+              <a:spcBef>
+                <a:spcPts val="0"/>
+              </a:spcBef>
+              <a:buNone/>
+              <a:defRPr sz="1200" b="0" i="0" u="none" strike="noStrike" cap="none">
                 <a:solidFill>
                   <a:srgbClr val="888888"/>
                 </a:solidFill>
@@ -10910,12 +11194,12 @@
                 <a:sym typeface="Calibri"/>
               </a:defRPr>
             </a:lvl3pPr>
-            <a:lvl4pPr indent="0" lvl="3" marL="0" marR="0" rtl="0" algn="r">
-              <a:spcBef>
-                <a:spcPts val="0"/>
-              </a:spcBef>
-              <a:buNone/>
-              <a:defRPr b="0" i="0" sz="1200" u="none" cap="none" strike="noStrike">
+            <a:lvl4pPr marL="0" marR="0" lvl="3" indent="0" algn="r" rtl="0">
+              <a:spcBef>
+                <a:spcPts val="0"/>
+              </a:spcBef>
+              <a:buNone/>
+              <a:defRPr sz="1200" b="0" i="0" u="none" strike="noStrike" cap="none">
                 <a:solidFill>
                   <a:srgbClr val="888888"/>
                 </a:solidFill>
@@ -10925,12 +11209,12 @@
                 <a:sym typeface="Calibri"/>
               </a:defRPr>
             </a:lvl4pPr>
-            <a:lvl5pPr indent="0" lvl="4" marL="0" marR="0" rtl="0" algn="r">
-              <a:spcBef>
-                <a:spcPts val="0"/>
-              </a:spcBef>
-              <a:buNone/>
-              <a:defRPr b="0" i="0" sz="1200" u="none" cap="none" strike="noStrike">
+            <a:lvl5pPr marL="0" marR="0" lvl="4" indent="0" algn="r" rtl="0">
+              <a:spcBef>
+                <a:spcPts val="0"/>
+              </a:spcBef>
+              <a:buNone/>
+              <a:defRPr sz="1200" b="0" i="0" u="none" strike="noStrike" cap="none">
                 <a:solidFill>
                   <a:srgbClr val="888888"/>
                 </a:solidFill>
@@ -10940,12 +11224,12 @@
                 <a:sym typeface="Calibri"/>
               </a:defRPr>
             </a:lvl5pPr>
-            <a:lvl6pPr indent="0" lvl="5" marL="0" marR="0" rtl="0" algn="r">
-              <a:spcBef>
-                <a:spcPts val="0"/>
-              </a:spcBef>
-              <a:buNone/>
-              <a:defRPr b="0" i="0" sz="1200" u="none" cap="none" strike="noStrike">
+            <a:lvl6pPr marL="0" marR="0" lvl="5" indent="0" algn="r" rtl="0">
+              <a:spcBef>
+                <a:spcPts val="0"/>
+              </a:spcBef>
+              <a:buNone/>
+              <a:defRPr sz="1200" b="0" i="0" u="none" strike="noStrike" cap="none">
                 <a:solidFill>
                   <a:srgbClr val="888888"/>
                 </a:solidFill>
@@ -10955,12 +11239,12 @@
                 <a:sym typeface="Calibri"/>
               </a:defRPr>
             </a:lvl6pPr>
-            <a:lvl7pPr indent="0" lvl="6" marL="0" marR="0" rtl="0" algn="r">
-              <a:spcBef>
-                <a:spcPts val="0"/>
-              </a:spcBef>
-              <a:buNone/>
-              <a:defRPr b="0" i="0" sz="1200" u="none" cap="none" strike="noStrike">
+            <a:lvl7pPr marL="0" marR="0" lvl="6" indent="0" algn="r" rtl="0">
+              <a:spcBef>
+                <a:spcPts val="0"/>
+              </a:spcBef>
+              <a:buNone/>
+              <a:defRPr sz="1200" b="0" i="0" u="none" strike="noStrike" cap="none">
                 <a:solidFill>
                   <a:srgbClr val="888888"/>
                 </a:solidFill>
@@ -10970,12 +11254,12 @@
                 <a:sym typeface="Calibri"/>
               </a:defRPr>
             </a:lvl7pPr>
-            <a:lvl8pPr indent="0" lvl="7" marL="0" marR="0" rtl="0" algn="r">
-              <a:spcBef>
-                <a:spcPts val="0"/>
-              </a:spcBef>
-              <a:buNone/>
-              <a:defRPr b="0" i="0" sz="1200" u="none" cap="none" strike="noStrike">
+            <a:lvl8pPr marL="0" marR="0" lvl="7" indent="0" algn="r" rtl="0">
+              <a:spcBef>
+                <a:spcPts val="0"/>
+              </a:spcBef>
+              <a:buNone/>
+              <a:defRPr sz="1200" b="0" i="0" u="none" strike="noStrike" cap="none">
                 <a:solidFill>
                   <a:srgbClr val="888888"/>
                 </a:solidFill>
@@ -10985,12 +11269,12 @@
                 <a:sym typeface="Calibri"/>
               </a:defRPr>
             </a:lvl8pPr>
-            <a:lvl9pPr indent="0" lvl="8" marL="0" marR="0" rtl="0" algn="r">
-              <a:spcBef>
-                <a:spcPts val="0"/>
-              </a:spcBef>
-              <a:buNone/>
-              <a:defRPr b="0" i="0" sz="1200" u="none" cap="none" strike="noStrike">
+            <a:lvl9pPr marL="0" marR="0" lvl="8" indent="0" algn="r" rtl="0">
+              <a:spcBef>
+                <a:spcPts val="0"/>
+              </a:spcBef>
+              <a:buNone/>
+              <a:defRPr sz="1200" b="0" i="0" u="none" strike="noStrike" cap="none">
                 <a:solidFill>
                   <a:srgbClr val="888888"/>
                 </a:solidFill>
@@ -11002,7 +11286,7 @@
             </a:lvl9pPr>
           </a:lstStyle>
           <a:p>
-            <a:pPr indent="0" lvl="0" marL="0" rtl="0" algn="r">
+            <a:pPr marL="0" lvl="0" indent="0" algn="r" rtl="0">
               <a:spcBef>
                 <a:spcPts val="0"/>
               </a:spcBef>
@@ -11021,7 +11305,7 @@
       </p:sp>
     </p:spTree>
   </p:cSld>
-  <p:clrMap accent1="accent1" accent2="accent2" accent3="accent3" accent4="accent4" accent5="accent5" accent6="accent6" bg1="lt1" bg2="dk2" tx1="dk1" tx2="lt2" folHlink="folHlink" hlink="hlink"/>
+  <p:clrMap bg1="lt1" tx1="dk1" bg2="dk2" tx2="lt2" accent1="accent1" accent2="accent2" accent3="accent3" accent4="accent4" accent5="accent5" accent6="accent6" hlink="hlink" folHlink="folHlink"/>
   <p:sldLayoutIdLst>
     <p:sldLayoutId id="2147483649" r:id="rId1"/>
     <p:sldLayoutId id="2147483650" r:id="rId2"/>
@@ -11035,10 +11319,10 @@
     <p:sldLayoutId id="2147483658" r:id="rId10"/>
     <p:sldLayoutId id="2147483659" r:id="rId11"/>
   </p:sldLayoutIdLst>
-  <p:hf dt="0" ftr="0" hdr="0" sldNum="0"/>
+  <p:hf sldNum="0" hdr="0" ftr="0" dt="0"/>
   <p:txStyles>
     <p:titleStyle>
-      <a:defPPr lvl="0" marR="0" rtl="0" algn="l">
+      <a:defPPr marR="0" lvl="0" algn="l" rtl="0">
         <a:lnSpc>
           <a:spcPct val="100000"/>
         </a:lnSpc>
@@ -11049,7 +11333,7 @@
           <a:spcPts val="0"/>
         </a:spcAft>
       </a:defPPr>
-      <a:lvl1pPr lvl="0" marR="0" rtl="0" algn="l">
+      <a:lvl1pPr marR="0" lvl="0" algn="l" rtl="0">
         <a:lnSpc>
           <a:spcPct val="100000"/>
         </a:lnSpc>
@@ -11063,7 +11347,7 @@
           <a:srgbClr val="000000"/>
         </a:buClr>
         <a:buFont typeface="Arial"/>
-        <a:defRPr b="0" i="0" sz="1400" u="none" cap="none" strike="noStrike">
+        <a:defRPr sz="1400" b="0" i="0" u="none" strike="noStrike" cap="none">
           <a:solidFill>
             <a:srgbClr val="000000"/>
           </a:solidFill>
@@ -11073,7 +11357,7 @@
           <a:sym typeface="Arial"/>
         </a:defRPr>
       </a:lvl1pPr>
-      <a:lvl2pPr lvl="1" marR="0" rtl="0" algn="l">
+      <a:lvl2pPr marR="0" lvl="1" algn="l" rtl="0">
         <a:lnSpc>
           <a:spcPct val="100000"/>
         </a:lnSpc>
@@ -11087,7 +11371,7 @@
           <a:srgbClr val="000000"/>
         </a:buClr>
         <a:buFont typeface="Arial"/>
-        <a:defRPr b="0" i="0" sz="1400" u="none" cap="none" strike="noStrike">
+        <a:defRPr sz="1400" b="0" i="0" u="none" strike="noStrike" cap="none">
           <a:solidFill>
             <a:srgbClr val="000000"/>
           </a:solidFill>
@@ -11097,7 +11381,7 @@
           <a:sym typeface="Arial"/>
         </a:defRPr>
       </a:lvl2pPr>
-      <a:lvl3pPr lvl="2" marR="0" rtl="0" algn="l">
+      <a:lvl3pPr marR="0" lvl="2" algn="l" rtl="0">
         <a:lnSpc>
           <a:spcPct val="100000"/>
         </a:lnSpc>
@@ -11111,7 +11395,7 @@
           <a:srgbClr val="000000"/>
         </a:buClr>
         <a:buFont typeface="Arial"/>
-        <a:defRPr b="0" i="0" sz="1400" u="none" cap="none" strike="noStrike">
+        <a:defRPr sz="1400" b="0" i="0" u="none" strike="noStrike" cap="none">
           <a:solidFill>
             <a:srgbClr val="000000"/>
           </a:solidFill>
@@ -11121,7 +11405,7 @@
           <a:sym typeface="Arial"/>
         </a:defRPr>
       </a:lvl3pPr>
-      <a:lvl4pPr lvl="3" marR="0" rtl="0" algn="l">
+      <a:lvl4pPr marR="0" lvl="3" algn="l" rtl="0">
         <a:lnSpc>
           <a:spcPct val="100000"/>
         </a:lnSpc>
@@ -11135,7 +11419,7 @@
           <a:srgbClr val="000000"/>
         </a:buClr>
         <a:buFont typeface="Arial"/>
-        <a:defRPr b="0" i="0" sz="1400" u="none" cap="none" strike="noStrike">
+        <a:defRPr sz="1400" b="0" i="0" u="none" strike="noStrike" cap="none">
           <a:solidFill>
             <a:srgbClr val="000000"/>
           </a:solidFill>
@@ -11145,7 +11429,7 @@
           <a:sym typeface="Arial"/>
         </a:defRPr>
       </a:lvl4pPr>
-      <a:lvl5pPr lvl="4" marR="0" rtl="0" algn="l">
+      <a:lvl5pPr marR="0" lvl="4" algn="l" rtl="0">
         <a:lnSpc>
           <a:spcPct val="100000"/>
         </a:lnSpc>
@@ -11159,7 +11443,7 @@
           <a:srgbClr val="000000"/>
         </a:buClr>
         <a:buFont typeface="Arial"/>
-        <a:defRPr b="0" i="0" sz="1400" u="none" cap="none" strike="noStrike">
+        <a:defRPr sz="1400" b="0" i="0" u="none" strike="noStrike" cap="none">
           <a:solidFill>
             <a:srgbClr val="000000"/>
           </a:solidFill>
@@ -11169,7 +11453,7 @@
           <a:sym typeface="Arial"/>
         </a:defRPr>
       </a:lvl5pPr>
-      <a:lvl6pPr lvl="5" marR="0" rtl="0" algn="l">
+      <a:lvl6pPr marR="0" lvl="5" algn="l" rtl="0">
         <a:lnSpc>
           <a:spcPct val="100000"/>
         </a:lnSpc>
@@ -11183,7 +11467,7 @@
           <a:srgbClr val="000000"/>
         </a:buClr>
         <a:buFont typeface="Arial"/>
-        <a:defRPr b="0" i="0" sz="1400" u="none" cap="none" strike="noStrike">
+        <a:defRPr sz="1400" b="0" i="0" u="none" strike="noStrike" cap="none">
           <a:solidFill>
             <a:srgbClr val="000000"/>
           </a:solidFill>
@@ -11193,7 +11477,7 @@
           <a:sym typeface="Arial"/>
         </a:defRPr>
       </a:lvl6pPr>
-      <a:lvl7pPr lvl="6" marR="0" rtl="0" algn="l">
+      <a:lvl7pPr marR="0" lvl="6" algn="l" rtl="0">
         <a:lnSpc>
           <a:spcPct val="100000"/>
         </a:lnSpc>
@@ -11207,7 +11491,7 @@
           <a:srgbClr val="000000"/>
         </a:buClr>
         <a:buFont typeface="Arial"/>
-        <a:defRPr b="0" i="0" sz="1400" u="none" cap="none" strike="noStrike">
+        <a:defRPr sz="1400" b="0" i="0" u="none" strike="noStrike" cap="none">
           <a:solidFill>
             <a:srgbClr val="000000"/>
           </a:solidFill>
@@ -11217,7 +11501,7 @@
           <a:sym typeface="Arial"/>
         </a:defRPr>
       </a:lvl7pPr>
-      <a:lvl8pPr lvl="7" marR="0" rtl="0" algn="l">
+      <a:lvl8pPr marR="0" lvl="7" algn="l" rtl="0">
         <a:lnSpc>
           <a:spcPct val="100000"/>
         </a:lnSpc>
@@ -11231,7 +11515,7 @@
           <a:srgbClr val="000000"/>
         </a:buClr>
         <a:buFont typeface="Arial"/>
-        <a:defRPr b="0" i="0" sz="1400" u="none" cap="none" strike="noStrike">
+        <a:defRPr sz="1400" b="0" i="0" u="none" strike="noStrike" cap="none">
           <a:solidFill>
             <a:srgbClr val="000000"/>
           </a:solidFill>
@@ -11241,7 +11525,7 @@
           <a:sym typeface="Arial"/>
         </a:defRPr>
       </a:lvl8pPr>
-      <a:lvl9pPr lvl="8" marR="0" rtl="0" algn="l">
+      <a:lvl9pPr marR="0" lvl="8" algn="l" rtl="0">
         <a:lnSpc>
           <a:spcPct val="100000"/>
         </a:lnSpc>
@@ -11255,7 +11539,7 @@
           <a:srgbClr val="000000"/>
         </a:buClr>
         <a:buFont typeface="Arial"/>
-        <a:defRPr b="0" i="0" sz="1400" u="none" cap="none" strike="noStrike">
+        <a:defRPr sz="1400" b="0" i="0" u="none" strike="noStrike" cap="none">
           <a:solidFill>
             <a:srgbClr val="000000"/>
           </a:solidFill>
@@ -11267,7 +11551,7 @@
       </a:lvl9pPr>
     </p:titleStyle>
     <p:bodyStyle>
-      <a:defPPr lvl="0" marR="0" rtl="0" algn="l">
+      <a:defPPr marR="0" lvl="0" algn="l" rtl="0">
         <a:lnSpc>
           <a:spcPct val="100000"/>
         </a:lnSpc>
@@ -11278,7 +11562,7 @@
           <a:spcPts val="0"/>
         </a:spcAft>
       </a:defPPr>
-      <a:lvl1pPr lvl="0" marR="0" rtl="0" algn="l">
+      <a:lvl1pPr marR="0" lvl="0" algn="l" rtl="0">
         <a:lnSpc>
           <a:spcPct val="100000"/>
         </a:lnSpc>
@@ -11292,7 +11576,7 @@
           <a:srgbClr val="000000"/>
         </a:buClr>
         <a:buFont typeface="Arial"/>
-        <a:defRPr b="0" i="0" sz="1400" u="none" cap="none" strike="noStrike">
+        <a:defRPr sz="1400" b="0" i="0" u="none" strike="noStrike" cap="none">
           <a:solidFill>
             <a:srgbClr val="000000"/>
           </a:solidFill>
@@ -11302,7 +11586,7 @@
           <a:sym typeface="Arial"/>
         </a:defRPr>
       </a:lvl1pPr>
-      <a:lvl2pPr lvl="1" marR="0" rtl="0" algn="l">
+      <a:lvl2pPr marR="0" lvl="1" algn="l" rtl="0">
         <a:lnSpc>
           <a:spcPct val="100000"/>
         </a:lnSpc>
@@ -11316,7 +11600,7 @@
           <a:srgbClr val="000000"/>
         </a:buClr>
         <a:buFont typeface="Arial"/>
-        <a:defRPr b="0" i="0" sz="1400" u="none" cap="none" strike="noStrike">
+        <a:defRPr sz="1400" b="0" i="0" u="none" strike="noStrike" cap="none">
           <a:solidFill>
             <a:srgbClr val="000000"/>
           </a:solidFill>
@@ -11326,7 +11610,7 @@
           <a:sym typeface="Arial"/>
         </a:defRPr>
       </a:lvl2pPr>
-      <a:lvl3pPr lvl="2" marR="0" rtl="0" algn="l">
+      <a:lvl3pPr marR="0" lvl="2" algn="l" rtl="0">
         <a:lnSpc>
           <a:spcPct val="100000"/>
         </a:lnSpc>
@@ -11340,7 +11624,7 @@
           <a:srgbClr val="000000"/>
         </a:buClr>
         <a:buFont typeface="Arial"/>
-        <a:defRPr b="0" i="0" sz="1400" u="none" cap="none" strike="noStrike">
+        <a:defRPr sz="1400" b="0" i="0" u="none" strike="noStrike" cap="none">
           <a:solidFill>
             <a:srgbClr val="000000"/>
           </a:solidFill>
@@ -11350,7 +11634,7 @@
           <a:sym typeface="Arial"/>
         </a:defRPr>
       </a:lvl3pPr>
-      <a:lvl4pPr lvl="3" marR="0" rtl="0" algn="l">
+      <a:lvl4pPr marR="0" lvl="3" algn="l" rtl="0">
         <a:lnSpc>
           <a:spcPct val="100000"/>
         </a:lnSpc>
@@ -11364,7 +11648,7 @@
           <a:srgbClr val="000000"/>
         </a:buClr>
         <a:buFont typeface="Arial"/>
-        <a:defRPr b="0" i="0" sz="1400" u="none" cap="none" strike="noStrike">
+        <a:defRPr sz="1400" b="0" i="0" u="none" strike="noStrike" cap="none">
           <a:solidFill>
             <a:srgbClr val="000000"/>
           </a:solidFill>
@@ -11374,7 +11658,7 @@
           <a:sym typeface="Arial"/>
         </a:defRPr>
       </a:lvl4pPr>
-      <a:lvl5pPr lvl="4" marR="0" rtl="0" algn="l">
+      <a:lvl5pPr marR="0" lvl="4" algn="l" rtl="0">
         <a:lnSpc>
           <a:spcPct val="100000"/>
         </a:lnSpc>
@@ -11388,7 +11672,7 @@
           <a:srgbClr val="000000"/>
         </a:buClr>
         <a:buFont typeface="Arial"/>
-        <a:defRPr b="0" i="0" sz="1400" u="none" cap="none" strike="noStrike">
+        <a:defRPr sz="1400" b="0" i="0" u="none" strike="noStrike" cap="none">
           <a:solidFill>
             <a:srgbClr val="000000"/>
           </a:solidFill>
@@ -11398,7 +11682,7 @@
           <a:sym typeface="Arial"/>
         </a:defRPr>
       </a:lvl5pPr>
-      <a:lvl6pPr lvl="5" marR="0" rtl="0" algn="l">
+      <a:lvl6pPr marR="0" lvl="5" algn="l" rtl="0">
         <a:lnSpc>
           <a:spcPct val="100000"/>
         </a:lnSpc>
@@ -11412,7 +11696,7 @@
           <a:srgbClr val="000000"/>
         </a:buClr>
         <a:buFont typeface="Arial"/>
-        <a:defRPr b="0" i="0" sz="1400" u="none" cap="none" strike="noStrike">
+        <a:defRPr sz="1400" b="0" i="0" u="none" strike="noStrike" cap="none">
           <a:solidFill>
             <a:srgbClr val="000000"/>
           </a:solidFill>
@@ -11422,7 +11706,7 @@
           <a:sym typeface="Arial"/>
         </a:defRPr>
       </a:lvl6pPr>
-      <a:lvl7pPr lvl="6" marR="0" rtl="0" algn="l">
+      <a:lvl7pPr marR="0" lvl="6" algn="l" rtl="0">
         <a:lnSpc>
           <a:spcPct val="100000"/>
         </a:lnSpc>
@@ -11436,7 +11720,7 @@
           <a:srgbClr val="000000"/>
         </a:buClr>
         <a:buFont typeface="Arial"/>
-        <a:defRPr b="0" i="0" sz="1400" u="none" cap="none" strike="noStrike">
+        <a:defRPr sz="1400" b="0" i="0" u="none" strike="noStrike" cap="none">
           <a:solidFill>
             <a:srgbClr val="000000"/>
           </a:solidFill>
@@ -11446,7 +11730,7 @@
           <a:sym typeface="Arial"/>
         </a:defRPr>
       </a:lvl7pPr>
-      <a:lvl8pPr lvl="7" marR="0" rtl="0" algn="l">
+      <a:lvl8pPr marR="0" lvl="7" algn="l" rtl="0">
         <a:lnSpc>
           <a:spcPct val="100000"/>
         </a:lnSpc>
@@ -11460,7 +11744,7 @@
           <a:srgbClr val="000000"/>
         </a:buClr>
         <a:buFont typeface="Arial"/>
-        <a:defRPr b="0" i="0" sz="1400" u="none" cap="none" strike="noStrike">
+        <a:defRPr sz="1400" b="0" i="0" u="none" strike="noStrike" cap="none">
           <a:solidFill>
             <a:srgbClr val="000000"/>
           </a:solidFill>
@@ -11470,7 +11754,7 @@
           <a:sym typeface="Arial"/>
         </a:defRPr>
       </a:lvl8pPr>
-      <a:lvl9pPr lvl="8" marR="0" rtl="0" algn="l">
+      <a:lvl9pPr marR="0" lvl="8" algn="l" rtl="0">
         <a:lnSpc>
           <a:spcPct val="100000"/>
         </a:lnSpc>
@@ -11484,7 +11768,7 @@
           <a:srgbClr val="000000"/>
         </a:buClr>
         <a:buFont typeface="Arial"/>
-        <a:defRPr b="0" i="0" sz="1400" u="none" cap="none" strike="noStrike">
+        <a:defRPr sz="1400" b="0" i="0" u="none" strike="noStrike" cap="none">
           <a:solidFill>
             <a:srgbClr val="000000"/>
           </a:solidFill>
@@ -11496,7 +11780,7 @@
       </a:lvl9pPr>
     </p:bodyStyle>
     <p:otherStyle>
-      <a:defPPr lvl="0" marR="0" rtl="0" algn="l">
+      <a:defPPr marR="0" lvl="0" algn="l" rtl="0">
         <a:lnSpc>
           <a:spcPct val="100000"/>
         </a:lnSpc>
@@ -11507,7 +11791,7 @@
           <a:spcPts val="0"/>
         </a:spcAft>
       </a:defPPr>
-      <a:lvl1pPr lvl="0" marR="0" rtl="0" algn="l">
+      <a:lvl1pPr marR="0" lvl="0" algn="l" rtl="0">
         <a:lnSpc>
           <a:spcPct val="100000"/>
         </a:lnSpc>
@@ -11521,7 +11805,7 @@
           <a:srgbClr val="000000"/>
         </a:buClr>
         <a:buFont typeface="Arial"/>
-        <a:defRPr b="0" i="0" sz="1400" u="none" cap="none" strike="noStrike">
+        <a:defRPr sz="1400" b="0" i="0" u="none" strike="noStrike" cap="none">
           <a:solidFill>
             <a:srgbClr val="000000"/>
           </a:solidFill>
@@ -11531,7 +11815,7 @@
           <a:sym typeface="Arial"/>
         </a:defRPr>
       </a:lvl1pPr>
-      <a:lvl2pPr lvl="1" marR="0" rtl="0" algn="l">
+      <a:lvl2pPr marR="0" lvl="1" algn="l" rtl="0">
         <a:lnSpc>
           <a:spcPct val="100000"/>
         </a:lnSpc>
@@ -11545,7 +11829,7 @@
           <a:srgbClr val="000000"/>
         </a:buClr>
         <a:buFont typeface="Arial"/>
-        <a:defRPr b="0" i="0" sz="1400" u="none" cap="none" strike="noStrike">
+        <a:defRPr sz="1400" b="0" i="0" u="none" strike="noStrike" cap="none">
           <a:solidFill>
             <a:srgbClr val="000000"/>
           </a:solidFill>
@@ -11555,7 +11839,7 @@
           <a:sym typeface="Arial"/>
         </a:defRPr>
       </a:lvl2pPr>
-      <a:lvl3pPr lvl="2" marR="0" rtl="0" algn="l">
+      <a:lvl3pPr marR="0" lvl="2" algn="l" rtl="0">
         <a:lnSpc>
           <a:spcPct val="100000"/>
         </a:lnSpc>
@@ -11569,7 +11853,7 @@
           <a:srgbClr val="000000"/>
         </a:buClr>
         <a:buFont typeface="Arial"/>
-        <a:defRPr b="0" i="0" sz="1400" u="none" cap="none" strike="noStrike">
+        <a:defRPr sz="1400" b="0" i="0" u="none" strike="noStrike" cap="none">
           <a:solidFill>
             <a:srgbClr val="000000"/>
           </a:solidFill>
@@ -11579,7 +11863,7 @@
           <a:sym typeface="Arial"/>
         </a:defRPr>
       </a:lvl3pPr>
-      <a:lvl4pPr lvl="3" marR="0" rtl="0" algn="l">
+      <a:lvl4pPr marR="0" lvl="3" algn="l" rtl="0">
         <a:lnSpc>
           <a:spcPct val="100000"/>
         </a:lnSpc>
@@ -11593,7 +11877,7 @@
           <a:srgbClr val="000000"/>
         </a:buClr>
         <a:buFont typeface="Arial"/>
-        <a:defRPr b="0" i="0" sz="1400" u="none" cap="none" strike="noStrike">
+        <a:defRPr sz="1400" b="0" i="0" u="none" strike="noStrike" cap="none">
           <a:solidFill>
             <a:srgbClr val="000000"/>
           </a:solidFill>
@@ -11603,7 +11887,7 @@
           <a:sym typeface="Arial"/>
         </a:defRPr>
       </a:lvl4pPr>
-      <a:lvl5pPr lvl="4" marR="0" rtl="0" algn="l">
+      <a:lvl5pPr marR="0" lvl="4" algn="l" rtl="0">
         <a:lnSpc>
           <a:spcPct val="100000"/>
         </a:lnSpc>
@@ -11617,7 +11901,7 @@
           <a:srgbClr val="000000"/>
         </a:buClr>
         <a:buFont typeface="Arial"/>
-        <a:defRPr b="0" i="0" sz="1400" u="none" cap="none" strike="noStrike">
+        <a:defRPr sz="1400" b="0" i="0" u="none" strike="noStrike" cap="none">
           <a:solidFill>
             <a:srgbClr val="000000"/>
           </a:solidFill>
@@ -11627,7 +11911,7 @@
           <a:sym typeface="Arial"/>
         </a:defRPr>
       </a:lvl5pPr>
-      <a:lvl6pPr lvl="5" marR="0" rtl="0" algn="l">
+      <a:lvl6pPr marR="0" lvl="5" algn="l" rtl="0">
         <a:lnSpc>
           <a:spcPct val="100000"/>
         </a:lnSpc>
@@ -11641,7 +11925,7 @@
           <a:srgbClr val="000000"/>
         </a:buClr>
         <a:buFont typeface="Arial"/>
-        <a:defRPr b="0" i="0" sz="1400" u="none" cap="none" strike="noStrike">
+        <a:defRPr sz="1400" b="0" i="0" u="none" strike="noStrike" cap="none">
           <a:solidFill>
             <a:srgbClr val="000000"/>
           </a:solidFill>
@@ -11651,7 +11935,7 @@
           <a:sym typeface="Arial"/>
         </a:defRPr>
       </a:lvl6pPr>
-      <a:lvl7pPr lvl="6" marR="0" rtl="0" algn="l">
+      <a:lvl7pPr marR="0" lvl="6" algn="l" rtl="0">
         <a:lnSpc>
           <a:spcPct val="100000"/>
         </a:lnSpc>
@@ -11665,7 +11949,7 @@
           <a:srgbClr val="000000"/>
         </a:buClr>
         <a:buFont typeface="Arial"/>
-        <a:defRPr b="0" i="0" sz="1400" u="none" cap="none" strike="noStrike">
+        <a:defRPr sz="1400" b="0" i="0" u="none" strike="noStrike" cap="none">
           <a:solidFill>
             <a:srgbClr val="000000"/>
           </a:solidFill>
@@ -11675,7 +11959,7 @@
           <a:sym typeface="Arial"/>
         </a:defRPr>
       </a:lvl7pPr>
-      <a:lvl8pPr lvl="7" marR="0" rtl="0" algn="l">
+      <a:lvl8pPr marR="0" lvl="7" algn="l" rtl="0">
         <a:lnSpc>
           <a:spcPct val="100000"/>
         </a:lnSpc>
@@ -11689,7 +11973,7 @@
           <a:srgbClr val="000000"/>
         </a:buClr>
         <a:buFont typeface="Arial"/>
-        <a:defRPr b="0" i="0" sz="1400" u="none" cap="none" strike="noStrike">
+        <a:defRPr sz="1400" b="0" i="0" u="none" strike="noStrike" cap="none">
           <a:solidFill>
             <a:srgbClr val="000000"/>
           </a:solidFill>
@@ -11699,7 +11983,7 @@
           <a:sym typeface="Arial"/>
         </a:defRPr>
       </a:lvl8pPr>
-      <a:lvl9pPr lvl="8" marR="0" rtl="0" algn="l">
+      <a:lvl9pPr marR="0" lvl="8" algn="l" rtl="0">
         <a:lnSpc>
           <a:spcPct val="100000"/>
         </a:lnSpc>
@@ -11713,7 +11997,7 @@
           <a:srgbClr val="000000"/>
         </a:buClr>
         <a:buFont typeface="Arial"/>
-        <a:defRPr b="0" i="0" sz="1400" u="none" cap="none" strike="noStrike">
+        <a:defRPr sz="1400" b="0" i="0" u="none" strike="noStrike" cap="none">
           <a:solidFill>
             <a:srgbClr val="000000"/>
           </a:solidFill>
@@ -11729,18 +12013,19 @@
 </file>
 
 <file path=ppt/slides/slide1.xml><?xml version="1.0" encoding="utf-8"?>
-<p:sld xmlns:a="http://schemas.openxmlformats.org/drawingml/2006/main" xmlns:r="http://schemas.openxmlformats.org/officeDocument/2006/relationships" xmlns:mc="http://schemas.openxmlformats.org/markup-compatibility/2006" xmlns:mv="urn:schemas-microsoft-com:mac:vml" xmlns:p="http://schemas.openxmlformats.org/presentationml/2006/main" xmlns:c="http://schemas.openxmlformats.org/drawingml/2006/chart" xmlns:dgm="http://schemas.openxmlformats.org/drawingml/2006/diagram" xmlns:o="urn:schemas-microsoft-com:office:office" xmlns:v="urn:schemas-microsoft-com:vml" xmlns:pvml="urn:schemas-microsoft-com:office:powerpoint" xmlns:com="http://schemas.openxmlformats.org/drawingml/2006/compatibility" xmlns:p14="http://schemas.microsoft.com/office/powerpoint/2010/main" xmlns:p15="http://schemas.microsoft.com/office/powerpoint/2012/main" xmlns:ahyp="http://schemas.microsoft.com/office/drawing/2018/hyperlinkcolor">
+<p:sld xmlns:a="http://schemas.openxmlformats.org/drawingml/2006/main" xmlns:r="http://schemas.openxmlformats.org/officeDocument/2006/relationships" xmlns:p="http://schemas.openxmlformats.org/presentationml/2006/main">
   <p:cSld>
     <p:bg>
       <p:bgPr>
         <a:solidFill>
           <a:schemeClr val="lt1"/>
         </a:solidFill>
+        <a:effectLst/>
       </p:bgPr>
     </p:bg>
     <p:spTree>
       <p:nvGrpSpPr>
-        <p:cNvPr id="83" name="Shape 83"/>
+        <p:cNvPr id="1" name="Shape 83"/>
         <p:cNvGrpSpPr/>
         <p:nvPr/>
       </p:nvGrpSpPr>
@@ -11762,7 +12047,7 @@
           <a:blip r:embed="rId3">
             <a:alphaModFix/>
           </a:blip>
-          <a:srcRect b="0" l="0" r="0" t="0"/>
+          <a:srcRect/>
           <a:stretch/>
         </p:blipFill>
         <p:spPr>
@@ -11791,9 +12076,13 @@
             <a:ext cx="4703379" cy="4580387"/>
           </a:xfrm>
           <a:custGeom>
-            <a:rect b="b" l="l" r="r" t="t"/>
+            <a:avLst/>
+            <a:gdLst/>
+            <a:ahLst/>
+            <a:cxnLst/>
+            <a:rect l="l" t="t" r="r" b="b"/>
             <a:pathLst>
-              <a:path extrusionOk="0" h="1298" w="1333">
+              <a:path w="1333" h="1298" extrusionOk="0">
                 <a:moveTo>
                   <a:pt x="1333" y="1031"/>
                 </a:moveTo>
@@ -11841,12 +12130,12 @@
           </a:ln>
         </p:spPr>
         <p:txBody>
-          <a:bodyPr anchorCtr="0" anchor="t" bIns="45700" lIns="91425" spcFirstLastPara="1" rIns="91425" wrap="square" tIns="45700">
+          <a:bodyPr spcFirstLastPara="1" wrap="square" lIns="91425" tIns="45700" rIns="91425" bIns="45700" anchor="t" anchorCtr="0">
             <a:normAutofit/>
           </a:bodyPr>
           <a:lstStyle/>
           <a:p>
-            <a:pPr indent="0" lvl="0" marL="0" marR="0" rtl="0" algn="ctr">
+            <a:pPr marL="0" marR="0" lvl="0" indent="0" algn="ctr" rtl="0">
               <a:spcBef>
                 <a:spcPts val="0"/>
               </a:spcBef>
@@ -11860,10 +12149,7 @@
               <a:buFont typeface="Arial"/>
               <a:buNone/>
             </a:pPr>
-            <a:r>
-              <a:t/>
-            </a:r>
-            <a:endParaRPr b="0" i="0" sz="1600" u="none" cap="none" strike="noStrike">
+            <a:endParaRPr sz="1600" b="0" i="0" u="none" strike="noStrike" cap="none">
               <a:solidFill>
                 <a:schemeClr val="dk1"/>
               </a:solidFill>
@@ -11878,7 +12164,9 @@
       <p:sp>
         <p:nvSpPr>
           <p:cNvPr id="86" name="Google Shape;86;p1"/>
-          <p:cNvSpPr txBox="1"/>
+          <p:cNvSpPr txBox="1">
+            <a:spLocks noGrp="1"/>
+          </p:cNvSpPr>
           <p:nvPr>
             <p:ph type="ctrTitle"/>
           </p:nvPr>
@@ -11897,12 +12185,12 @@
           </a:ln>
         </p:spPr>
         <p:txBody>
-          <a:bodyPr anchorCtr="0" anchor="b" bIns="45700" lIns="91425" spcFirstLastPara="1" rIns="91425" wrap="square" tIns="45700">
+          <a:bodyPr spcFirstLastPara="1" wrap="square" lIns="91425" tIns="45700" rIns="91425" bIns="45700" anchor="b" anchorCtr="0">
             <a:normAutofit/>
           </a:bodyPr>
           <a:lstStyle/>
           <a:p>
-            <a:pPr indent="0" lvl="0" marL="0" rtl="0" algn="ctr">
+            <a:pPr marL="0" lvl="0" indent="0" algn="ctr" rtl="0">
               <a:lnSpc>
                 <a:spcPct val="90000"/>
               </a:lnSpc>
@@ -11919,9 +12207,6 @@
               <a:buFont typeface="Calibri"/>
               <a:buNone/>
             </a:pPr>
-            <a:r>
-              <a:t/>
-            </a:r>
             <a:endParaRPr sz="4000"/>
           </a:p>
         </p:txBody>
@@ -11929,9 +12214,11 @@
       <p:sp>
         <p:nvSpPr>
           <p:cNvPr id="87" name="Google Shape;87;p1"/>
-          <p:cNvSpPr txBox="1"/>
+          <p:cNvSpPr txBox="1">
+            <a:spLocks noGrp="1"/>
+          </p:cNvSpPr>
           <p:nvPr>
-            <p:ph idx="1" type="subTitle"/>
+            <p:ph type="subTitle" idx="1"/>
           </p:nvPr>
         </p:nvSpPr>
         <p:spPr>
@@ -11948,12 +12235,12 @@
           </a:ln>
         </p:spPr>
         <p:txBody>
-          <a:bodyPr anchorCtr="0" anchor="t" bIns="45700" lIns="91425" spcFirstLastPara="1" rIns="91425" wrap="square" tIns="45700">
+          <a:bodyPr spcFirstLastPara="1" wrap="square" lIns="91425" tIns="45700" rIns="91425" bIns="45700" anchor="t" anchorCtr="0">
             <a:normAutofit/>
           </a:bodyPr>
           <a:lstStyle/>
           <a:p>
-            <a:pPr indent="0" lvl="0" marL="0" rtl="0" algn="ctr">
+            <a:pPr marL="0" lvl="0" indent="0" algn="ctr" rtl="0">
               <a:lnSpc>
                 <a:spcPct val="90000"/>
               </a:lnSpc>
@@ -11969,9 +12256,6 @@
               <a:buSzPts val="2000"/>
               <a:buNone/>
             </a:pPr>
-            <a:r>
-              <a:t/>
-            </a:r>
             <a:endParaRPr sz="2000"/>
           </a:p>
         </p:txBody>
@@ -11991,14 +12275,14 @@
             <a:avLst/>
           </a:prstGeom>
           <a:noFill/>
-          <a:ln cap="sq" cmpd="sng" w="25400">
+          <a:ln w="25400" cap="sq" cmpd="sng">
             <a:solidFill>
               <a:srgbClr val="262626"/>
             </a:solidFill>
             <a:prstDash val="solid"/>
             <a:bevel/>
-            <a:headEnd len="sm" w="sm" type="none"/>
-            <a:tailEnd len="sm" w="sm" type="none"/>
+            <a:headEnd type="none" w="sm" len="sm"/>
+            <a:tailEnd type="none" w="sm" len="sm"/>
           </a:ln>
         </p:spPr>
       </p:cxnSp>
@@ -12015,7 +12299,7 @@
           </a:xfrm>
           <a:prstGeom prst="roundRect">
             <a:avLst>
-              <a:gd fmla="val 5556" name="adj"/>
+              <a:gd name="adj" fmla="val 5556"/>
             </a:avLst>
           </a:prstGeom>
           <a:solidFill>
@@ -12026,12 +12310,12 @@
           </a:ln>
         </p:spPr>
         <p:txBody>
-          <a:bodyPr anchorCtr="0" anchor="ctr" bIns="45700" lIns="91425" spcFirstLastPara="1" rIns="91425" wrap="square" tIns="45700">
+          <a:bodyPr spcFirstLastPara="1" wrap="square" lIns="91425" tIns="45700" rIns="91425" bIns="45700" anchor="ctr" anchorCtr="0">
             <a:noAutofit/>
           </a:bodyPr>
           <a:lstStyle/>
           <a:p>
-            <a:pPr indent="0" lvl="0" marL="0" marR="0" rtl="0" algn="ctr">
+            <a:pPr marL="0" marR="0" lvl="0" indent="0" algn="ctr" rtl="0">
               <a:spcBef>
                 <a:spcPts val="0"/>
               </a:spcBef>
@@ -12040,10 +12324,7 @@
               </a:spcAft>
               <a:buNone/>
             </a:pPr>
-            <a:r>
-              <a:t/>
-            </a:r>
-            <a:endParaRPr b="0" i="0" sz="1800" u="none" cap="none" strike="noStrike">
+            <a:endParaRPr sz="1800" b="0" i="0" u="none" strike="noStrike" cap="none">
               <a:solidFill>
                 <a:schemeClr val="lt1"/>
               </a:solidFill>
@@ -12071,7 +12352,7 @@
         </p:grpSpPr>
         <p:pic>
           <p:nvPicPr>
-            <p:cNvPr descr="Nintendo grabs a new trademark for the term 'Pokemon' | GoNintendo" id="91" name="Google Shape;91;p1"/>
+            <p:cNvPr id="91" name="Google Shape;91;p1" descr="Nintendo grabs a new trademark for the term 'Pokemon' | GoNintendo"/>
             <p:cNvPicPr preferRelativeResize="0"/>
             <p:nvPr/>
           </p:nvPicPr>
@@ -12079,7 +12360,7 @@
             <a:blip r:embed="rId4">
               <a:alphaModFix/>
             </a:blip>
-            <a:srcRect b="0" l="0" r="0" t="0"/>
+            <a:srcRect/>
             <a:stretch/>
           </p:blipFill>
           <p:spPr>
@@ -12118,12 +12399,12 @@
             </a:ln>
           </p:spPr>
           <p:txBody>
-            <a:bodyPr anchorCtr="0" anchor="t" bIns="45700" lIns="91425" spcFirstLastPara="1" rIns="91425" wrap="square" tIns="45700">
+            <a:bodyPr spcFirstLastPara="1" wrap="square" lIns="91425" tIns="45700" rIns="91425" bIns="45700" anchor="t" anchorCtr="0">
               <a:spAutoFit/>
             </a:bodyPr>
             <a:lstStyle/>
             <a:p>
-              <a:pPr indent="0" lvl="0" marL="0" marR="0" rtl="0" algn="ctr">
+              <a:pPr marL="0" marR="0" lvl="0" indent="0" algn="ctr" rtl="0">
                 <a:spcBef>
                   <a:spcPts val="0"/>
                 </a:spcBef>
@@ -12133,7 +12414,7 @@
                 <a:buNone/>
               </a:pPr>
               <a:r>
-                <a:rPr b="1" i="0" lang="en-US" sz="5400" u="none" cap="none" strike="noStrike">
+                <a:rPr lang="en-US" sz="5400" b="1" i="0" u="none" strike="noStrike" cap="none">
                   <a:solidFill>
                     <a:srgbClr val="D5DBE5"/>
                   </a:solidFill>
@@ -12169,12 +12450,12 @@
           </a:ln>
         </p:spPr>
         <p:txBody>
-          <a:bodyPr anchorCtr="0" anchor="t" bIns="45700" lIns="91425" spcFirstLastPara="1" rIns="91425" wrap="square" tIns="45700">
+          <a:bodyPr spcFirstLastPara="1" wrap="square" lIns="91425" tIns="45700" rIns="91425" bIns="45700" anchor="t" anchorCtr="0">
             <a:spAutoFit/>
           </a:bodyPr>
           <a:lstStyle/>
           <a:p>
-            <a:pPr indent="0" lvl="0" marL="0" marR="0" rtl="0" algn="l">
+            <a:pPr marL="0" marR="0" lvl="0" indent="0" algn="l" rtl="0">
               <a:spcBef>
                 <a:spcPts val="0"/>
               </a:spcBef>
@@ -12183,13 +12464,10 @@
               </a:spcAft>
               <a:buNone/>
             </a:pPr>
-            <a:r>
-              <a:t/>
-            </a:r>
             <a:endParaRPr sz="2200"/>
           </a:p>
           <a:p>
-            <a:pPr indent="0" lvl="0" marL="0" marR="0" rtl="0" algn="ctr">
+            <a:pPr marL="0" marR="0" lvl="0" indent="0" algn="ctr" rtl="0">
               <a:spcBef>
                 <a:spcPts val="0"/>
               </a:spcBef>
@@ -12213,7 +12491,7 @@
             <a:endParaRPr sz="2200"/>
           </a:p>
           <a:p>
-            <a:pPr indent="0" lvl="0" marL="0" marR="0" rtl="0" algn="ctr">
+            <a:pPr marL="0" marR="0" lvl="0" indent="0" algn="ctr" rtl="0">
               <a:spcBef>
                 <a:spcPts val="0"/>
               </a:spcBef>
@@ -12255,11 +12533,11 @@
 </file>
 
 <file path=ppt/slides/slide2.xml><?xml version="1.0" encoding="utf-8"?>
-<p:sld xmlns:a="http://schemas.openxmlformats.org/drawingml/2006/main" xmlns:r="http://schemas.openxmlformats.org/officeDocument/2006/relationships" xmlns:mc="http://schemas.openxmlformats.org/markup-compatibility/2006" xmlns:mv="urn:schemas-microsoft-com:mac:vml" xmlns:p="http://schemas.openxmlformats.org/presentationml/2006/main" xmlns:c="http://schemas.openxmlformats.org/drawingml/2006/chart" xmlns:dgm="http://schemas.openxmlformats.org/drawingml/2006/diagram" xmlns:o="urn:schemas-microsoft-com:office:office" xmlns:v="urn:schemas-microsoft-com:vml" xmlns:pvml="urn:schemas-microsoft-com:office:powerpoint" xmlns:com="http://schemas.openxmlformats.org/drawingml/2006/compatibility" xmlns:p14="http://schemas.microsoft.com/office/powerpoint/2010/main" xmlns:p15="http://schemas.microsoft.com/office/powerpoint/2012/main" xmlns:ahyp="http://schemas.microsoft.com/office/drawing/2018/hyperlinkcolor">
+<p:sld xmlns:a="http://schemas.openxmlformats.org/drawingml/2006/main" xmlns:r="http://schemas.openxmlformats.org/officeDocument/2006/relationships" xmlns:p="http://schemas.openxmlformats.org/presentationml/2006/main">
   <p:cSld>
     <p:spTree>
       <p:nvGrpSpPr>
-        <p:cNvPr id="97" name="Shape 97"/>
+        <p:cNvPr id="1" name="Shape 97"/>
         <p:cNvGrpSpPr/>
         <p:nvPr/>
       </p:nvGrpSpPr>
@@ -12274,7 +12552,9 @@
       <p:sp>
         <p:nvSpPr>
           <p:cNvPr id="98" name="Google Shape;98;gb3f3bbf87b_0_0"/>
-          <p:cNvSpPr txBox="1"/>
+          <p:cNvSpPr txBox="1">
+            <a:spLocks noGrp="1"/>
+          </p:cNvSpPr>
           <p:nvPr>
             <p:ph type="ctrTitle"/>
           </p:nvPr>
@@ -12289,12 +12569,12 @@
           </a:prstGeom>
         </p:spPr>
         <p:txBody>
-          <a:bodyPr anchorCtr="0" anchor="b" bIns="45700" lIns="91425" spcFirstLastPara="1" rIns="91425" wrap="square" tIns="45700">
+          <a:bodyPr spcFirstLastPara="1" wrap="square" lIns="91425" tIns="45700" rIns="91425" bIns="45700" anchor="b" anchorCtr="0">
             <a:noAutofit/>
           </a:bodyPr>
           <a:lstStyle/>
           <a:p>
-            <a:pPr indent="0" lvl="0" marL="0" rtl="0" algn="ctr">
+            <a:pPr marL="0" lvl="0" indent="0" algn="ctr" rtl="0">
               <a:spcBef>
                 <a:spcPts val="0"/>
               </a:spcBef>
@@ -12303,9 +12583,6 @@
               </a:spcAft>
               <a:buNone/>
             </a:pPr>
-            <a:r>
-              <a:t/>
-            </a:r>
             <a:endParaRPr/>
           </a:p>
         </p:txBody>
@@ -12313,9 +12590,11 @@
       <p:sp>
         <p:nvSpPr>
           <p:cNvPr id="99" name="Google Shape;99;gb3f3bbf87b_0_0"/>
-          <p:cNvSpPr txBox="1"/>
+          <p:cNvSpPr txBox="1">
+            <a:spLocks noGrp="1"/>
+          </p:cNvSpPr>
           <p:nvPr>
-            <p:ph idx="1" type="subTitle"/>
+            <p:ph type="subTitle" idx="1"/>
           </p:nvPr>
         </p:nvSpPr>
         <p:spPr>
@@ -12328,12 +12607,12 @@
           </a:prstGeom>
         </p:spPr>
         <p:txBody>
-          <a:bodyPr anchorCtr="0" anchor="t" bIns="45700" lIns="91425" spcFirstLastPara="1" rIns="91425" wrap="square" tIns="45700">
+          <a:bodyPr spcFirstLastPara="1" wrap="square" lIns="91425" tIns="45700" rIns="91425" bIns="45700" anchor="t" anchorCtr="0">
             <a:noAutofit/>
           </a:bodyPr>
           <a:lstStyle/>
           <a:p>
-            <a:pPr indent="0" lvl="0" marL="0" rtl="0" algn="ctr">
+            <a:pPr marL="0" lvl="0" indent="0" algn="ctr" rtl="0">
               <a:spcBef>
                 <a:spcPts val="1000"/>
               </a:spcBef>
@@ -12342,9 +12621,6 @@
               </a:spcAft>
               <a:buNone/>
             </a:pPr>
-            <a:r>
-              <a:t/>
-            </a:r>
             <a:endParaRPr/>
           </a:p>
         </p:txBody>
@@ -12352,9 +12628,11 @@
       <p:sp>
         <p:nvSpPr>
           <p:cNvPr id="100" name="Google Shape;100;gb3f3bbf87b_0_0"/>
-          <p:cNvSpPr txBox="1"/>
+          <p:cNvSpPr txBox="1">
+            <a:spLocks noGrp="1"/>
+          </p:cNvSpPr>
           <p:nvPr>
-            <p:ph idx="4294967295" type="title"/>
+            <p:ph type="title" idx="4294967295"/>
           </p:nvPr>
         </p:nvSpPr>
         <p:spPr>
@@ -12371,12 +12649,12 @@
           </a:ln>
         </p:spPr>
         <p:txBody>
-          <a:bodyPr anchorCtr="0" anchor="ctr" bIns="45700" lIns="91425" spcFirstLastPara="1" rIns="91425" wrap="square" tIns="45700">
+          <a:bodyPr spcFirstLastPara="1" wrap="square" lIns="91425" tIns="45700" rIns="91425" bIns="45700" anchor="ctr" anchorCtr="0">
             <a:noAutofit/>
           </a:bodyPr>
           <a:lstStyle/>
           <a:p>
-            <a:pPr indent="0" lvl="0" marL="0" rtl="0" algn="l">
+            <a:pPr marL="0" lvl="0" indent="0" algn="l" rtl="0">
               <a:lnSpc>
                 <a:spcPct val="90000"/>
               </a:lnSpc>
@@ -12394,7 +12672,7 @@
               <a:buNone/>
             </a:pPr>
             <a:r>
-              <a:rPr b="1" lang="en-US">
+              <a:rPr lang="en-US" b="1">
                 <a:solidFill>
                   <a:srgbClr val="FF0000"/>
                 </a:solidFill>
@@ -12446,11 +12724,11 @@
 </file>
 
 <file path=ppt/slides/slide3.xml><?xml version="1.0" encoding="utf-8"?>
-<p:sld xmlns:a="http://schemas.openxmlformats.org/drawingml/2006/main" xmlns:r="http://schemas.openxmlformats.org/officeDocument/2006/relationships" xmlns:mc="http://schemas.openxmlformats.org/markup-compatibility/2006" xmlns:mv="urn:schemas-microsoft-com:mac:vml" xmlns:p="http://schemas.openxmlformats.org/presentationml/2006/main" xmlns:c="http://schemas.openxmlformats.org/drawingml/2006/chart" xmlns:dgm="http://schemas.openxmlformats.org/drawingml/2006/diagram" xmlns:o="urn:schemas-microsoft-com:office:office" xmlns:v="urn:schemas-microsoft-com:vml" xmlns:pvml="urn:schemas-microsoft-com:office:powerpoint" xmlns:com="http://schemas.openxmlformats.org/drawingml/2006/compatibility" xmlns:p14="http://schemas.microsoft.com/office/powerpoint/2010/main" xmlns:p15="http://schemas.microsoft.com/office/powerpoint/2012/main" xmlns:ahyp="http://schemas.microsoft.com/office/drawing/2018/hyperlinkcolor">
+<p:sld xmlns:a="http://schemas.openxmlformats.org/drawingml/2006/main" xmlns:r="http://schemas.openxmlformats.org/officeDocument/2006/relationships" xmlns:p="http://schemas.openxmlformats.org/presentationml/2006/main">
   <p:cSld>
     <p:spTree>
       <p:nvGrpSpPr>
-        <p:cNvPr id="105" name="Shape 105"/>
+        <p:cNvPr id="1" name="Shape 105"/>
         <p:cNvGrpSpPr/>
         <p:nvPr/>
       </p:nvGrpSpPr>
@@ -12465,7 +12743,9 @@
       <p:sp>
         <p:nvSpPr>
           <p:cNvPr id="106" name="Google Shape;106;p2"/>
-          <p:cNvSpPr txBox="1"/>
+          <p:cNvSpPr txBox="1">
+            <a:spLocks noGrp="1"/>
+          </p:cNvSpPr>
           <p:nvPr>
             <p:ph type="title"/>
           </p:nvPr>
@@ -12484,12 +12764,12 @@
           </a:ln>
         </p:spPr>
         <p:txBody>
-          <a:bodyPr anchorCtr="0" anchor="ctr" bIns="45700" lIns="91425" spcFirstLastPara="1" rIns="91425" wrap="square" tIns="45700">
+          <a:bodyPr spcFirstLastPara="1" wrap="square" lIns="91425" tIns="45700" rIns="91425" bIns="45700" anchor="ctr" anchorCtr="0">
             <a:normAutofit/>
           </a:bodyPr>
           <a:lstStyle/>
           <a:p>
-            <a:pPr indent="0" lvl="0" marL="0" rtl="0" algn="l">
+            <a:pPr marL="0" lvl="0" indent="0" algn="l" rtl="0">
               <a:lnSpc>
                 <a:spcPct val="90000"/>
               </a:lnSpc>
@@ -12507,7 +12787,7 @@
               <a:buNone/>
             </a:pPr>
             <a:r>
-              <a:rPr b="1" lang="en-US">
+              <a:rPr lang="en-US" b="1">
                 <a:solidFill>
                   <a:srgbClr val="FF0000"/>
                 </a:solidFill>
@@ -12524,30 +12804,32 @@
       </p:sp>
       <p:pic>
         <p:nvPicPr>
-          <p:cNvPr id="107" name="Google Shape;107;p2"/>
-          <p:cNvPicPr preferRelativeResize="0"/>
+          <p:cNvPr id="3" name="Picture 2">
+            <a:extLst>
+              <a:ext uri="{FF2B5EF4-FFF2-40B4-BE49-F238E27FC236}">
+                <a16:creationId xmlns:a16="http://schemas.microsoft.com/office/drawing/2014/main" id="{D7C8F330-49ED-4DD7-9E5E-7010E0E19732}"/>
+              </a:ext>
+            </a:extLst>
+          </p:cNvPr>
+          <p:cNvPicPr>
+            <a:picLocks noChangeAspect="1"/>
+          </p:cNvPicPr>
           <p:nvPr/>
         </p:nvPicPr>
         <p:blipFill>
-          <a:blip r:embed="rId3">
-            <a:alphaModFix/>
-          </a:blip>
+          <a:blip r:embed="rId3"/>
           <a:stretch>
             <a:fillRect/>
           </a:stretch>
         </p:blipFill>
         <p:spPr>
           <a:xfrm>
-            <a:off x="152400" y="1128675"/>
-            <a:ext cx="11887201" cy="5536325"/>
+            <a:off x="0" y="1295360"/>
+            <a:ext cx="12192000" cy="4836908"/>
           </a:xfrm>
           <a:prstGeom prst="rect">
             <a:avLst/>
           </a:prstGeom>
-          <a:noFill/>
-          <a:ln>
-            <a:noFill/>
-          </a:ln>
         </p:spPr>
       </p:pic>
     </p:spTree>
@@ -12559,11 +12841,11 @@
 </file>
 
 <file path=ppt/slides/slide4.xml><?xml version="1.0" encoding="utf-8"?>
-<p:sld xmlns:a="http://schemas.openxmlformats.org/drawingml/2006/main" xmlns:r="http://schemas.openxmlformats.org/officeDocument/2006/relationships" xmlns:mc="http://schemas.openxmlformats.org/markup-compatibility/2006" xmlns:mv="urn:schemas-microsoft-com:mac:vml" xmlns:p="http://schemas.openxmlformats.org/presentationml/2006/main" xmlns:c="http://schemas.openxmlformats.org/drawingml/2006/chart" xmlns:dgm="http://schemas.openxmlformats.org/drawingml/2006/diagram" xmlns:o="urn:schemas-microsoft-com:office:office" xmlns:v="urn:schemas-microsoft-com:vml" xmlns:pvml="urn:schemas-microsoft-com:office:powerpoint" xmlns:com="http://schemas.openxmlformats.org/drawingml/2006/compatibility" xmlns:p14="http://schemas.microsoft.com/office/powerpoint/2010/main" xmlns:p15="http://schemas.microsoft.com/office/powerpoint/2012/main" xmlns:ahyp="http://schemas.microsoft.com/office/drawing/2018/hyperlinkcolor">
+<p:sld xmlns:a="http://schemas.openxmlformats.org/drawingml/2006/main" xmlns:r="http://schemas.openxmlformats.org/officeDocument/2006/relationships" xmlns:p="http://schemas.openxmlformats.org/presentationml/2006/main">
   <p:cSld>
     <p:spTree>
       <p:nvGrpSpPr>
-        <p:cNvPr id="111" name="Shape 111"/>
+        <p:cNvPr id="1" name="Shape 111"/>
         <p:cNvGrpSpPr/>
         <p:nvPr/>
       </p:nvGrpSpPr>
@@ -12578,7 +12860,9 @@
       <p:sp>
         <p:nvSpPr>
           <p:cNvPr id="112" name="Google Shape;112;p3"/>
-          <p:cNvSpPr txBox="1"/>
+          <p:cNvSpPr txBox="1">
+            <a:spLocks noGrp="1"/>
+          </p:cNvSpPr>
           <p:nvPr>
             <p:ph type="title"/>
           </p:nvPr>
@@ -12597,12 +12881,12 @@
           </a:ln>
         </p:spPr>
         <p:txBody>
-          <a:bodyPr anchorCtr="0" anchor="ctr" bIns="45700" lIns="91425" spcFirstLastPara="1" rIns="91425" wrap="square" tIns="45700">
+          <a:bodyPr spcFirstLastPara="1" wrap="square" lIns="91425" tIns="45700" rIns="91425" bIns="45700" anchor="ctr" anchorCtr="0">
             <a:normAutofit/>
           </a:bodyPr>
           <a:lstStyle/>
           <a:p>
-            <a:pPr indent="0" lvl="0" marL="0" rtl="0" algn="l">
+            <a:pPr marL="0" lvl="0" indent="0" algn="l" rtl="0">
               <a:lnSpc>
                 <a:spcPct val="90000"/>
               </a:lnSpc>
@@ -12620,7 +12904,7 @@
               <a:buNone/>
             </a:pPr>
             <a:r>
-              <a:rPr b="1" lang="en-US">
+              <a:rPr lang="en-US" b="1">
                 <a:solidFill>
                   <a:srgbClr val="FF0000"/>
                 </a:solidFill>
@@ -12638,9 +12922,11 @@
       <p:sp>
         <p:nvSpPr>
           <p:cNvPr id="113" name="Google Shape;113;p3"/>
-          <p:cNvSpPr txBox="1"/>
+          <p:cNvSpPr txBox="1">
+            <a:spLocks noGrp="1"/>
+          </p:cNvSpPr>
           <p:nvPr>
-            <p:ph idx="1" type="body"/>
+            <p:ph type="body" idx="1"/>
           </p:nvPr>
         </p:nvSpPr>
         <p:spPr>
@@ -12657,12 +12943,12 @@
           </a:ln>
         </p:spPr>
         <p:txBody>
-          <a:bodyPr anchorCtr="0" anchor="t" bIns="45700" lIns="91425" spcFirstLastPara="1" rIns="91425" wrap="square" tIns="45700">
+          <a:bodyPr spcFirstLastPara="1" wrap="square" lIns="91425" tIns="45700" rIns="91425" bIns="45700" anchor="t" anchorCtr="0">
             <a:normAutofit/>
           </a:bodyPr>
           <a:lstStyle/>
           <a:p>
-            <a:pPr indent="-228600" lvl="0" marL="228600" rtl="0" algn="l">
+            <a:pPr marL="228600" lvl="0" indent="-228600" algn="l" rtl="0">
               <a:lnSpc>
                 <a:spcPct val="90000"/>
               </a:lnSpc>
@@ -12685,7 +12971,7 @@
             <a:endParaRPr/>
           </a:p>
           <a:p>
-            <a:pPr indent="-228600" lvl="0" marL="228600" rtl="0" algn="l">
+            <a:pPr marL="228600" lvl="0" indent="-228600" algn="l" rtl="0">
               <a:lnSpc>
                 <a:spcPct val="90000"/>
               </a:lnSpc>
@@ -12708,7 +12994,7 @@
             <a:endParaRPr/>
           </a:p>
           <a:p>
-            <a:pPr indent="-228600" lvl="0" marL="228600" rtl="0" algn="l">
+            <a:pPr marL="228600" lvl="0" indent="-228600" algn="l" rtl="0">
               <a:lnSpc>
                 <a:spcPct val="90000"/>
               </a:lnSpc>
@@ -12731,7 +13017,7 @@
             <a:endParaRPr/>
           </a:p>
           <a:p>
-            <a:pPr indent="-354013" lvl="0" marL="715963" rtl="0" algn="l">
+            <a:pPr marL="715963" lvl="0" indent="-354013" algn="l" rtl="0">
               <a:lnSpc>
                 <a:spcPct val="90000"/>
               </a:lnSpc>
@@ -12755,7 +13041,7 @@
             <a:endParaRPr/>
           </a:p>
           <a:p>
-            <a:pPr indent="-354013" lvl="0" marL="715963" rtl="0" algn="l">
+            <a:pPr marL="715963" lvl="0" indent="-354013" algn="l" rtl="0">
               <a:lnSpc>
                 <a:spcPct val="90000"/>
               </a:lnSpc>
@@ -12779,7 +13065,7 @@
             <a:endParaRPr/>
           </a:p>
           <a:p>
-            <a:pPr indent="-228600" lvl="0" marL="228600" rtl="0" algn="l">
+            <a:pPr marL="228600" lvl="0" indent="-228600" algn="l" rtl="0">
               <a:lnSpc>
                 <a:spcPct val="90000"/>
               </a:lnSpc>
@@ -12802,7 +13088,7 @@
             <a:endParaRPr/>
           </a:p>
           <a:p>
-            <a:pPr indent="-354013" lvl="0" marL="715963" rtl="0" algn="l">
+            <a:pPr marL="715963" lvl="0" indent="-354013" algn="l" rtl="0">
               <a:lnSpc>
                 <a:spcPct val="90000"/>
               </a:lnSpc>
@@ -12826,7 +13112,7 @@
             <a:endParaRPr/>
           </a:p>
           <a:p>
-            <a:pPr indent="-354013" lvl="0" marL="715963" rtl="0" algn="l">
+            <a:pPr marL="715963" lvl="0" indent="-354013" algn="l" rtl="0">
               <a:lnSpc>
                 <a:spcPct val="90000"/>
               </a:lnSpc>
@@ -12850,7 +13136,7 @@
             <a:endParaRPr/>
           </a:p>
           <a:p>
-            <a:pPr indent="0" lvl="0" marL="0" rtl="0" algn="l">
+            <a:pPr marL="0" lvl="0" indent="0" algn="l" rtl="0">
               <a:lnSpc>
                 <a:spcPct val="90000"/>
               </a:lnSpc>
@@ -12866,13 +13152,10 @@
               <a:buSzPts val="2800"/>
               <a:buNone/>
             </a:pPr>
-            <a:r>
-              <a:t/>
-            </a:r>
             <a:endParaRPr/>
           </a:p>
           <a:p>
-            <a:pPr indent="0" lvl="0" marL="0" rtl="0" algn="l">
+            <a:pPr marL="0" lvl="0" indent="0" algn="l" rtl="0">
               <a:lnSpc>
                 <a:spcPct val="90000"/>
               </a:lnSpc>
@@ -12888,13 +13171,10 @@
               <a:buSzPts val="2800"/>
               <a:buNone/>
             </a:pPr>
-            <a:r>
-              <a:t/>
-            </a:r>
             <a:endParaRPr/>
           </a:p>
           <a:p>
-            <a:pPr indent="-50800" lvl="0" marL="228600" rtl="0" algn="l">
+            <a:pPr marL="228600" lvl="0" indent="-50800" algn="l" rtl="0">
               <a:lnSpc>
                 <a:spcPct val="90000"/>
               </a:lnSpc>
@@ -12910,13 +13190,10 @@
               <a:buSzPts val="2800"/>
               <a:buNone/>
             </a:pPr>
-            <a:r>
-              <a:t/>
-            </a:r>
             <a:endParaRPr/>
           </a:p>
           <a:p>
-            <a:pPr indent="-50800" lvl="0" marL="228600" rtl="0" algn="l">
+            <a:pPr marL="228600" lvl="0" indent="-50800" algn="l" rtl="0">
               <a:lnSpc>
                 <a:spcPct val="90000"/>
               </a:lnSpc>
@@ -12932,13 +13209,10 @@
               <a:buSzPts val="2800"/>
               <a:buNone/>
             </a:pPr>
-            <a:r>
-              <a:t/>
-            </a:r>
             <a:endParaRPr/>
           </a:p>
           <a:p>
-            <a:pPr indent="-50800" lvl="0" marL="228600" rtl="0" algn="l">
+            <a:pPr marL="228600" lvl="0" indent="-50800" algn="l" rtl="0">
               <a:lnSpc>
                 <a:spcPct val="90000"/>
               </a:lnSpc>
@@ -12954,9 +13228,6 @@
               <a:buSzPts val="2800"/>
               <a:buNone/>
             </a:pPr>
-            <a:r>
-              <a:t/>
-            </a:r>
             <a:endParaRPr/>
           </a:p>
         </p:txBody>
@@ -12998,11 +13269,11 @@
 </file>
 
 <file path=ppt/slides/slide5.xml><?xml version="1.0" encoding="utf-8"?>
-<p:sld xmlns:a="http://schemas.openxmlformats.org/drawingml/2006/main" xmlns:r="http://schemas.openxmlformats.org/officeDocument/2006/relationships" xmlns:mc="http://schemas.openxmlformats.org/markup-compatibility/2006" xmlns:mv="urn:schemas-microsoft-com:mac:vml" xmlns:p="http://schemas.openxmlformats.org/presentationml/2006/main" xmlns:c="http://schemas.openxmlformats.org/drawingml/2006/chart" xmlns:dgm="http://schemas.openxmlformats.org/drawingml/2006/diagram" xmlns:o="urn:schemas-microsoft-com:office:office" xmlns:v="urn:schemas-microsoft-com:vml" xmlns:pvml="urn:schemas-microsoft-com:office:powerpoint" xmlns:com="http://schemas.openxmlformats.org/drawingml/2006/compatibility" xmlns:p14="http://schemas.microsoft.com/office/powerpoint/2010/main" xmlns:p15="http://schemas.microsoft.com/office/powerpoint/2012/main" xmlns:ahyp="http://schemas.microsoft.com/office/drawing/2018/hyperlinkcolor">
+<p:sld xmlns:a="http://schemas.openxmlformats.org/drawingml/2006/main" xmlns:r="http://schemas.openxmlformats.org/officeDocument/2006/relationships" xmlns:p="http://schemas.openxmlformats.org/presentationml/2006/main">
   <p:cSld>
     <p:spTree>
       <p:nvGrpSpPr>
-        <p:cNvPr id="118" name="Shape 118"/>
+        <p:cNvPr id="1" name="Shape 118"/>
         <p:cNvGrpSpPr/>
         <p:nvPr/>
       </p:nvGrpSpPr>
@@ -13017,7 +13288,9 @@
       <p:sp>
         <p:nvSpPr>
           <p:cNvPr id="119" name="Google Shape;119;p4"/>
-          <p:cNvSpPr txBox="1"/>
+          <p:cNvSpPr txBox="1">
+            <a:spLocks noGrp="1"/>
+          </p:cNvSpPr>
           <p:nvPr>
             <p:ph type="title"/>
           </p:nvPr>
@@ -13036,12 +13309,12 @@
           </a:ln>
         </p:spPr>
         <p:txBody>
-          <a:bodyPr anchorCtr="0" anchor="ctr" bIns="45700" lIns="91425" spcFirstLastPara="1" rIns="91425" wrap="square" tIns="45700">
+          <a:bodyPr spcFirstLastPara="1" wrap="square" lIns="91425" tIns="45700" rIns="91425" bIns="45700" anchor="ctr" anchorCtr="0">
             <a:normAutofit/>
           </a:bodyPr>
           <a:lstStyle/>
           <a:p>
-            <a:pPr indent="0" lvl="0" marL="0" rtl="0" algn="l">
+            <a:pPr marL="0" lvl="0" indent="0" algn="l" rtl="0">
               <a:lnSpc>
                 <a:spcPct val="90000"/>
               </a:lnSpc>
@@ -13059,7 +13332,7 @@
               <a:buNone/>
             </a:pPr>
             <a:r>
-              <a:rPr b="1" lang="en-US">
+              <a:rPr lang="en-US" b="1">
                 <a:solidFill>
                   <a:srgbClr val="FF0000"/>
                 </a:solidFill>
@@ -13077,9 +13350,11 @@
       <p:sp>
         <p:nvSpPr>
           <p:cNvPr id="120" name="Google Shape;120;p4"/>
-          <p:cNvSpPr txBox="1"/>
+          <p:cNvSpPr txBox="1">
+            <a:spLocks noGrp="1"/>
+          </p:cNvSpPr>
           <p:nvPr>
-            <p:ph idx="1" type="body"/>
+            <p:ph type="body" idx="1"/>
           </p:nvPr>
         </p:nvSpPr>
         <p:spPr>
@@ -13096,12 +13371,12 @@
           </a:ln>
         </p:spPr>
         <p:txBody>
-          <a:bodyPr anchorCtr="0" anchor="t" bIns="45700" lIns="91425" spcFirstLastPara="1" rIns="91425" wrap="square" tIns="45700">
+          <a:bodyPr spcFirstLastPara="1" wrap="square" lIns="91425" tIns="45700" rIns="91425" bIns="45700" anchor="t" anchorCtr="0">
             <a:normAutofit/>
           </a:bodyPr>
           <a:lstStyle/>
           <a:p>
-            <a:pPr indent="-228600" lvl="0" marL="228600" rtl="0" algn="l">
+            <a:pPr marL="228600" lvl="0" indent="-228600" algn="l" rtl="0">
               <a:lnSpc>
                 <a:spcPct val="90000"/>
               </a:lnSpc>
@@ -13124,7 +13399,7 @@
             <a:endParaRPr/>
           </a:p>
           <a:p>
-            <a:pPr indent="-165100" lvl="0" marL="228600" rtl="0" algn="l">
+            <a:pPr marL="228600" lvl="0" indent="-165100" algn="l" rtl="0">
               <a:lnSpc>
                 <a:spcPct val="90000"/>
               </a:lnSpc>
@@ -13144,7 +13419,7 @@
             <a:endParaRPr/>
           </a:p>
           <a:p>
-            <a:pPr indent="0" lvl="0" marL="0" rtl="0" algn="l">
+            <a:pPr marL="0" lvl="0" indent="0" algn="l" rtl="0">
               <a:lnSpc>
                 <a:spcPct val="90000"/>
               </a:lnSpc>
@@ -13156,13 +13431,10 @@
               </a:spcAft>
               <a:buNone/>
             </a:pPr>
-            <a:r>
-              <a:t/>
-            </a:r>
             <a:endParaRPr/>
           </a:p>
           <a:p>
-            <a:pPr indent="0" lvl="0" marL="0" rtl="0" algn="l">
+            <a:pPr marL="0" lvl="0" indent="0" algn="l" rtl="0">
               <a:lnSpc>
                 <a:spcPct val="90000"/>
               </a:lnSpc>
@@ -13174,9 +13446,6 @@
               </a:spcAft>
               <a:buNone/>
             </a:pPr>
-            <a:r>
-              <a:t/>
-            </a:r>
             <a:endParaRPr/>
           </a:p>
         </p:txBody>
@@ -13218,11 +13487,11 @@
 </file>
 
 <file path=ppt/slides/slide6.xml><?xml version="1.0" encoding="utf-8"?>
-<p:sld xmlns:a="http://schemas.openxmlformats.org/drawingml/2006/main" xmlns:r="http://schemas.openxmlformats.org/officeDocument/2006/relationships" xmlns:mc="http://schemas.openxmlformats.org/markup-compatibility/2006" xmlns:mv="urn:schemas-microsoft-com:mac:vml" xmlns:p="http://schemas.openxmlformats.org/presentationml/2006/main" xmlns:c="http://schemas.openxmlformats.org/drawingml/2006/chart" xmlns:dgm="http://schemas.openxmlformats.org/drawingml/2006/diagram" xmlns:o="urn:schemas-microsoft-com:office:office" xmlns:v="urn:schemas-microsoft-com:vml" xmlns:pvml="urn:schemas-microsoft-com:office:powerpoint" xmlns:com="http://schemas.openxmlformats.org/drawingml/2006/compatibility" xmlns:p14="http://schemas.microsoft.com/office/powerpoint/2010/main" xmlns:p15="http://schemas.microsoft.com/office/powerpoint/2012/main" xmlns:ahyp="http://schemas.microsoft.com/office/drawing/2018/hyperlinkcolor">
+<p:sld xmlns:a="http://schemas.openxmlformats.org/drawingml/2006/main" xmlns:r="http://schemas.openxmlformats.org/officeDocument/2006/relationships" xmlns:p="http://schemas.openxmlformats.org/presentationml/2006/main">
   <p:cSld>
     <p:spTree>
       <p:nvGrpSpPr>
-        <p:cNvPr id="125" name="Shape 125"/>
+        <p:cNvPr id="1" name="Shape 125"/>
         <p:cNvGrpSpPr/>
         <p:nvPr/>
       </p:nvGrpSpPr>
@@ -13237,7 +13506,9 @@
       <p:sp>
         <p:nvSpPr>
           <p:cNvPr id="126" name="Google Shape;126;p5"/>
-          <p:cNvSpPr txBox="1"/>
+          <p:cNvSpPr txBox="1">
+            <a:spLocks noGrp="1"/>
+          </p:cNvSpPr>
           <p:nvPr>
             <p:ph type="title"/>
           </p:nvPr>
@@ -13256,12 +13527,12 @@
           </a:ln>
         </p:spPr>
         <p:txBody>
-          <a:bodyPr anchorCtr="0" anchor="ctr" bIns="45700" lIns="91425" spcFirstLastPara="1" rIns="91425" wrap="square" tIns="45700">
+          <a:bodyPr spcFirstLastPara="1" wrap="square" lIns="91425" tIns="45700" rIns="91425" bIns="45700" anchor="ctr" anchorCtr="0">
             <a:normAutofit/>
           </a:bodyPr>
           <a:lstStyle/>
           <a:p>
-            <a:pPr indent="0" lvl="0" marL="0" rtl="0" algn="l">
+            <a:pPr marL="0" lvl="0" indent="0" algn="l" rtl="0">
               <a:lnSpc>
                 <a:spcPct val="90000"/>
               </a:lnSpc>
@@ -13279,7 +13550,7 @@
               <a:buNone/>
             </a:pPr>
             <a:r>
-              <a:rPr b="1" lang="en-US">
+              <a:rPr lang="en-US" b="1">
                 <a:solidFill>
                   <a:srgbClr val="FF0000"/>
                 </a:solidFill>
@@ -13297,9 +13568,11 @@
       <p:sp>
         <p:nvSpPr>
           <p:cNvPr id="127" name="Google Shape;127;p5"/>
-          <p:cNvSpPr txBox="1"/>
+          <p:cNvSpPr txBox="1">
+            <a:spLocks noGrp="1"/>
+          </p:cNvSpPr>
           <p:nvPr>
-            <p:ph idx="1" type="body"/>
+            <p:ph type="body" idx="1"/>
           </p:nvPr>
         </p:nvSpPr>
         <p:spPr>
@@ -13316,12 +13589,12 @@
           </a:ln>
         </p:spPr>
         <p:txBody>
-          <a:bodyPr anchorCtr="0" anchor="t" bIns="45700" lIns="91425" spcFirstLastPara="1" rIns="91425" wrap="square" tIns="45700">
+          <a:bodyPr spcFirstLastPara="1" wrap="square" lIns="91425" tIns="45700" rIns="91425" bIns="45700" anchor="t" anchorCtr="0">
             <a:normAutofit/>
           </a:bodyPr>
           <a:lstStyle/>
           <a:p>
-            <a:pPr indent="-228600" lvl="0" marL="228600" rtl="0" algn="l">
+            <a:pPr marL="228600" lvl="0" indent="-228600" algn="l" rtl="0">
               <a:lnSpc>
                 <a:spcPct val="90000"/>
               </a:lnSpc>
@@ -13382,11 +13655,11 @@
 </file>
 
 <file path=ppt/slides/slide7.xml><?xml version="1.0" encoding="utf-8"?>
-<p:sld xmlns:a="http://schemas.openxmlformats.org/drawingml/2006/main" xmlns:r="http://schemas.openxmlformats.org/officeDocument/2006/relationships" xmlns:mc="http://schemas.openxmlformats.org/markup-compatibility/2006" xmlns:mv="urn:schemas-microsoft-com:mac:vml" xmlns:p="http://schemas.openxmlformats.org/presentationml/2006/main" xmlns:c="http://schemas.openxmlformats.org/drawingml/2006/chart" xmlns:dgm="http://schemas.openxmlformats.org/drawingml/2006/diagram" xmlns:o="urn:schemas-microsoft-com:office:office" xmlns:v="urn:schemas-microsoft-com:vml" xmlns:pvml="urn:schemas-microsoft-com:office:powerpoint" xmlns:com="http://schemas.openxmlformats.org/drawingml/2006/compatibility" xmlns:p14="http://schemas.microsoft.com/office/powerpoint/2010/main" xmlns:p15="http://schemas.microsoft.com/office/powerpoint/2012/main" xmlns:ahyp="http://schemas.microsoft.com/office/drawing/2018/hyperlinkcolor">
+<p:sld xmlns:a="http://schemas.openxmlformats.org/drawingml/2006/main" xmlns:r="http://schemas.openxmlformats.org/officeDocument/2006/relationships" xmlns:p="http://schemas.openxmlformats.org/presentationml/2006/main">
   <p:cSld>
     <p:spTree>
       <p:nvGrpSpPr>
-        <p:cNvPr id="132" name="Shape 132"/>
+        <p:cNvPr id="1" name="Shape 132"/>
         <p:cNvGrpSpPr/>
         <p:nvPr/>
       </p:nvGrpSpPr>
@@ -13401,7 +13674,9 @@
       <p:sp>
         <p:nvSpPr>
           <p:cNvPr id="133" name="Google Shape;133;gaa71e5d8a0_0_1"/>
-          <p:cNvSpPr txBox="1"/>
+          <p:cNvSpPr txBox="1">
+            <a:spLocks noGrp="1"/>
+          </p:cNvSpPr>
           <p:nvPr>
             <p:ph type="title"/>
           </p:nvPr>
@@ -13416,12 +13691,12 @@
           </a:prstGeom>
         </p:spPr>
         <p:txBody>
-          <a:bodyPr anchorCtr="0" anchor="ctr" bIns="45700" lIns="91425" spcFirstLastPara="1" rIns="91425" wrap="square" tIns="45700">
+          <a:bodyPr spcFirstLastPara="1" wrap="square" lIns="91425" tIns="45700" rIns="91425" bIns="45700" anchor="ctr" anchorCtr="0">
             <a:noAutofit/>
           </a:bodyPr>
           <a:lstStyle/>
           <a:p>
-            <a:pPr indent="0" lvl="0" marL="0" rtl="0" algn="l">
+            <a:pPr marL="0" lvl="0" indent="0" algn="l" rtl="0">
               <a:spcBef>
                 <a:spcPts val="0"/>
               </a:spcBef>
@@ -13431,7 +13706,7 @@
               <a:buNone/>
             </a:pPr>
             <a:r>
-              <a:rPr b="1" lang="en-US">
+              <a:rPr lang="en-US" b="1">
                 <a:solidFill>
                   <a:srgbClr val="FF0000"/>
                 </a:solidFill>
@@ -13449,9 +13724,11 @@
       <p:sp>
         <p:nvSpPr>
           <p:cNvPr id="134" name="Google Shape;134;gaa71e5d8a0_0_1"/>
-          <p:cNvSpPr txBox="1"/>
+          <p:cNvSpPr txBox="1">
+            <a:spLocks noGrp="1"/>
+          </p:cNvSpPr>
           <p:nvPr>
-            <p:ph idx="1" type="body"/>
+            <p:ph type="body" idx="1"/>
           </p:nvPr>
         </p:nvSpPr>
         <p:spPr>
@@ -13464,12 +13741,12 @@
           </a:prstGeom>
         </p:spPr>
         <p:txBody>
-          <a:bodyPr anchorCtr="0" anchor="t" bIns="45700" lIns="91425" spcFirstLastPara="1" rIns="91425" wrap="square" tIns="45700">
+          <a:bodyPr spcFirstLastPara="1" wrap="square" lIns="91425" tIns="45700" rIns="91425" bIns="45700" anchor="t" anchorCtr="0">
             <a:noAutofit/>
           </a:bodyPr>
           <a:lstStyle/>
           <a:p>
-            <a:pPr indent="-228600" lvl="0" marL="228600" rtl="0" algn="l">
+            <a:pPr marL="228600" lvl="0" indent="-228600" algn="l" rtl="0">
               <a:spcBef>
                 <a:spcPts val="0"/>
               </a:spcBef>
@@ -13486,7 +13763,7 @@
             <a:endParaRPr/>
           </a:p>
           <a:p>
-            <a:pPr indent="-165100" lvl="0" marL="228600" rtl="0" algn="l">
+            <a:pPr marL="228600" lvl="0" indent="-165100" algn="l" rtl="0">
               <a:spcBef>
                 <a:spcPts val="0"/>
               </a:spcBef>
@@ -13503,7 +13780,7 @@
             <a:endParaRPr/>
           </a:p>
           <a:p>
-            <a:pPr indent="-165100" lvl="0" marL="228600" rtl="0" algn="l">
+            <a:pPr marL="228600" lvl="0" indent="-165100" algn="l" rtl="0">
               <a:spcBef>
                 <a:spcPts val="0"/>
               </a:spcBef>
@@ -13558,11 +13835,11 @@
 </file>
 
 <file path=ppt/slides/slide8.xml><?xml version="1.0" encoding="utf-8"?>
-<p:sld xmlns:a="http://schemas.openxmlformats.org/drawingml/2006/main" xmlns:r="http://schemas.openxmlformats.org/officeDocument/2006/relationships" xmlns:mc="http://schemas.openxmlformats.org/markup-compatibility/2006" xmlns:mv="urn:schemas-microsoft-com:mac:vml" xmlns:p="http://schemas.openxmlformats.org/presentationml/2006/main" xmlns:c="http://schemas.openxmlformats.org/drawingml/2006/chart" xmlns:dgm="http://schemas.openxmlformats.org/drawingml/2006/diagram" xmlns:o="urn:schemas-microsoft-com:office:office" xmlns:v="urn:schemas-microsoft-com:vml" xmlns:pvml="urn:schemas-microsoft-com:office:powerpoint" xmlns:com="http://schemas.openxmlformats.org/drawingml/2006/compatibility" xmlns:p14="http://schemas.microsoft.com/office/powerpoint/2010/main" xmlns:p15="http://schemas.microsoft.com/office/powerpoint/2012/main" xmlns:ahyp="http://schemas.microsoft.com/office/drawing/2018/hyperlinkcolor">
+<p:sld xmlns:a="http://schemas.openxmlformats.org/drawingml/2006/main" xmlns:r="http://schemas.openxmlformats.org/officeDocument/2006/relationships" xmlns:p="http://schemas.openxmlformats.org/presentationml/2006/main">
   <p:cSld>
     <p:spTree>
       <p:nvGrpSpPr>
-        <p:cNvPr id="139" name="Shape 139"/>
+        <p:cNvPr id="1" name="Shape 139"/>
         <p:cNvGrpSpPr/>
         <p:nvPr/>
       </p:nvGrpSpPr>
@@ -13577,9 +13854,11 @@
       <p:sp>
         <p:nvSpPr>
           <p:cNvPr id="140" name="Google Shape;140;gaa71e5d8a0_0_7"/>
-          <p:cNvSpPr txBox="1"/>
+          <p:cNvSpPr txBox="1">
+            <a:spLocks noGrp="1"/>
+          </p:cNvSpPr>
           <p:nvPr>
-            <p:ph idx="1" type="body"/>
+            <p:ph type="body" idx="1"/>
           </p:nvPr>
         </p:nvSpPr>
         <p:spPr>
@@ -13592,12 +13871,12 @@
           </a:prstGeom>
         </p:spPr>
         <p:txBody>
-          <a:bodyPr anchorCtr="0" anchor="t" bIns="45700" lIns="91425" spcFirstLastPara="1" rIns="91425" wrap="square" tIns="45700">
+          <a:bodyPr spcFirstLastPara="1" wrap="square" lIns="91425" tIns="45700" rIns="91425" bIns="45700" anchor="t" anchorCtr="0">
             <a:noAutofit/>
           </a:bodyPr>
           <a:lstStyle/>
           <a:p>
-            <a:pPr indent="0" lvl="0" marL="0" rtl="0" algn="ctr">
+            <a:pPr marL="0" lvl="0" indent="0" algn="ctr" rtl="0">
               <a:spcBef>
                 <a:spcPts val="1000"/>
               </a:spcBef>
@@ -13607,14 +13886,14 @@
               <a:buNone/>
             </a:pPr>
             <a:r>
-              <a:rPr b="1" lang="en-US" sz="9000">
+              <a:rPr lang="en-US" sz="9000" b="1">
                 <a:solidFill>
                   <a:srgbClr val="FF0000"/>
                 </a:solidFill>
               </a:rPr>
               <a:t>THE END.</a:t>
             </a:r>
-            <a:endParaRPr b="1" sz="9000">
+            <a:endParaRPr sz="9000" b="1">
               <a:solidFill>
                 <a:srgbClr val="FF0000"/>
               </a:solidFill>
@@ -13631,7 +13910,7 @@
 </file>
 
 <file path=ppt/theme/theme1.xml><?xml version="1.0" encoding="utf-8"?>
-<a:theme xmlns:a="http://schemas.openxmlformats.org/drawingml/2006/main" xmlns:r="http://schemas.openxmlformats.org/officeDocument/2006/relationships" name="Office Theme">
+<a:theme xmlns:a="http://schemas.openxmlformats.org/drawingml/2006/main" name="Office Theme">
   <a:themeElements>
     <a:clrScheme name="Office">
       <a:dk1>
@@ -13906,11 +14185,13 @@
       </a:bgFillStyleLst>
     </a:fmtScheme>
   </a:themeElements>
+  <a:objectDefaults/>
+  <a:extraClrSchemeLst/>
 </a:theme>
 </file>
 
 <file path=ppt/theme/theme2.xml><?xml version="1.0" encoding="utf-8"?>
-<a:theme xmlns:a="http://schemas.openxmlformats.org/drawingml/2006/main" xmlns:r="http://schemas.openxmlformats.org/officeDocument/2006/relationships">
+<a:theme xmlns:a="http://schemas.openxmlformats.org/drawingml/2006/main">
   <a:themeElements>
     <a:clrScheme name="Default">
       <a:dk1>
@@ -14185,5 +14466,7 @@
       </a:bgFillStyleLst>
     </a:fmtScheme>
   </a:themeElements>
+  <a:objectDefaults/>
+  <a:extraClrSchemeLst/>
 </a:theme>
 </file>